--- a/project-docs/B_Präsentationen/JF_18.04.23_Präsentation_Ü2.pptx
+++ b/project-docs/B_Präsentationen/JF_18.04.23_Präsentation_Ü2.pptx
@@ -218,7 +218,7 @@
           <a:p>
             <a:fld id="{0049BD44-9549-5148-885E-86F25AFF069C}" type="datetimeFigureOut">
               <a:rPr lang="de-DE" smtClean="0"/>
-              <a:t>14.04.23</a:t>
+              <a:t>16.04.23</a:t>
             </a:fld>
             <a:endParaRPr lang="de-DE"/>
           </a:p>
@@ -5182,7 +5182,7 @@
           <p:nvPr>
             <p:extLst>
               <p:ext uri="{D42A27DB-BD31-4B8C-83A1-F6EECF244321}">
-                <p14:modId xmlns:p14="http://schemas.microsoft.com/office/powerpoint/2010/main" val="658772123"/>
+                <p14:modId xmlns:p14="http://schemas.microsoft.com/office/powerpoint/2010/main" val="1138904110"/>
               </p:ext>
             </p:extLst>
           </p:nvPr>
@@ -5319,6 +5319,7 @@
                     <a:bodyPr/>
                     <a:lstStyle/>
                     <a:p>
+                      <a:pPr algn="r"/>
                       <a:r>
                         <a:rPr lang="de-DE" sz="2200" b="1" i="0" kern="1200" dirty="0">
                           <a:solidFill>
@@ -5432,6 +5433,7 @@
                     <a:bodyPr/>
                     <a:lstStyle/>
                     <a:p>
+                      <a:pPr algn="r"/>
                       <a:r>
                         <a:rPr lang="de-DE" sz="2200" b="1" i="0" kern="1200" dirty="0">
                           <a:solidFill>
@@ -5556,6 +5558,7 @@
                     <a:bodyPr/>
                     <a:lstStyle/>
                     <a:p>
+                      <a:pPr algn="r"/>
                       <a:r>
                         <a:rPr lang="de-DE" sz="2200" b="1" i="0" kern="1200" dirty="0">
                           <a:solidFill>
@@ -5669,6 +5672,7 @@
                     <a:bodyPr/>
                     <a:lstStyle/>
                     <a:p>
+                      <a:pPr algn="r"/>
                       <a:r>
                         <a:rPr lang="de-DE" sz="2200" b="1" i="0" kern="1200" dirty="0">
                           <a:solidFill>

--- a/project-docs/B_Präsentationen/JF_18.04.23_Präsentation_Ü2.pptx
+++ b/project-docs/B_Präsentationen/JF_18.04.23_Präsentation_Ü2.pptx
@@ -4645,12 +4645,20 @@
               <a:buChar char="-"/>
             </a:pPr>
             <a:r>
+              <a:rPr lang="de-DE" sz="1600">
+                <a:latin typeface="Helvetica Neue" panose="02000503000000020004" pitchFamily="2" charset="0"/>
+                <a:ea typeface="Helvetica Neue" panose="02000503000000020004" pitchFamily="2" charset="0"/>
+                <a:cs typeface="Helvetica Neue" panose="02000503000000020004" pitchFamily="2" charset="0"/>
+              </a:rPr>
+              <a:t>IDE: </a:t>
+            </a:r>
+            <a:r>
               <a:rPr lang="de-DE" sz="1600" dirty="0">
                 <a:latin typeface="Helvetica Neue" panose="02000503000000020004" pitchFamily="2" charset="0"/>
                 <a:ea typeface="Helvetica Neue" panose="02000503000000020004" pitchFamily="2" charset="0"/>
                 <a:cs typeface="Helvetica Neue" panose="02000503000000020004" pitchFamily="2" charset="0"/>
               </a:rPr>
-              <a:t>DIE: Visual Studio Code (VSC)</a:t>
+              <a:t>Visual Studio Code (VSC)</a:t>
             </a:r>
           </a:p>
           <a:p>
@@ -5018,6 +5026,178 @@
   <p:clrMapOvr>
     <a:masterClrMapping/>
   </p:clrMapOvr>
+  <p:timing>
+    <p:tnLst>
+      <p:par>
+        <p:cTn id="1" dur="indefinite" restart="never" nodeType="tmRoot">
+          <p:childTnLst>
+            <p:seq concurrent="1" nextAc="seek">
+              <p:cTn id="2" dur="indefinite" nodeType="mainSeq">
+                <p:childTnLst>
+                  <p:par>
+                    <p:cTn id="3" fill="hold">
+                      <p:stCondLst>
+                        <p:cond delay="indefinite"/>
+                      </p:stCondLst>
+                      <p:childTnLst>
+                        <p:par>
+                          <p:cTn id="4" fill="hold">
+                            <p:stCondLst>
+                              <p:cond delay="0"/>
+                            </p:stCondLst>
+                            <p:childTnLst>
+                              <p:par>
+                                <p:cTn id="5" presetID="1" presetClass="entr" presetSubtype="0" fill="hold" nodeType="clickEffect">
+                                  <p:stCondLst>
+                                    <p:cond delay="0"/>
+                                  </p:stCondLst>
+                                  <p:childTnLst>
+                                    <p:set>
+                                      <p:cBhvr>
+                                        <p:cTn id="6" dur="1" fill="hold">
+                                          <p:stCondLst>
+                                            <p:cond delay="0"/>
+                                          </p:stCondLst>
+                                        </p:cTn>
+                                        <p:tgtEl>
+                                          <p:spTgt spid="3">
+                                            <p:txEl>
+                                              <p:pRg st="6" end="6"/>
+                                            </p:txEl>
+                                          </p:spTgt>
+                                        </p:tgtEl>
+                                        <p:attrNameLst>
+                                          <p:attrName>style.visibility</p:attrName>
+                                        </p:attrNameLst>
+                                      </p:cBhvr>
+                                      <p:to>
+                                        <p:strVal val="visible"/>
+                                      </p:to>
+                                    </p:set>
+                                  </p:childTnLst>
+                                </p:cTn>
+                              </p:par>
+                              <p:par>
+                                <p:cTn id="7" presetID="1" presetClass="entr" presetSubtype="0" fill="hold" nodeType="withEffect">
+                                  <p:stCondLst>
+                                    <p:cond delay="0"/>
+                                  </p:stCondLst>
+                                  <p:childTnLst>
+                                    <p:set>
+                                      <p:cBhvr>
+                                        <p:cTn id="8" dur="1" fill="hold">
+                                          <p:stCondLst>
+                                            <p:cond delay="0"/>
+                                          </p:stCondLst>
+                                        </p:cTn>
+                                        <p:tgtEl>
+                                          <p:spTgt spid="3">
+                                            <p:txEl>
+                                              <p:pRg st="7" end="7"/>
+                                            </p:txEl>
+                                          </p:spTgt>
+                                        </p:tgtEl>
+                                        <p:attrNameLst>
+                                          <p:attrName>style.visibility</p:attrName>
+                                        </p:attrNameLst>
+                                      </p:cBhvr>
+                                      <p:to>
+                                        <p:strVal val="visible"/>
+                                      </p:to>
+                                    </p:set>
+                                  </p:childTnLst>
+                                </p:cTn>
+                              </p:par>
+                              <p:par>
+                                <p:cTn id="9" presetID="1" presetClass="entr" presetSubtype="0" fill="hold" nodeType="withEffect">
+                                  <p:stCondLst>
+                                    <p:cond delay="0"/>
+                                  </p:stCondLst>
+                                  <p:childTnLst>
+                                    <p:set>
+                                      <p:cBhvr>
+                                        <p:cTn id="10" dur="1" fill="hold">
+                                          <p:stCondLst>
+                                            <p:cond delay="0"/>
+                                          </p:stCondLst>
+                                        </p:cTn>
+                                        <p:tgtEl>
+                                          <p:spTgt spid="3">
+                                            <p:txEl>
+                                              <p:pRg st="8" end="8"/>
+                                            </p:txEl>
+                                          </p:spTgt>
+                                        </p:tgtEl>
+                                        <p:attrNameLst>
+                                          <p:attrName>style.visibility</p:attrName>
+                                        </p:attrNameLst>
+                                      </p:cBhvr>
+                                      <p:to>
+                                        <p:strVal val="visible"/>
+                                      </p:to>
+                                    </p:set>
+                                  </p:childTnLst>
+                                </p:cTn>
+                              </p:par>
+                              <p:par>
+                                <p:cTn id="11" presetID="1" presetClass="entr" presetSubtype="0" fill="hold" nodeType="withEffect">
+                                  <p:stCondLst>
+                                    <p:cond delay="0"/>
+                                  </p:stCondLst>
+                                  <p:childTnLst>
+                                    <p:set>
+                                      <p:cBhvr>
+                                        <p:cTn id="12" dur="1" fill="hold">
+                                          <p:stCondLst>
+                                            <p:cond delay="0"/>
+                                          </p:stCondLst>
+                                        </p:cTn>
+                                        <p:tgtEl>
+                                          <p:spTgt spid="3">
+                                            <p:txEl>
+                                              <p:pRg st="9" end="9"/>
+                                            </p:txEl>
+                                          </p:spTgt>
+                                        </p:tgtEl>
+                                        <p:attrNameLst>
+                                          <p:attrName>style.visibility</p:attrName>
+                                        </p:attrNameLst>
+                                      </p:cBhvr>
+                                      <p:to>
+                                        <p:strVal val="visible"/>
+                                      </p:to>
+                                    </p:set>
+                                  </p:childTnLst>
+                                </p:cTn>
+                              </p:par>
+                            </p:childTnLst>
+                          </p:cTn>
+                        </p:par>
+                      </p:childTnLst>
+                    </p:cTn>
+                  </p:par>
+                </p:childTnLst>
+              </p:cTn>
+              <p:prevCondLst>
+                <p:cond evt="onPrev" delay="0">
+                  <p:tgtEl>
+                    <p:sldTgt/>
+                  </p:tgtEl>
+                </p:cond>
+              </p:prevCondLst>
+              <p:nextCondLst>
+                <p:cond evt="onNext" delay="0">
+                  <p:tgtEl>
+                    <p:sldTgt/>
+                  </p:tgtEl>
+                </p:cond>
+              </p:nextCondLst>
+            </p:seq>
+          </p:childTnLst>
+        </p:cTn>
+      </p:par>
+    </p:tnLst>
+  </p:timing>
 </p:sld>
 </file>
 
@@ -8676,6 +8856,38 @@
           </a:p>
         </p:txBody>
       </p:sp>
+      <p:sp>
+        <p:nvSpPr>
+          <p:cNvPr id="2" name="Textfeld 1">
+            <a:extLst>
+              <a:ext uri="{FF2B5EF4-FFF2-40B4-BE49-F238E27FC236}">
+                <a16:creationId xmlns:a16="http://schemas.microsoft.com/office/drawing/2014/main" id="{56AD143E-3A75-F6DD-8BE9-23E3A5DD4DF8}"/>
+              </a:ext>
+            </a:extLst>
+          </p:cNvPr>
+          <p:cNvSpPr txBox="1"/>
+          <p:nvPr/>
+        </p:nvSpPr>
+        <p:spPr>
+          <a:xfrm>
+            <a:off x="3550722" y="2517569"/>
+            <a:ext cx="184731" cy="369332"/>
+          </a:xfrm>
+          <a:prstGeom prst="rect">
+            <a:avLst/>
+          </a:prstGeom>
+          <a:noFill/>
+        </p:spPr>
+        <p:txBody>
+          <a:bodyPr wrap="none" rtlCol="0">
+            <a:spAutoFit/>
+          </a:bodyPr>
+          <a:lstStyle/>
+          <a:p>
+            <a:endParaRPr lang="de-DE"/>
+          </a:p>
+        </p:txBody>
+      </p:sp>
     </p:spTree>
     <p:extLst>
       <p:ext uri="{BB962C8B-B14F-4D97-AF65-F5344CB8AC3E}">
@@ -8972,39 +9184,26 @@
                                   </p:childTnLst>
                                 </p:cTn>
                               </p:par>
+                            </p:childTnLst>
+                          </p:cTn>
+                        </p:par>
+                      </p:childTnLst>
+                    </p:cTn>
+                  </p:par>
+                  <p:par>
+                    <p:cTn id="23" fill="hold">
+                      <p:stCondLst>
+                        <p:cond delay="indefinite"/>
+                      </p:stCondLst>
+                      <p:childTnLst>
+                        <p:par>
+                          <p:cTn id="24" fill="hold">
+                            <p:stCondLst>
+                              <p:cond delay="0"/>
+                            </p:stCondLst>
+                            <p:childTnLst>
                               <p:par>
-                                <p:cTn id="23" presetID="1" presetClass="entr" presetSubtype="0" fill="hold" nodeType="withEffect">
-                                  <p:stCondLst>
-                                    <p:cond delay="0"/>
-                                  </p:stCondLst>
-                                  <p:childTnLst>
-                                    <p:set>
-                                      <p:cBhvr>
-                                        <p:cTn id="24" dur="1" fill="hold">
-                                          <p:stCondLst>
-                                            <p:cond delay="0"/>
-                                          </p:stCondLst>
-                                        </p:cTn>
-                                        <p:tgtEl>
-                                          <p:spTgt spid="20">
-                                            <p:txEl>
-                                              <p:pRg st="8" end="8"/>
-                                            </p:txEl>
-                                          </p:spTgt>
-                                        </p:tgtEl>
-                                        <p:attrNameLst>
-                                          <p:attrName>style.visibility</p:attrName>
-                                        </p:attrNameLst>
-                                      </p:cBhvr>
-                                      <p:to>
-                                        <p:strVal val="visible"/>
-                                      </p:to>
-                                    </p:set>
-                                  </p:childTnLst>
-                                </p:cTn>
-                              </p:par>
-                              <p:par>
-                                <p:cTn id="25" presetID="1" presetClass="entr" presetSubtype="0" fill="hold" nodeType="withEffect">
+                                <p:cTn id="25" presetID="1" presetClass="entr" presetSubtype="0" fill="hold" nodeType="clickEffect">
                                   <p:stCondLst>
                                     <p:cond delay="0"/>
                                   </p:stCondLst>
@@ -9019,7 +9218,7 @@
                                         <p:tgtEl>
                                           <p:spTgt spid="20">
                                             <p:txEl>
-                                              <p:pRg st="9" end="9"/>
+                                              <p:pRg st="8" end="8"/>
                                             </p:txEl>
                                           </p:spTgt>
                                         </p:tgtEl>
@@ -9050,7 +9249,7 @@
                                         <p:tgtEl>
                                           <p:spTgt spid="20">
                                             <p:txEl>
-                                              <p:pRg st="10" end="10"/>
+                                              <p:pRg st="9" end="9"/>
                                             </p:txEl>
                                           </p:spTgt>
                                         </p:tgtEl>
@@ -9074,6 +9273,37 @@
                                     <p:set>
                                       <p:cBhvr>
                                         <p:cTn id="30" dur="1" fill="hold">
+                                          <p:stCondLst>
+                                            <p:cond delay="0"/>
+                                          </p:stCondLst>
+                                        </p:cTn>
+                                        <p:tgtEl>
+                                          <p:spTgt spid="20">
+                                            <p:txEl>
+                                              <p:pRg st="10" end="10"/>
+                                            </p:txEl>
+                                          </p:spTgt>
+                                        </p:tgtEl>
+                                        <p:attrNameLst>
+                                          <p:attrName>style.visibility</p:attrName>
+                                        </p:attrNameLst>
+                                      </p:cBhvr>
+                                      <p:to>
+                                        <p:strVal val="visible"/>
+                                      </p:to>
+                                    </p:set>
+                                  </p:childTnLst>
+                                </p:cTn>
+                              </p:par>
+                              <p:par>
+                                <p:cTn id="31" presetID="1" presetClass="entr" presetSubtype="0" fill="hold" nodeType="withEffect">
+                                  <p:stCondLst>
+                                    <p:cond delay="0"/>
+                                  </p:stCondLst>
+                                  <p:childTnLst>
+                                    <p:set>
+                                      <p:cBhvr>
+                                        <p:cTn id="32" dur="1" fill="hold">
                                           <p:stCondLst>
                                             <p:cond delay="0"/>
                                           </p:stCondLst>

--- a/project-docs/B_Präsentationen/JF_18.04.23_Präsentation_Ü2.pptx
+++ b/project-docs/B_Präsentationen/JF_18.04.23_Präsentation_Ü2.pptx
@@ -4868,12 +4868,20 @@
               <a:buChar char="-"/>
             </a:pPr>
             <a:r>
+              <a:rPr lang="de-DE" sz="1600">
+                <a:latin typeface="Helvetica Neue" panose="02000503000000020004" pitchFamily="2" charset="0"/>
+                <a:ea typeface="Helvetica Neue" panose="02000503000000020004" pitchFamily="2" charset="0"/>
+                <a:cs typeface="Helvetica Neue" panose="02000503000000020004" pitchFamily="2" charset="0"/>
+              </a:rPr>
+              <a:t>IDE: </a:t>
+            </a:r>
+            <a:r>
               <a:rPr lang="de-DE" sz="1600" dirty="0">
                 <a:latin typeface="Helvetica Neue" panose="02000503000000020004" pitchFamily="2" charset="0"/>
                 <a:ea typeface="Helvetica Neue" panose="02000503000000020004" pitchFamily="2" charset="0"/>
                 <a:cs typeface="Helvetica Neue" panose="02000503000000020004" pitchFamily="2" charset="0"/>
               </a:rPr>
-              <a:t>DIE: Visual Studio Code (VSC)</a:t>
+              <a:t>Visual Studio Code (VSC)</a:t>
             </a:r>
           </a:p>
           <a:p>

--- a/project-docs/B_Präsentationen/JF_18.04.23_Präsentation_Ü2.pptx
+++ b/project-docs/B_Präsentationen/JF_18.04.23_Präsentation_Ü2.pptx
@@ -4868,20 +4868,12 @@
               <a:buChar char="-"/>
             </a:pPr>
             <a:r>
-              <a:rPr lang="de-DE" sz="1600">
-                <a:latin typeface="Helvetica Neue" panose="02000503000000020004" pitchFamily="2" charset="0"/>
-                <a:ea typeface="Helvetica Neue" panose="02000503000000020004" pitchFamily="2" charset="0"/>
-                <a:cs typeface="Helvetica Neue" panose="02000503000000020004" pitchFamily="2" charset="0"/>
-              </a:rPr>
-              <a:t>IDE: </a:t>
-            </a:r>
-            <a:r>
               <a:rPr lang="de-DE" sz="1600" dirty="0">
                 <a:latin typeface="Helvetica Neue" panose="02000503000000020004" pitchFamily="2" charset="0"/>
                 <a:ea typeface="Helvetica Neue" panose="02000503000000020004" pitchFamily="2" charset="0"/>
                 <a:cs typeface="Helvetica Neue" panose="02000503000000020004" pitchFamily="2" charset="0"/>
               </a:rPr>
-              <a:t>Visual Studio Code (VSC)</a:t>
+              <a:t>IDE: Visual Studio Code (VSC)</a:t>
             </a:r>
           </a:p>
           <a:p>
@@ -6773,7 +6765,7 @@
                   <a:effectLst/>
                   <a:latin typeface="Helvetica Neue" panose="02000503000000020004" pitchFamily="2" charset="0"/>
                 </a:rPr>
-                <a:t>Fixe Interne Stand-</a:t>
+                <a:t>Fixe interne Stand-</a:t>
               </a:r>
               <a:r>
                 <a:rPr lang="de-DE" sz="1600" b="0" i="0" u="none" strike="noStrike" dirty="0" err="1">
@@ -6835,7 +6827,26 @@
                   <a:effectLst/>
                   <a:latin typeface="Helvetica Neue" panose="02000503000000020004" pitchFamily="2" charset="0"/>
                 </a:rPr>
-                <a:t>Mehr Initiative bei Kundenmeetings zeigen</a:t>
+                <a:t>Mehr Initiative bei (Kunden-) </a:t>
+              </a:r>
+              <a:r>
+                <a:rPr lang="de-DE" sz="1600" dirty="0">
+                  <a:solidFill>
+                    <a:srgbClr val="000000"/>
+                  </a:solidFill>
+                  <a:latin typeface="Helvetica Neue" panose="02000503000000020004" pitchFamily="2" charset="0"/>
+                </a:rPr>
+                <a:t>M</a:t>
+              </a:r>
+              <a:r>
+                <a:rPr lang="de-DE" sz="1600" b="0" i="0" u="none" strike="noStrike" dirty="0">
+                  <a:solidFill>
+                    <a:srgbClr val="000000"/>
+                  </a:solidFill>
+                  <a:effectLst/>
+                  <a:latin typeface="Helvetica Neue" panose="02000503000000020004" pitchFamily="2" charset="0"/>
+                </a:rPr>
+                <a:t>eetings zeigen</a:t>
               </a:r>
             </a:p>
             <a:p>
@@ -7909,8 +7920,8 @@
         </p:nvSpPr>
         <p:spPr>
           <a:xfrm>
-            <a:off x="2646927" y="1996735"/>
-            <a:ext cx="2657341" cy="562169"/>
+            <a:off x="2550670" y="1996735"/>
+            <a:ext cx="2962883" cy="562169"/>
           </a:xfrm>
           <a:prstGeom prst="rect">
             <a:avLst/>
@@ -8533,7 +8544,7 @@
         </p:blipFill>
         <p:spPr bwMode="auto">
           <a:xfrm>
-            <a:off x="1563245" y="1568098"/>
+            <a:off x="1361920" y="1613784"/>
             <a:ext cx="1653377" cy="2488861"/>
           </a:xfrm>
           <a:prstGeom prst="rect">
@@ -8565,7 +8576,7 @@
         </p:nvSpPr>
         <p:spPr>
           <a:xfrm>
-            <a:off x="1540580" y="4206371"/>
+            <a:off x="1275435" y="4213540"/>
             <a:ext cx="2243571" cy="1569660"/>
           </a:xfrm>
           <a:prstGeom prst="rect">
@@ -8608,7 +8619,7 @@
                 <a:ea typeface="Helvetica Neue" panose="02000503000000020004" pitchFamily="2" charset="0"/>
                 <a:cs typeface="Helvetica Neue" panose="02000503000000020004" pitchFamily="2" charset="0"/>
               </a:rPr>
-              <a:t>Alter:                 23</a:t>
+              <a:t>Alter:                   23</a:t>
             </a:r>
           </a:p>
           <a:p>
@@ -8623,7 +8634,7 @@
                 <a:ea typeface="Helvetica Neue" panose="02000503000000020004" pitchFamily="2" charset="0"/>
                 <a:cs typeface="Helvetica Neue" panose="02000503000000020004" pitchFamily="2" charset="0"/>
               </a:rPr>
-              <a:t>Familienstand:  ledig</a:t>
+              <a:t>Familienstand:    ledig</a:t>
             </a:r>
           </a:p>
           <a:p>
@@ -8638,7 +8649,7 @@
                 <a:ea typeface="Helvetica Neue" panose="02000503000000020004" pitchFamily="2" charset="0"/>
                 <a:cs typeface="Helvetica Neue" panose="02000503000000020004" pitchFamily="2" charset="0"/>
               </a:rPr>
-              <a:t>Geschlecht:      Männlich</a:t>
+              <a:t>Geschlecht:        Männlich</a:t>
             </a:r>
           </a:p>
           <a:p>
@@ -8653,7 +8664,7 @@
                 <a:ea typeface="Helvetica Neue" panose="02000503000000020004" pitchFamily="2" charset="0"/>
                 <a:cs typeface="Helvetica Neue" panose="02000503000000020004" pitchFamily="2" charset="0"/>
               </a:rPr>
-              <a:t>Nationalität:      Mexikanisch</a:t>
+              <a:t>Nationalität:        Mexikanisch</a:t>
             </a:r>
           </a:p>
           <a:p>
@@ -8668,7 +8679,7 @@
                 <a:ea typeface="Helvetica Neue" panose="02000503000000020004" pitchFamily="2" charset="0"/>
                 <a:cs typeface="Helvetica Neue" panose="02000503000000020004" pitchFamily="2" charset="0"/>
               </a:rPr>
-              <a:t>Beruf:                Operator</a:t>
+              <a:t>Beruf:                  Operator</a:t>
             </a:r>
           </a:p>
         </p:txBody>
@@ -8687,8 +8698,8 @@
         </p:nvSpPr>
         <p:spPr>
           <a:xfrm>
-            <a:off x="3784159" y="1535883"/>
-            <a:ext cx="6867261" cy="3985706"/>
+            <a:off x="3784158" y="1535883"/>
+            <a:ext cx="7269911" cy="4247317"/>
           </a:xfrm>
           <a:prstGeom prst="rect">
             <a:avLst/>
@@ -8789,14 +8800,6 @@
               </a:rPr>
               <a:t>Geringe Bildung, Schulabbruch</a:t>
             </a:r>
-            <a:endParaRPr lang="de-DE" sz="1200" dirty="0">
-              <a:solidFill>
-                <a:srgbClr val="000000"/>
-              </a:solidFill>
-              <a:latin typeface="Helvetica Neue" panose="02000503000000020004" pitchFamily="2" charset="0"/>
-              <a:ea typeface="Helvetica Neue" panose="02000503000000020004" pitchFamily="2" charset="0"/>
-              <a:cs typeface="Helvetica Neue" panose="02000503000000020004" pitchFamily="2" charset="0"/>
-            </a:endParaRPr>
           </a:p>
           <a:p>
             <a:pPr marL="628650" lvl="1" indent="-171450">
@@ -8807,120 +8810,15 @@
               <a:buChar char="-"/>
             </a:pPr>
             <a:r>
-              <a:rPr lang="de-DE" sz="1200" u="none" strike="noStrike" dirty="0">
+              <a:rPr lang="de-DE" sz="1200" dirty="0">
                 <a:solidFill>
                   <a:srgbClr val="000000"/>
                 </a:solidFill>
-                <a:effectLst/>
                 <a:latin typeface="Helvetica Neue" panose="02000503000000020004" pitchFamily="2" charset="0"/>
                 <a:ea typeface="Helvetica Neue" panose="02000503000000020004" pitchFamily="2" charset="0"/>
                 <a:cs typeface="Helvetica Neue" panose="02000503000000020004" pitchFamily="2" charset="0"/>
               </a:rPr>
-              <a:t>Oft in kriminelle Aktivitäten verwickel</a:t>
-            </a:r>
-            <a:r>
-              <a:rPr lang="de-DE" sz="1200" dirty="0">
-                <a:solidFill>
-                  <a:srgbClr val="000000"/>
-                </a:solidFill>
-                <a:latin typeface="Helvetica Neue" panose="02000503000000020004" pitchFamily="2" charset="0"/>
-                <a:ea typeface="Helvetica Neue" panose="02000503000000020004" pitchFamily="2" charset="0"/>
-                <a:cs typeface="Helvetica Neue" panose="02000503000000020004" pitchFamily="2" charset="0"/>
-              </a:rPr>
-              <a:t>t</a:t>
-            </a:r>
-          </a:p>
-          <a:p>
-            <a:pPr algn="l" rtl="0">
-              <a:spcBef>
-                <a:spcPts val="1200"/>
-              </a:spcBef>
-              <a:spcAft>
-                <a:spcPts val="600"/>
-              </a:spcAft>
-            </a:pPr>
-            <a:r>
-              <a:rPr lang="de-DE" sz="1600" b="1" dirty="0">
-                <a:solidFill>
-                  <a:srgbClr val="00338D"/>
-                </a:solidFill>
-                <a:latin typeface="Helvetica Neue Condensed" panose="02000503000000020004" pitchFamily="2" charset="0"/>
-                <a:ea typeface="Helvetica Neue Condensed" panose="02000503000000020004" pitchFamily="2" charset="0"/>
-                <a:cs typeface="Helvetica Neue Condensed" panose="02000503000000020004" pitchFamily="2" charset="0"/>
-              </a:rPr>
-              <a:t>     Verhalten:</a:t>
-            </a:r>
-          </a:p>
-          <a:p>
-            <a:pPr marL="628650" lvl="1" indent="-171450">
-              <a:spcAft>
-                <a:spcPts val="600"/>
-              </a:spcAft>
-              <a:buFont typeface="Symbol" pitchFamily="2" charset="2"/>
-              <a:buChar char="-"/>
-            </a:pPr>
-            <a:r>
-              <a:rPr lang="de-DE" sz="1200" dirty="0">
-                <a:solidFill>
-                  <a:srgbClr val="000000"/>
-                </a:solidFill>
-                <a:latin typeface="Helvetica Neue" panose="02000503000000020004" pitchFamily="2" charset="0"/>
-                <a:ea typeface="Helvetica Neue" panose="02000503000000020004" pitchFamily="2" charset="0"/>
-                <a:cs typeface="Helvetica Neue" panose="02000503000000020004" pitchFamily="2" charset="0"/>
-              </a:rPr>
-              <a:t>Zeigt bei seiner Arbeit wenig Engagement </a:t>
-            </a:r>
-          </a:p>
-          <a:p>
-            <a:pPr marL="628650" lvl="1" indent="-171450">
-              <a:spcAft>
-                <a:spcPts val="600"/>
-              </a:spcAft>
-              <a:buFont typeface="Symbol" pitchFamily="2" charset="2"/>
-              <a:buChar char="-"/>
-            </a:pPr>
-            <a:r>
-              <a:rPr lang="de-DE" sz="1200" dirty="0">
-                <a:solidFill>
-                  <a:srgbClr val="000000"/>
-                </a:solidFill>
-                <a:latin typeface="Helvetica Neue" panose="02000503000000020004" pitchFamily="2" charset="0"/>
-                <a:ea typeface="Helvetica Neue" panose="02000503000000020004" pitchFamily="2" charset="0"/>
-                <a:cs typeface="Helvetica Neue" panose="02000503000000020004" pitchFamily="2" charset="0"/>
-              </a:rPr>
-              <a:t>Erscheint bei seiner Arbeit oft unpünktlich und erledigt seine Aufgaben nicht gewissenhaft </a:t>
-            </a:r>
-          </a:p>
-          <a:p>
-            <a:pPr marL="628650" lvl="1" indent="-171450">
-              <a:spcAft>
-                <a:spcPts val="1200"/>
-              </a:spcAft>
-              <a:buFont typeface="Symbol" pitchFamily="2" charset="2"/>
-              <a:buChar char="-"/>
-            </a:pPr>
-            <a:r>
-              <a:rPr lang="de-DE" sz="1200" dirty="0">
-                <a:solidFill>
-                  <a:srgbClr val="000000"/>
-                </a:solidFill>
-                <a:latin typeface="Helvetica Neue" panose="02000503000000020004" pitchFamily="2" charset="0"/>
-                <a:ea typeface="Helvetica Neue" panose="02000503000000020004" pitchFamily="2" charset="0"/>
-                <a:cs typeface="Helvetica Neue" panose="02000503000000020004" pitchFamily="2" charset="0"/>
-              </a:rPr>
-              <a:t>W</a:t>
-            </a:r>
-            <a:r>
-              <a:rPr lang="de-DE" sz="1200" u="none" strike="noStrike" dirty="0">
-                <a:solidFill>
-                  <a:srgbClr val="000000"/>
-                </a:solidFill>
-                <a:effectLst/>
-                <a:latin typeface="Helvetica Neue" panose="02000503000000020004" pitchFamily="2" charset="0"/>
-                <a:ea typeface="Helvetica Neue" panose="02000503000000020004" pitchFamily="2" charset="0"/>
-                <a:cs typeface="Helvetica Neue" panose="02000503000000020004" pitchFamily="2" charset="0"/>
-              </a:rPr>
-              <a:t>enig Interesse daran, seine Fähigkeiten zu verbessern und in der Firma aufzusteigen </a:t>
+              <a:t>Keine ausgeprägten Maschinenkenntnisse  </a:t>
             </a:r>
           </a:p>
           <a:p>
@@ -8935,24 +8833,13 @@
             <a:r>
               <a:rPr lang="de-DE" sz="1600" b="1" dirty="0">
                 <a:solidFill>
-                  <a:srgbClr val="000000"/>
-                </a:solidFill>
-                <a:latin typeface="Helvetica Neue" panose="02000503000000020004" pitchFamily="2" charset="0"/>
-                <a:ea typeface="Helvetica Neue" panose="02000503000000020004" pitchFamily="2" charset="0"/>
-                <a:cs typeface="Helvetica Neue" panose="02000503000000020004" pitchFamily="2" charset="0"/>
-              </a:rPr>
-              <a:t>     </a:t>
-            </a:r>
-            <a:r>
-              <a:rPr lang="de-DE" sz="1600" b="1" dirty="0">
-                <a:solidFill>
                   <a:srgbClr val="00338D"/>
                 </a:solidFill>
                 <a:latin typeface="Helvetica Neue Condensed" panose="02000503000000020004" pitchFamily="2" charset="0"/>
                 <a:ea typeface="Helvetica Neue Condensed" panose="02000503000000020004" pitchFamily="2" charset="0"/>
                 <a:cs typeface="Helvetica Neue Condensed" panose="02000503000000020004" pitchFamily="2" charset="0"/>
               </a:rPr>
-              <a:t>Ziele/ Bedürfnisse:</a:t>
+              <a:t>    Verhalten:</a:t>
             </a:r>
           </a:p>
           <a:p>
@@ -8964,6 +8851,37 @@
               <a:buChar char="-"/>
             </a:pPr>
             <a:r>
+              <a:rPr lang="de-DE" sz="1200" dirty="0">
+                <a:solidFill>
+                  <a:srgbClr val="000000"/>
+                </a:solidFill>
+                <a:latin typeface="Helvetica Neue" panose="02000503000000020004" pitchFamily="2" charset="0"/>
+                <a:ea typeface="Helvetica Neue" panose="02000503000000020004" pitchFamily="2" charset="0"/>
+                <a:cs typeface="Helvetica Neue" panose="02000503000000020004" pitchFamily="2" charset="0"/>
+              </a:rPr>
+              <a:t>Zeigt bei seiner Arbeit wenig Engagement und erledigt seine Aufgaben nicht sehr gewissenhaft</a:t>
+            </a:r>
+          </a:p>
+          <a:p>
+            <a:pPr marL="628650" lvl="1" indent="-171450">
+              <a:spcAft>
+                <a:spcPts val="1200"/>
+              </a:spcAft>
+              <a:buFont typeface="Symbol" pitchFamily="2" charset="2"/>
+              <a:buChar char="-"/>
+            </a:pPr>
+            <a:r>
+              <a:rPr lang="de-DE" sz="1200" dirty="0">
+                <a:solidFill>
+                  <a:srgbClr val="000000"/>
+                </a:solidFill>
+                <a:latin typeface="Helvetica Neue" panose="02000503000000020004" pitchFamily="2" charset="0"/>
+                <a:ea typeface="Helvetica Neue" panose="02000503000000020004" pitchFamily="2" charset="0"/>
+                <a:cs typeface="Helvetica Neue" panose="02000503000000020004" pitchFamily="2" charset="0"/>
+              </a:rPr>
+              <a:t>W</a:t>
+            </a:r>
+            <a:r>
               <a:rPr lang="de-DE" sz="1200" u="none" strike="noStrike" dirty="0">
                 <a:solidFill>
                   <a:srgbClr val="000000"/>
@@ -8973,7 +8891,39 @@
                 <a:ea typeface="Helvetica Neue" panose="02000503000000020004" pitchFamily="2" charset="0"/>
                 <a:cs typeface="Helvetica Neue" panose="02000503000000020004" pitchFamily="2" charset="0"/>
               </a:rPr>
-              <a:t>Geld verdienen, um sich seinen Lebensunterhalt zu sichern</a:t>
+              <a:t>enig Interesse daran, die Fehler für den Produktionsstopp besser zu verstehen </a:t>
+            </a:r>
+          </a:p>
+          <a:p>
+            <a:pPr>
+              <a:spcBef>
+                <a:spcPts val="1200"/>
+              </a:spcBef>
+              <a:spcAft>
+                <a:spcPts val="600"/>
+              </a:spcAft>
+            </a:pPr>
+            <a:r>
+              <a:rPr lang="de-DE" sz="1600" b="1" dirty="0">
+                <a:solidFill>
+                  <a:srgbClr val="000000"/>
+                </a:solidFill>
+                <a:latin typeface="Helvetica Neue" panose="02000503000000020004" pitchFamily="2" charset="0"/>
+                <a:ea typeface="Helvetica Neue" panose="02000503000000020004" pitchFamily="2" charset="0"/>
+                <a:cs typeface="Helvetica Neue" panose="02000503000000020004" pitchFamily="2" charset="0"/>
+              </a:rPr>
+              <a:t>    </a:t>
+            </a:r>
+            <a:r>
+              <a:rPr lang="de-DE" sz="1600" b="1" dirty="0">
+                <a:solidFill>
+                  <a:srgbClr val="00338D"/>
+                </a:solidFill>
+                <a:latin typeface="Helvetica Neue Condensed" panose="02000503000000020004" pitchFamily="2" charset="0"/>
+                <a:ea typeface="Helvetica Neue Condensed" panose="02000503000000020004" pitchFamily="2" charset="0"/>
+                <a:cs typeface="Helvetica Neue Condensed" panose="02000503000000020004" pitchFamily="2" charset="0"/>
+              </a:rPr>
+              <a:t>Ziele und Bedürfnisse:</a:t>
             </a:r>
           </a:p>
           <a:p>
@@ -8994,7 +8944,7 @@
                 <a:ea typeface="Helvetica Neue" panose="02000503000000020004" pitchFamily="2" charset="0"/>
                 <a:cs typeface="Helvetica Neue" panose="02000503000000020004" pitchFamily="2" charset="0"/>
               </a:rPr>
-              <a:t>Seiner </a:t>
+              <a:t>Möchte seiner </a:t>
             </a:r>
             <a:r>
               <a:rPr lang="de-DE" sz="1200" dirty="0">
@@ -9005,7 +8955,7 @@
                 <a:ea typeface="Helvetica Neue" panose="02000503000000020004" pitchFamily="2" charset="0"/>
                 <a:cs typeface="Helvetica Neue" panose="02000503000000020004" pitchFamily="2" charset="0"/>
               </a:rPr>
-              <a:t>Familie/ seinen Eltern ein besseres Leben ermöglichen </a:t>
+              <a:t>Familie und seinen Eltern ein besseres Leben ermöglichen </a:t>
             </a:r>
           </a:p>
           <a:p>
@@ -9017,16 +8967,75 @@
               <a:buChar char="-"/>
             </a:pPr>
             <a:r>
-              <a:rPr lang="de-DE" sz="1200" u="none" strike="noStrike" dirty="0">
+              <a:rPr lang="de-DE" sz="1200" dirty="0">
                 <a:solidFill>
                   <a:srgbClr val="000000"/>
                 </a:solidFill>
-                <a:effectLst/>
                 <a:latin typeface="Helvetica Neue" panose="02000503000000020004" pitchFamily="2" charset="0"/>
                 <a:ea typeface="Helvetica Neue" panose="02000503000000020004" pitchFamily="2" charset="0"/>
                 <a:cs typeface="Helvetica Neue" panose="02000503000000020004" pitchFamily="2" charset="0"/>
               </a:rPr>
-              <a:t>Wunsch seinen Lebensstandard zu verbessern </a:t>
+              <a:t>Möchte Maschinenfehler unkompliziert, ohne spezielle Maschinen-Schulung, melden</a:t>
+            </a:r>
+          </a:p>
+          <a:p>
+            <a:pPr marL="628650" lvl="1" indent="-171450">
+              <a:spcAft>
+                <a:spcPts val="600"/>
+              </a:spcAft>
+              <a:buFont typeface="Symbol" pitchFamily="2" charset="2"/>
+              <a:buChar char="-"/>
+            </a:pPr>
+            <a:r>
+              <a:rPr lang="de-DE" sz="1200" dirty="0">
+                <a:solidFill>
+                  <a:srgbClr val="000000"/>
+                </a:solidFill>
+                <a:latin typeface="Helvetica Neue" panose="02000503000000020004" pitchFamily="2" charset="0"/>
+                <a:ea typeface="Helvetica Neue" panose="02000503000000020004" pitchFamily="2" charset="0"/>
+                <a:cs typeface="Helvetica Neue" panose="02000503000000020004" pitchFamily="2" charset="0"/>
+              </a:rPr>
+              <a:t>Möchte durch das Vermeiden manueller Dokumentation der Maschinenfehler Zeit einsparen</a:t>
+            </a:r>
+          </a:p>
+          <a:p>
+            <a:pPr marL="628650" lvl="1" indent="-171450">
+              <a:spcAft>
+                <a:spcPts val="600"/>
+              </a:spcAft>
+              <a:buFont typeface="Symbol" pitchFamily="2" charset="2"/>
+              <a:buChar char="-"/>
+            </a:pPr>
+            <a:r>
+              <a:rPr lang="de-DE" sz="1200" dirty="0">
+                <a:solidFill>
+                  <a:srgbClr val="000000"/>
+                </a:solidFill>
+                <a:latin typeface="Helvetica Neue" panose="02000503000000020004" pitchFamily="2" charset="0"/>
+                <a:ea typeface="Helvetica Neue" panose="02000503000000020004" pitchFamily="2" charset="0"/>
+                <a:cs typeface="Helvetica Neue" panose="02000503000000020004" pitchFamily="2" charset="0"/>
+              </a:rPr>
+              <a:t>Erwartet, dass er das System einfach und schnell bedienen kann </a:t>
+            </a:r>
+          </a:p>
+          <a:p>
+            <a:pPr marL="628650" lvl="1" indent="-171450">
+              <a:spcAft>
+                <a:spcPts val="600"/>
+              </a:spcAft>
+              <a:buFont typeface="Symbol" pitchFamily="2" charset="2"/>
+              <a:buChar char="-"/>
+            </a:pPr>
+            <a:r>
+              <a:rPr lang="de-DE" sz="1200" dirty="0">
+                <a:solidFill>
+                  <a:srgbClr val="000000"/>
+                </a:solidFill>
+                <a:latin typeface="Helvetica Neue" panose="02000503000000020004" pitchFamily="2" charset="0"/>
+                <a:ea typeface="Helvetica Neue" panose="02000503000000020004" pitchFamily="2" charset="0"/>
+                <a:cs typeface="Helvetica Neue" panose="02000503000000020004" pitchFamily="2" charset="0"/>
+              </a:rPr>
+              <a:t>Erwartet, dass er nach dem Erfassen der Fehlermeldung nicht mehr für die Behebung des Fehlers verantwortlich ist </a:t>
             </a:r>
           </a:p>
         </p:txBody>
@@ -9237,6 +9246,103 @@
           <a:lstStyle/>
           <a:p>
             <a:endParaRPr lang="de-DE"/>
+          </a:p>
+        </p:txBody>
+      </p:sp>
+      <p:sp>
+        <p:nvSpPr>
+          <p:cNvPr id="10" name="Rechteck 9">
+            <a:extLst>
+              <a:ext uri="{FF2B5EF4-FFF2-40B4-BE49-F238E27FC236}">
+                <a16:creationId xmlns:a16="http://schemas.microsoft.com/office/drawing/2014/main" id="{15565028-2313-AA22-2FA0-7E22CCC0B0DB}"/>
+              </a:ext>
+            </a:extLst>
+          </p:cNvPr>
+          <p:cNvSpPr/>
+          <p:nvPr/>
+        </p:nvSpPr>
+        <p:spPr>
+          <a:xfrm>
+            <a:off x="9491001" y="1093927"/>
+            <a:ext cx="387190" cy="45719"/>
+          </a:xfrm>
+          <a:prstGeom prst="rect">
+            <a:avLst/>
+          </a:prstGeom>
+          <a:solidFill>
+            <a:srgbClr val="203864"/>
+          </a:solidFill>
+          <a:ln>
+            <a:solidFill>
+              <a:srgbClr val="203864"/>
+            </a:solidFill>
+          </a:ln>
+        </p:spPr>
+        <p:style>
+          <a:lnRef idx="2">
+            <a:schemeClr val="accent1">
+              <a:shade val="50000"/>
+            </a:schemeClr>
+          </a:lnRef>
+          <a:fillRef idx="1">
+            <a:schemeClr val="accent1"/>
+          </a:fillRef>
+          <a:effectRef idx="0">
+            <a:schemeClr val="accent1"/>
+          </a:effectRef>
+          <a:fontRef idx="minor">
+            <a:schemeClr val="lt1"/>
+          </a:fontRef>
+        </p:style>
+        <p:txBody>
+          <a:bodyPr rtlCol="0" anchor="ctr"/>
+          <a:lstStyle/>
+          <a:p>
+            <a:pPr algn="ctr"/>
+            <a:endParaRPr lang="de-DE" sz="1600" b="1" dirty="0">
+              <a:latin typeface="Helvetica Neue" panose="02000503000000020004" pitchFamily="2" charset="0"/>
+              <a:ea typeface="Helvetica Neue" panose="02000503000000020004" pitchFamily="2" charset="0"/>
+              <a:cs typeface="Helvetica Neue" panose="02000503000000020004" pitchFamily="2" charset="0"/>
+            </a:endParaRPr>
+          </a:p>
+        </p:txBody>
+      </p:sp>
+      <p:sp>
+        <p:nvSpPr>
+          <p:cNvPr id="11" name="Textfeld 10">
+            <a:extLst>
+              <a:ext uri="{FF2B5EF4-FFF2-40B4-BE49-F238E27FC236}">
+                <a16:creationId xmlns:a16="http://schemas.microsoft.com/office/drawing/2014/main" id="{1C5E9B47-5404-3718-C14D-3B2B23F7D05B}"/>
+              </a:ext>
+            </a:extLst>
+          </p:cNvPr>
+          <p:cNvSpPr txBox="1"/>
+          <p:nvPr/>
+        </p:nvSpPr>
+        <p:spPr>
+          <a:xfrm>
+            <a:off x="9878190" y="973826"/>
+            <a:ext cx="1694986" cy="253916"/>
+          </a:xfrm>
+          <a:prstGeom prst="rect">
+            <a:avLst/>
+          </a:prstGeom>
+          <a:noFill/>
+        </p:spPr>
+        <p:txBody>
+          <a:bodyPr wrap="square" rtlCol="0">
+            <a:spAutoFit/>
+          </a:bodyPr>
+          <a:lstStyle/>
+          <a:p>
+            <a:r>
+              <a:rPr lang="de-DE" sz="1050" dirty="0">
+                <a:latin typeface="Helvetica Neue" panose="02000503000000020004" pitchFamily="2" charset="0"/>
+                <a:ea typeface="Helvetica Neue" panose="02000503000000020004" pitchFamily="2" charset="0"/>
+                <a:cs typeface="Helvetica Neue" panose="02000503000000020004" pitchFamily="2" charset="0"/>
+              </a:rPr>
+              <a:t>Nutzer des Systems</a:t>
+            </a:r>
           </a:p>
         </p:txBody>
       </p:sp>
@@ -9505,15 +9611,33 @@
                                   </p:childTnLst>
                                 </p:cTn>
                               </p:par>
+                            </p:childTnLst>
+                          </p:cTn>
+                        </p:par>
+                      </p:childTnLst>
+                    </p:cTn>
+                  </p:par>
+                  <p:par>
+                    <p:cTn id="21" fill="hold">
+                      <p:stCondLst>
+                        <p:cond delay="indefinite"/>
+                      </p:stCondLst>
+                      <p:childTnLst>
+                        <p:par>
+                          <p:cTn id="22" fill="hold">
+                            <p:stCondLst>
+                              <p:cond delay="0"/>
+                            </p:stCondLst>
+                            <p:childTnLst>
                               <p:par>
-                                <p:cTn id="21" presetID="1" presetClass="entr" presetSubtype="0" fill="hold" nodeType="withEffect">
+                                <p:cTn id="23" presetID="1" presetClass="entr" presetSubtype="0" fill="hold" nodeType="clickEffect">
                                   <p:stCondLst>
                                     <p:cond delay="0"/>
                                   </p:stCondLst>
                                   <p:childTnLst>
                                     <p:set>
                                       <p:cBhvr>
-                                        <p:cTn id="22" dur="1" fill="hold">
+                                        <p:cTn id="24" dur="1" fill="hold">
                                           <p:stCondLst>
                                             <p:cond delay="0"/>
                                           </p:stCondLst>
@@ -9536,26 +9660,8 @@
                                   </p:childTnLst>
                                 </p:cTn>
                               </p:par>
-                            </p:childTnLst>
-                          </p:cTn>
-                        </p:par>
-                      </p:childTnLst>
-                    </p:cTn>
-                  </p:par>
-                  <p:par>
-                    <p:cTn id="23" fill="hold">
-                      <p:stCondLst>
-                        <p:cond delay="indefinite"/>
-                      </p:stCondLst>
-                      <p:childTnLst>
-                        <p:par>
-                          <p:cTn id="24" fill="hold">
-                            <p:stCondLst>
-                              <p:cond delay="0"/>
-                            </p:stCondLst>
-                            <p:childTnLst>
                               <p:par>
-                                <p:cTn id="25" presetID="1" presetClass="entr" presetSubtype="0" fill="hold" nodeType="clickEffect">
+                                <p:cTn id="25" presetID="1" presetClass="entr" presetSubtype="0" fill="hold" nodeType="withEffect">
                                   <p:stCondLst>
                                     <p:cond delay="0"/>
                                   </p:stCondLst>
@@ -9678,6 +9784,37 @@
                                   </p:childTnLst>
                                 </p:cTn>
                               </p:par>
+                              <p:par>
+                                <p:cTn id="33" presetID="1" presetClass="entr" presetSubtype="0" fill="hold" nodeType="withEffect">
+                                  <p:stCondLst>
+                                    <p:cond delay="0"/>
+                                  </p:stCondLst>
+                                  <p:childTnLst>
+                                    <p:set>
+                                      <p:cBhvr>
+                                        <p:cTn id="34" dur="1" fill="hold">
+                                          <p:stCondLst>
+                                            <p:cond delay="0"/>
+                                          </p:stCondLst>
+                                        </p:cTn>
+                                        <p:tgtEl>
+                                          <p:spTgt spid="20">
+                                            <p:txEl>
+                                              <p:pRg st="12" end="12"/>
+                                            </p:txEl>
+                                          </p:spTgt>
+                                        </p:tgtEl>
+                                        <p:attrNameLst>
+                                          <p:attrName>style.visibility</p:attrName>
+                                        </p:attrNameLst>
+                                      </p:cBhvr>
+                                      <p:to>
+                                        <p:strVal val="visible"/>
+                                      </p:to>
+                                    </p:set>
+                                  </p:childTnLst>
+                                </p:cTn>
+                              </p:par>
                             </p:childTnLst>
                           </p:cTn>
                         </p:par>
@@ -9934,8 +10071,8 @@
         </p:nvSpPr>
         <p:spPr>
           <a:xfrm>
-            <a:off x="1540580" y="4206371"/>
-            <a:ext cx="2243571" cy="1569660"/>
+            <a:off x="1274979" y="4212387"/>
+            <a:ext cx="2360848" cy="1569660"/>
           </a:xfrm>
           <a:prstGeom prst="rect">
             <a:avLst/>
@@ -9977,7 +10114,7 @@
                 <a:ea typeface="Helvetica Neue" panose="02000503000000020004" pitchFamily="2" charset="0"/>
                 <a:cs typeface="Helvetica Neue" panose="02000503000000020004" pitchFamily="2" charset="0"/>
               </a:rPr>
-              <a:t>Alter:                 37</a:t>
+              <a:t>Alter:                   37</a:t>
             </a:r>
           </a:p>
           <a:p>
@@ -9992,7 +10129,7 @@
                 <a:ea typeface="Helvetica Neue" panose="02000503000000020004" pitchFamily="2" charset="0"/>
                 <a:cs typeface="Helvetica Neue" panose="02000503000000020004" pitchFamily="2" charset="0"/>
               </a:rPr>
-              <a:t>Familienstand:  verheiratet</a:t>
+              <a:t>Familienstand:    verheiratet</a:t>
             </a:r>
           </a:p>
           <a:p>
@@ -10007,7 +10144,7 @@
                 <a:ea typeface="Helvetica Neue" panose="02000503000000020004" pitchFamily="2" charset="0"/>
                 <a:cs typeface="Helvetica Neue" panose="02000503000000020004" pitchFamily="2" charset="0"/>
               </a:rPr>
-              <a:t>Geschlecht:      Männlich</a:t>
+              <a:t>Geschlecht:        Männlich</a:t>
             </a:r>
           </a:p>
           <a:p>
@@ -10022,7 +10159,7 @@
                 <a:ea typeface="Helvetica Neue" panose="02000503000000020004" pitchFamily="2" charset="0"/>
                 <a:cs typeface="Helvetica Neue" panose="02000503000000020004" pitchFamily="2" charset="0"/>
               </a:rPr>
-              <a:t>Nationalität:      Deutsch</a:t>
+              <a:t>Nationalität:        Deutsch</a:t>
             </a:r>
           </a:p>
           <a:p>
@@ -10037,7 +10174,7 @@
                 <a:ea typeface="Helvetica Neue" panose="02000503000000020004" pitchFamily="2" charset="0"/>
                 <a:cs typeface="Helvetica Neue" panose="02000503000000020004" pitchFamily="2" charset="0"/>
               </a:rPr>
-              <a:t>Beruf:                Operator</a:t>
+              <a:t>Beruf:                  Operator</a:t>
             </a:r>
           </a:p>
         </p:txBody>
@@ -10057,7 +10194,7 @@
         <p:spPr>
           <a:xfrm>
             <a:off x="3784159" y="1535883"/>
-            <a:ext cx="6867261" cy="4324261"/>
+            <a:ext cx="7132855" cy="4062651"/>
           </a:xfrm>
           <a:prstGeom prst="rect">
             <a:avLst/>
@@ -10131,6 +10268,47 @@
           <a:p>
             <a:pPr marL="628650" lvl="1" indent="-171450">
               <a:spcAft>
+                <a:spcPts val="1200"/>
+              </a:spcAft>
+              <a:buFont typeface="Symbol" pitchFamily="2" charset="2"/>
+              <a:buChar char="-"/>
+            </a:pPr>
+            <a:r>
+              <a:rPr lang="de-DE" sz="1200" dirty="0">
+                <a:solidFill>
+                  <a:srgbClr val="000000"/>
+                </a:solidFill>
+                <a:latin typeface="Helvetica Neue" panose="02000503000000020004" pitchFamily="2" charset="0"/>
+                <a:ea typeface="Helvetica Neue" panose="02000503000000020004" pitchFamily="2" charset="0"/>
+                <a:cs typeface="Helvetica Neue" panose="02000503000000020004" pitchFamily="2" charset="0"/>
+              </a:rPr>
+              <a:t>Ausgeprägte Maschinenkenntnisse</a:t>
+            </a:r>
+          </a:p>
+          <a:p>
+            <a:pPr>
+              <a:spcBef>
+                <a:spcPts val="1200"/>
+              </a:spcBef>
+              <a:spcAft>
+                <a:spcPts val="600"/>
+              </a:spcAft>
+            </a:pPr>
+            <a:r>
+              <a:rPr lang="de-DE" sz="1600" b="1" dirty="0">
+                <a:solidFill>
+                  <a:srgbClr val="00338D"/>
+                </a:solidFill>
+                <a:latin typeface="Helvetica Neue Condensed" panose="02000503000000020004" pitchFamily="2" charset="0"/>
+                <a:ea typeface="Helvetica Neue Condensed" panose="02000503000000020004" pitchFamily="2" charset="0"/>
+                <a:cs typeface="Helvetica Neue Condensed" panose="02000503000000020004" pitchFamily="2" charset="0"/>
+              </a:rPr>
+              <a:t>    Verhalten:</a:t>
+            </a:r>
+          </a:p>
+          <a:p>
+            <a:pPr marL="628650" lvl="1" indent="-171450">
+              <a:spcAft>
                 <a:spcPts val="600"/>
               </a:spcAft>
               <a:buFont typeface="Symbol" pitchFamily="2" charset="2"/>
@@ -10145,27 +10323,19 @@
                 <a:ea typeface="Helvetica Neue" panose="02000503000000020004" pitchFamily="2" charset="0"/>
                 <a:cs typeface="Helvetica Neue" panose="02000503000000020004" pitchFamily="2" charset="0"/>
               </a:rPr>
-              <a:t>Als Jugendlicher schon leidenschaftlich an Autos und Motorrädern geschraubt </a:t>
-            </a:r>
-          </a:p>
-          <a:p>
-            <a:pPr marL="1085850" lvl="2" indent="-171450">
-              <a:spcAft>
-                <a:spcPts val="600"/>
-              </a:spcAft>
-              <a:buFont typeface="Wingdings" pitchFamily="2" charset="2"/>
-              <a:buChar char="Ø"/>
-            </a:pPr>
-            <a:r>
-              <a:rPr lang="de-DE" sz="1200" dirty="0">
+              <a:t>M</a:t>
+            </a:r>
+            <a:r>
+              <a:rPr lang="de-DE" sz="1200" u="none" strike="noStrike" dirty="0">
                 <a:solidFill>
                   <a:srgbClr val="000000"/>
                 </a:solidFill>
+                <a:effectLst/>
                 <a:latin typeface="Helvetica Neue" panose="02000503000000020004" pitchFamily="2" charset="0"/>
                 <a:ea typeface="Helvetica Neue" panose="02000503000000020004" pitchFamily="2" charset="0"/>
                 <a:cs typeface="Helvetica Neue" panose="02000503000000020004" pitchFamily="2" charset="0"/>
               </a:rPr>
-              <a:t>Ideale Jobvorstellung: Job ausüben, bei dem man viel mit den Händen arbeitet</a:t>
+              <a:t>otiviert, engagiert, möchte seine Karriere vorantreiben</a:t>
             </a:r>
           </a:p>
           <a:p>
@@ -10177,19 +10347,20 @@
               <a:buChar char="-"/>
             </a:pPr>
             <a:r>
-              <a:rPr lang="de-DE" sz="1200" dirty="0">
+              <a:rPr lang="de-DE" sz="1200" u="none" strike="noStrike" dirty="0">
                 <a:solidFill>
                   <a:srgbClr val="000000"/>
                 </a:solidFill>
+                <a:effectLst/>
                 <a:latin typeface="Helvetica Neue" panose="02000503000000020004" pitchFamily="2" charset="0"/>
                 <a:ea typeface="Helvetica Neue" panose="02000503000000020004" pitchFamily="2" charset="0"/>
                 <a:cs typeface="Helvetica Neue" panose="02000503000000020004" pitchFamily="2" charset="0"/>
               </a:rPr>
-              <a:t>KIEFEL GmbH: Bedienung der Fiber-Maschinen</a:t>
-            </a:r>
-          </a:p>
-          <a:p>
-            <a:pPr algn="l" rtl="0">
+              <a:t>Geld verdienen ist ihm wichtig, aber nicht seine Hauptmotivation</a:t>
+            </a:r>
+          </a:p>
+          <a:p>
+            <a:pPr>
               <a:spcBef>
                 <a:spcPts val="1200"/>
               </a:spcBef>
@@ -10200,13 +10371,24 @@
             <a:r>
               <a:rPr lang="de-DE" sz="1600" b="1" dirty="0">
                 <a:solidFill>
+                  <a:srgbClr val="000000"/>
+                </a:solidFill>
+                <a:latin typeface="Helvetica Neue" panose="02000503000000020004" pitchFamily="2" charset="0"/>
+                <a:ea typeface="Helvetica Neue" panose="02000503000000020004" pitchFamily="2" charset="0"/>
+                <a:cs typeface="Helvetica Neue" panose="02000503000000020004" pitchFamily="2" charset="0"/>
+              </a:rPr>
+              <a:t>    </a:t>
+            </a:r>
+            <a:r>
+              <a:rPr lang="de-DE" sz="1600" b="1" dirty="0">
+                <a:solidFill>
                   <a:srgbClr val="00338D"/>
                 </a:solidFill>
                 <a:latin typeface="Helvetica Neue Condensed" panose="02000503000000020004" pitchFamily="2" charset="0"/>
                 <a:ea typeface="Helvetica Neue Condensed" panose="02000503000000020004" pitchFamily="2" charset="0"/>
                 <a:cs typeface="Helvetica Neue Condensed" panose="02000503000000020004" pitchFamily="2" charset="0"/>
               </a:rPr>
-              <a:t>     Verhalten:</a:t>
+              <a:t>Ziele und Bedürfnisse:</a:t>
             </a:r>
           </a:p>
           <a:p>
@@ -10226,19 +10408,7 @@
                 <a:ea typeface="Helvetica Neue" panose="02000503000000020004" pitchFamily="2" charset="0"/>
                 <a:cs typeface="Helvetica Neue" panose="02000503000000020004" pitchFamily="2" charset="0"/>
               </a:rPr>
-              <a:t>M</a:t>
-            </a:r>
-            <a:r>
-              <a:rPr lang="de-DE" sz="1200" u="none" strike="noStrike" dirty="0">
-                <a:solidFill>
-                  <a:srgbClr val="000000"/>
-                </a:solidFill>
-                <a:effectLst/>
-                <a:latin typeface="Helvetica Neue" panose="02000503000000020004" pitchFamily="2" charset="0"/>
-                <a:ea typeface="Helvetica Neue" panose="02000503000000020004" pitchFamily="2" charset="0"/>
-                <a:cs typeface="Helvetica Neue" panose="02000503000000020004" pitchFamily="2" charset="0"/>
-              </a:rPr>
-              <a:t>otiviert, engagiert, möchte seine Karriere vorantreiben</a:t>
+              <a:t>Möchte für seine Frau, seine zwei Kinder und sich eine stabile finanzielle Zukunft schaffen</a:t>
             </a:r>
           </a:p>
           <a:p>
@@ -10250,16 +10420,15 @@
               <a:buChar char="-"/>
             </a:pPr>
             <a:r>
-              <a:rPr lang="de-DE" sz="1200" u="none" strike="noStrike" dirty="0">
+              <a:rPr lang="de-DE" sz="1200" dirty="0">
                 <a:solidFill>
                   <a:srgbClr val="000000"/>
                 </a:solidFill>
-                <a:effectLst/>
                 <a:latin typeface="Helvetica Neue" panose="02000503000000020004" pitchFamily="2" charset="0"/>
                 <a:ea typeface="Helvetica Neue" panose="02000503000000020004" pitchFamily="2" charset="0"/>
                 <a:cs typeface="Helvetica Neue" panose="02000503000000020004" pitchFamily="2" charset="0"/>
               </a:rPr>
-              <a:t>Er möchte sich beweisen und seine harte Arbeit und sein Talent zeigen</a:t>
+              <a:t>Möchte durch das Vermeiden manueller Dokumentation der Maschinenfehler Zeit einsparen</a:t>
             </a:r>
           </a:p>
           <a:p>
@@ -10271,70 +10440,19 @@
               <a:buChar char="-"/>
             </a:pPr>
             <a:r>
-              <a:rPr lang="de-DE" sz="1200" u="none" strike="noStrike" dirty="0">
+              <a:rPr lang="de-DE" sz="1200" dirty="0">
                 <a:solidFill>
                   <a:srgbClr val="000000"/>
                 </a:solidFill>
-                <a:effectLst/>
                 <a:latin typeface="Helvetica Neue" panose="02000503000000020004" pitchFamily="2" charset="0"/>
                 <a:ea typeface="Helvetica Neue" panose="02000503000000020004" pitchFamily="2" charset="0"/>
                 <a:cs typeface="Helvetica Neue" panose="02000503000000020004" pitchFamily="2" charset="0"/>
               </a:rPr>
-              <a:t>Geld verdienen ist ihm wichtig, aber nicht seine Hauptmotivation</a:t>
+              <a:t>Möchte ein tieferes Verständnis für die Maschinenfehler erlangen</a:t>
             </a:r>
           </a:p>
           <a:p>
             <a:pPr marL="628650" lvl="1" indent="-171450">
-              <a:spcAft>
-                <a:spcPts val="1200"/>
-              </a:spcAft>
-              <a:buFont typeface="Symbol" pitchFamily="2" charset="2"/>
-              <a:buChar char="-"/>
-            </a:pPr>
-            <a:r>
-              <a:rPr lang="de-DE" sz="1200" u="none" strike="noStrike" dirty="0">
-                <a:solidFill>
-                  <a:srgbClr val="000000"/>
-                </a:solidFill>
-                <a:effectLst/>
-                <a:latin typeface="Helvetica Neue" panose="02000503000000020004" pitchFamily="2" charset="0"/>
-                <a:ea typeface="Helvetica Neue" panose="02000503000000020004" pitchFamily="2" charset="0"/>
-                <a:cs typeface="Helvetica Neue" panose="02000503000000020004" pitchFamily="2" charset="0"/>
-              </a:rPr>
-              <a:t>Erik ist der Meinung, dass der Erfolg abhängig vom Team ist =&gt; Teamplayer</a:t>
-            </a:r>
-            <a:endParaRPr lang="de-DE" sz="1200" dirty="0">
-              <a:solidFill>
-                <a:srgbClr val="000000"/>
-              </a:solidFill>
-              <a:latin typeface="Helvetica Neue" panose="02000503000000020004" pitchFamily="2" charset="0"/>
-              <a:ea typeface="Helvetica Neue" panose="02000503000000020004" pitchFamily="2" charset="0"/>
-              <a:cs typeface="Helvetica Neue" panose="02000503000000020004" pitchFamily="2" charset="0"/>
-            </a:endParaRPr>
-          </a:p>
-          <a:p>
-            <a:pPr algn="l" rtl="0">
-              <a:spcBef>
-                <a:spcPts val="1200"/>
-              </a:spcBef>
-              <a:spcAft>
-                <a:spcPts val="600"/>
-              </a:spcAft>
-            </a:pPr>
-            <a:r>
-              <a:rPr lang="de-DE" sz="1600" b="1" dirty="0">
-                <a:solidFill>
-                  <a:srgbClr val="00338D"/>
-                </a:solidFill>
-                <a:latin typeface="Helvetica Neue Condensed" panose="02000503000000020004" pitchFamily="2" charset="0"/>
-                <a:ea typeface="Helvetica Neue Condensed" panose="02000503000000020004" pitchFamily="2" charset="0"/>
-                <a:cs typeface="Helvetica Neue Condensed" panose="02000503000000020004" pitchFamily="2" charset="0"/>
-              </a:rPr>
-              <a:t>     Ziele/ Bedürfnisse:</a:t>
-            </a:r>
-          </a:p>
-          <a:p>
-            <a:pPr marL="685800" lvl="1" indent="-228600">
               <a:spcAft>
                 <a:spcPts val="600"/>
               </a:spcAft>
@@ -10342,31 +10460,19 @@
               <a:buChar char="-"/>
             </a:pPr>
             <a:r>
-              <a:rPr lang="de-DE" sz="1200" u="none" strike="noStrike" dirty="0">
+              <a:rPr lang="de-DE" sz="1200" dirty="0">
                 <a:solidFill>
                   <a:srgbClr val="000000"/>
                 </a:solidFill>
-                <a:effectLst/>
                 <a:latin typeface="Helvetica Neue" panose="02000503000000020004" pitchFamily="2" charset="0"/>
                 <a:ea typeface="Helvetica Neue" panose="02000503000000020004" pitchFamily="2" charset="0"/>
                 <a:cs typeface="Helvetica Neue" panose="02000503000000020004" pitchFamily="2" charset="0"/>
               </a:rPr>
-              <a:t>Besser in seinem Job werden, </a:t>
-            </a:r>
-            <a:r>
-              <a:rPr lang="de-DE" sz="1200" dirty="0">
-                <a:solidFill>
-                  <a:srgbClr val="000000"/>
-                </a:solidFill>
-                <a:latin typeface="Helvetica Neue" panose="02000503000000020004" pitchFamily="2" charset="0"/>
-                <a:ea typeface="Helvetica Neue" panose="02000503000000020004" pitchFamily="2" charset="0"/>
-                <a:cs typeface="Helvetica Neue" panose="02000503000000020004" pitchFamily="2" charset="0"/>
-              </a:rPr>
-              <a:t>Karriere bei KIEFEL machen, Verantwortung übernehmen</a:t>
-            </a:r>
-          </a:p>
-          <a:p>
-            <a:pPr marL="685800" lvl="1" indent="-228600">
+              <a:t>Erwartet, dass er das System einfach und schnell bedienen kann </a:t>
+            </a:r>
+          </a:p>
+          <a:p>
+            <a:pPr marL="628650" lvl="1" indent="-171450">
               <a:spcAft>
                 <a:spcPts val="600"/>
               </a:spcAft>
@@ -10374,22 +10480,16 @@
               <a:buChar char="-"/>
             </a:pPr>
             <a:r>
-              <a:rPr lang="de-DE" sz="1200" u="none" strike="noStrike" dirty="0">
+              <a:rPr lang="de-DE" sz="1200" dirty="0">
                 <a:solidFill>
                   <a:srgbClr val="000000"/>
                 </a:solidFill>
-                <a:effectLst/>
                 <a:latin typeface="Helvetica Neue" panose="02000503000000020004" pitchFamily="2" charset="0"/>
                 <a:ea typeface="Helvetica Neue" panose="02000503000000020004" pitchFamily="2" charset="0"/>
                 <a:cs typeface="Helvetica Neue" panose="02000503000000020004" pitchFamily="2" charset="0"/>
               </a:rPr>
-              <a:t>Stabile finanzielle Zukunft für sich, seine Frau und seine 2 Kinder schaffen</a:t>
-            </a:r>
-            <a:endParaRPr lang="de-DE" sz="1200" dirty="0">
-              <a:latin typeface="Helvetica Neue" panose="02000503000000020004" pitchFamily="2" charset="0"/>
-              <a:ea typeface="Helvetica Neue" panose="02000503000000020004" pitchFamily="2" charset="0"/>
-              <a:cs typeface="Helvetica Neue" panose="02000503000000020004" pitchFamily="2" charset="0"/>
-            </a:endParaRPr>
+              <a:t>Erwartet, aufgrund von Maschinenkenntnissen, den Fehler detaillierter melden zu können</a:t>
+            </a:r>
           </a:p>
         </p:txBody>
       </p:sp>
@@ -10463,7 +10563,7 @@
         </p:blipFill>
         <p:spPr bwMode="auto">
           <a:xfrm>
-            <a:off x="1577662" y="1569359"/>
+            <a:off x="1377793" y="1615045"/>
             <a:ext cx="1653434" cy="2487600"/>
           </a:xfrm>
           <a:prstGeom prst="rect">
@@ -10621,694 +10721,12 @@
           </a:p>
         </p:txBody>
       </p:sp>
-    </p:spTree>
-    <p:extLst>
-      <p:ext uri="{BB962C8B-B14F-4D97-AF65-F5344CB8AC3E}">
-        <p14:creationId xmlns:p14="http://schemas.microsoft.com/office/powerpoint/2010/main" val="2064508397"/>
-      </p:ext>
-    </p:extLst>
-  </p:cSld>
-  <p:clrMapOvr>
-    <a:masterClrMapping/>
-  </p:clrMapOvr>
-  <p:timing>
-    <p:tnLst>
-      <p:par>
-        <p:cTn id="1" dur="indefinite" restart="never" nodeType="tmRoot">
-          <p:childTnLst>
-            <p:seq concurrent="1" nextAc="seek">
-              <p:cTn id="2" dur="indefinite" nodeType="mainSeq">
-                <p:childTnLst>
-                  <p:par>
-                    <p:cTn id="3" fill="hold">
-                      <p:stCondLst>
-                        <p:cond delay="indefinite"/>
-                      </p:stCondLst>
-                      <p:childTnLst>
-                        <p:par>
-                          <p:cTn id="4" fill="hold">
-                            <p:stCondLst>
-                              <p:cond delay="0"/>
-                            </p:stCondLst>
-                            <p:childTnLst>
-                              <p:par>
-                                <p:cTn id="5" presetID="1" presetClass="entr" presetSubtype="0" fill="hold" nodeType="clickEffect">
-                                  <p:stCondLst>
-                                    <p:cond delay="0"/>
-                                  </p:stCondLst>
-                                  <p:childTnLst>
-                                    <p:set>
-                                      <p:cBhvr>
-                                        <p:cTn id="6" dur="1" fill="hold">
-                                          <p:stCondLst>
-                                            <p:cond delay="0"/>
-                                          </p:stCondLst>
-                                        </p:cTn>
-                                        <p:tgtEl>
-                                          <p:spTgt spid="20">
-                                            <p:txEl>
-                                              <p:pRg st="0" end="0"/>
-                                            </p:txEl>
-                                          </p:spTgt>
-                                        </p:tgtEl>
-                                        <p:attrNameLst>
-                                          <p:attrName>style.visibility</p:attrName>
-                                        </p:attrNameLst>
-                                      </p:cBhvr>
-                                      <p:to>
-                                        <p:strVal val="visible"/>
-                                      </p:to>
-                                    </p:set>
-                                  </p:childTnLst>
-                                </p:cTn>
-                              </p:par>
-                              <p:par>
-                                <p:cTn id="7" presetID="1" presetClass="entr" presetSubtype="0" fill="hold" nodeType="withEffect">
-                                  <p:stCondLst>
-                                    <p:cond delay="0"/>
-                                  </p:stCondLst>
-                                  <p:childTnLst>
-                                    <p:set>
-                                      <p:cBhvr>
-                                        <p:cTn id="8" dur="1" fill="hold">
-                                          <p:stCondLst>
-                                            <p:cond delay="0"/>
-                                          </p:stCondLst>
-                                        </p:cTn>
-                                        <p:tgtEl>
-                                          <p:spTgt spid="20">
-                                            <p:txEl>
-                                              <p:pRg st="1" end="1"/>
-                                            </p:txEl>
-                                          </p:spTgt>
-                                        </p:tgtEl>
-                                        <p:attrNameLst>
-                                          <p:attrName>style.visibility</p:attrName>
-                                        </p:attrNameLst>
-                                      </p:cBhvr>
-                                      <p:to>
-                                        <p:strVal val="visible"/>
-                                      </p:to>
-                                    </p:set>
-                                  </p:childTnLst>
-                                </p:cTn>
-                              </p:par>
-                              <p:par>
-                                <p:cTn id="9" presetID="1" presetClass="entr" presetSubtype="0" fill="hold" nodeType="withEffect">
-                                  <p:stCondLst>
-                                    <p:cond delay="0"/>
-                                  </p:stCondLst>
-                                  <p:childTnLst>
-                                    <p:set>
-                                      <p:cBhvr>
-                                        <p:cTn id="10" dur="1" fill="hold">
-                                          <p:stCondLst>
-                                            <p:cond delay="0"/>
-                                          </p:stCondLst>
-                                        </p:cTn>
-                                        <p:tgtEl>
-                                          <p:spTgt spid="20">
-                                            <p:txEl>
-                                              <p:pRg st="2" end="2"/>
-                                            </p:txEl>
-                                          </p:spTgt>
-                                        </p:tgtEl>
-                                        <p:attrNameLst>
-                                          <p:attrName>style.visibility</p:attrName>
-                                        </p:attrNameLst>
-                                      </p:cBhvr>
-                                      <p:to>
-                                        <p:strVal val="visible"/>
-                                      </p:to>
-                                    </p:set>
-                                  </p:childTnLst>
-                                </p:cTn>
-                              </p:par>
-                              <p:par>
-                                <p:cTn id="11" presetID="1" presetClass="entr" presetSubtype="0" fill="hold" nodeType="withEffect">
-                                  <p:stCondLst>
-                                    <p:cond delay="0"/>
-                                  </p:stCondLst>
-                                  <p:childTnLst>
-                                    <p:set>
-                                      <p:cBhvr>
-                                        <p:cTn id="12" dur="1" fill="hold">
-                                          <p:stCondLst>
-                                            <p:cond delay="0"/>
-                                          </p:stCondLst>
-                                        </p:cTn>
-                                        <p:tgtEl>
-                                          <p:spTgt spid="20">
-                                            <p:txEl>
-                                              <p:pRg st="3" end="3"/>
-                                            </p:txEl>
-                                          </p:spTgt>
-                                        </p:tgtEl>
-                                        <p:attrNameLst>
-                                          <p:attrName>style.visibility</p:attrName>
-                                        </p:attrNameLst>
-                                      </p:cBhvr>
-                                      <p:to>
-                                        <p:strVal val="visible"/>
-                                      </p:to>
-                                    </p:set>
-                                  </p:childTnLst>
-                                </p:cTn>
-                              </p:par>
-                              <p:par>
-                                <p:cTn id="13" presetID="1" presetClass="entr" presetSubtype="0" fill="hold" nodeType="withEffect">
-                                  <p:stCondLst>
-                                    <p:cond delay="0"/>
-                                  </p:stCondLst>
-                                  <p:childTnLst>
-                                    <p:set>
-                                      <p:cBhvr>
-                                        <p:cTn id="14" dur="1" fill="hold">
-                                          <p:stCondLst>
-                                            <p:cond delay="0"/>
-                                          </p:stCondLst>
-                                        </p:cTn>
-                                        <p:tgtEl>
-                                          <p:spTgt spid="20">
-                                            <p:txEl>
-                                              <p:pRg st="4" end="4"/>
-                                            </p:txEl>
-                                          </p:spTgt>
-                                        </p:tgtEl>
-                                        <p:attrNameLst>
-                                          <p:attrName>style.visibility</p:attrName>
-                                        </p:attrNameLst>
-                                      </p:cBhvr>
-                                      <p:to>
-                                        <p:strVal val="visible"/>
-                                      </p:to>
-                                    </p:set>
-                                  </p:childTnLst>
-                                </p:cTn>
-                              </p:par>
-                              <p:par>
-                                <p:cTn id="15" presetID="1" presetClass="entr" presetSubtype="0" fill="hold" nodeType="withEffect">
-                                  <p:stCondLst>
-                                    <p:cond delay="0"/>
-                                  </p:stCondLst>
-                                  <p:childTnLst>
-                                    <p:set>
-                                      <p:cBhvr>
-                                        <p:cTn id="16" dur="1" fill="hold">
-                                          <p:stCondLst>
-                                            <p:cond delay="0"/>
-                                          </p:stCondLst>
-                                        </p:cTn>
-                                        <p:tgtEl>
-                                          <p:spTgt spid="20">
-                                            <p:txEl>
-                                              <p:pRg st="5" end="5"/>
-                                            </p:txEl>
-                                          </p:spTgt>
-                                        </p:tgtEl>
-                                        <p:attrNameLst>
-                                          <p:attrName>style.visibility</p:attrName>
-                                        </p:attrNameLst>
-                                      </p:cBhvr>
-                                      <p:to>
-                                        <p:strVal val="visible"/>
-                                      </p:to>
-                                    </p:set>
-                                  </p:childTnLst>
-                                </p:cTn>
-                              </p:par>
-                            </p:childTnLst>
-                          </p:cTn>
-                        </p:par>
-                      </p:childTnLst>
-                    </p:cTn>
-                  </p:par>
-                  <p:par>
-                    <p:cTn id="17" fill="hold">
-                      <p:stCondLst>
-                        <p:cond delay="indefinite"/>
-                      </p:stCondLst>
-                      <p:childTnLst>
-                        <p:par>
-                          <p:cTn id="18" fill="hold">
-                            <p:stCondLst>
-                              <p:cond delay="0"/>
-                            </p:stCondLst>
-                            <p:childTnLst>
-                              <p:par>
-                                <p:cTn id="19" presetID="1" presetClass="entr" presetSubtype="0" fill="hold" nodeType="clickEffect">
-                                  <p:stCondLst>
-                                    <p:cond delay="0"/>
-                                  </p:stCondLst>
-                                  <p:childTnLst>
-                                    <p:set>
-                                      <p:cBhvr>
-                                        <p:cTn id="20" dur="1" fill="hold">
-                                          <p:stCondLst>
-                                            <p:cond delay="0"/>
-                                          </p:stCondLst>
-                                        </p:cTn>
-                                        <p:tgtEl>
-                                          <p:spTgt spid="20">
-                                            <p:txEl>
-                                              <p:pRg st="6" end="6"/>
-                                            </p:txEl>
-                                          </p:spTgt>
-                                        </p:tgtEl>
-                                        <p:attrNameLst>
-                                          <p:attrName>style.visibility</p:attrName>
-                                        </p:attrNameLst>
-                                      </p:cBhvr>
-                                      <p:to>
-                                        <p:strVal val="visible"/>
-                                      </p:to>
-                                    </p:set>
-                                  </p:childTnLst>
-                                </p:cTn>
-                              </p:par>
-                              <p:par>
-                                <p:cTn id="21" presetID="1" presetClass="entr" presetSubtype="0" fill="hold" nodeType="withEffect">
-                                  <p:stCondLst>
-                                    <p:cond delay="0"/>
-                                  </p:stCondLst>
-                                  <p:childTnLst>
-                                    <p:set>
-                                      <p:cBhvr>
-                                        <p:cTn id="22" dur="1" fill="hold">
-                                          <p:stCondLst>
-                                            <p:cond delay="0"/>
-                                          </p:stCondLst>
-                                        </p:cTn>
-                                        <p:tgtEl>
-                                          <p:spTgt spid="20">
-                                            <p:txEl>
-                                              <p:pRg st="7" end="7"/>
-                                            </p:txEl>
-                                          </p:spTgt>
-                                        </p:tgtEl>
-                                        <p:attrNameLst>
-                                          <p:attrName>style.visibility</p:attrName>
-                                        </p:attrNameLst>
-                                      </p:cBhvr>
-                                      <p:to>
-                                        <p:strVal val="visible"/>
-                                      </p:to>
-                                    </p:set>
-                                  </p:childTnLst>
-                                </p:cTn>
-                              </p:par>
-                              <p:par>
-                                <p:cTn id="23" presetID="1" presetClass="entr" presetSubtype="0" fill="hold" nodeType="withEffect">
-                                  <p:stCondLst>
-                                    <p:cond delay="0"/>
-                                  </p:stCondLst>
-                                  <p:childTnLst>
-                                    <p:set>
-                                      <p:cBhvr>
-                                        <p:cTn id="24" dur="1" fill="hold">
-                                          <p:stCondLst>
-                                            <p:cond delay="0"/>
-                                          </p:stCondLst>
-                                        </p:cTn>
-                                        <p:tgtEl>
-                                          <p:spTgt spid="20">
-                                            <p:txEl>
-                                              <p:pRg st="8" end="8"/>
-                                            </p:txEl>
-                                          </p:spTgt>
-                                        </p:tgtEl>
-                                        <p:attrNameLst>
-                                          <p:attrName>style.visibility</p:attrName>
-                                        </p:attrNameLst>
-                                      </p:cBhvr>
-                                      <p:to>
-                                        <p:strVal val="visible"/>
-                                      </p:to>
-                                    </p:set>
-                                  </p:childTnLst>
-                                </p:cTn>
-                              </p:par>
-                              <p:par>
-                                <p:cTn id="25" presetID="1" presetClass="entr" presetSubtype="0" fill="hold" nodeType="withEffect">
-                                  <p:stCondLst>
-                                    <p:cond delay="0"/>
-                                  </p:stCondLst>
-                                  <p:childTnLst>
-                                    <p:set>
-                                      <p:cBhvr>
-                                        <p:cTn id="26" dur="1" fill="hold">
-                                          <p:stCondLst>
-                                            <p:cond delay="0"/>
-                                          </p:stCondLst>
-                                        </p:cTn>
-                                        <p:tgtEl>
-                                          <p:spTgt spid="20">
-                                            <p:txEl>
-                                              <p:pRg st="9" end="9"/>
-                                            </p:txEl>
-                                          </p:spTgt>
-                                        </p:tgtEl>
-                                        <p:attrNameLst>
-                                          <p:attrName>style.visibility</p:attrName>
-                                        </p:attrNameLst>
-                                      </p:cBhvr>
-                                      <p:to>
-                                        <p:strVal val="visible"/>
-                                      </p:to>
-                                    </p:set>
-                                  </p:childTnLst>
-                                </p:cTn>
-                              </p:par>
-                              <p:par>
-                                <p:cTn id="27" presetID="1" presetClass="entr" presetSubtype="0" fill="hold" nodeType="withEffect">
-                                  <p:stCondLst>
-                                    <p:cond delay="0"/>
-                                  </p:stCondLst>
-                                  <p:childTnLst>
-                                    <p:set>
-                                      <p:cBhvr>
-                                        <p:cTn id="28" dur="1" fill="hold">
-                                          <p:stCondLst>
-                                            <p:cond delay="0"/>
-                                          </p:stCondLst>
-                                        </p:cTn>
-                                        <p:tgtEl>
-                                          <p:spTgt spid="20">
-                                            <p:txEl>
-                                              <p:pRg st="10" end="10"/>
-                                            </p:txEl>
-                                          </p:spTgt>
-                                        </p:tgtEl>
-                                        <p:attrNameLst>
-                                          <p:attrName>style.visibility</p:attrName>
-                                        </p:attrNameLst>
-                                      </p:cBhvr>
-                                      <p:to>
-                                        <p:strVal val="visible"/>
-                                      </p:to>
-                                    </p:set>
-                                  </p:childTnLst>
-                                </p:cTn>
-                              </p:par>
-                            </p:childTnLst>
-                          </p:cTn>
-                        </p:par>
-                      </p:childTnLst>
-                    </p:cTn>
-                  </p:par>
-                  <p:par>
-                    <p:cTn id="29" fill="hold">
-                      <p:stCondLst>
-                        <p:cond delay="indefinite"/>
-                      </p:stCondLst>
-                      <p:childTnLst>
-                        <p:par>
-                          <p:cTn id="30" fill="hold">
-                            <p:stCondLst>
-                              <p:cond delay="0"/>
-                            </p:stCondLst>
-                            <p:childTnLst>
-                              <p:par>
-                                <p:cTn id="31" presetID="1" presetClass="entr" presetSubtype="0" fill="hold" nodeType="clickEffect">
-                                  <p:stCondLst>
-                                    <p:cond delay="0"/>
-                                  </p:stCondLst>
-                                  <p:childTnLst>
-                                    <p:set>
-                                      <p:cBhvr>
-                                        <p:cTn id="32" dur="1" fill="hold">
-                                          <p:stCondLst>
-                                            <p:cond delay="0"/>
-                                          </p:stCondLst>
-                                        </p:cTn>
-                                        <p:tgtEl>
-                                          <p:spTgt spid="20">
-                                            <p:txEl>
-                                              <p:pRg st="11" end="11"/>
-                                            </p:txEl>
-                                          </p:spTgt>
-                                        </p:tgtEl>
-                                        <p:attrNameLst>
-                                          <p:attrName>style.visibility</p:attrName>
-                                        </p:attrNameLst>
-                                      </p:cBhvr>
-                                      <p:to>
-                                        <p:strVal val="visible"/>
-                                      </p:to>
-                                    </p:set>
-                                  </p:childTnLst>
-                                </p:cTn>
-                              </p:par>
-                              <p:par>
-                                <p:cTn id="33" presetID="1" presetClass="entr" presetSubtype="0" fill="hold" nodeType="withEffect">
-                                  <p:stCondLst>
-                                    <p:cond delay="0"/>
-                                  </p:stCondLst>
-                                  <p:childTnLst>
-                                    <p:set>
-                                      <p:cBhvr>
-                                        <p:cTn id="34" dur="1" fill="hold">
-                                          <p:stCondLst>
-                                            <p:cond delay="0"/>
-                                          </p:stCondLst>
-                                        </p:cTn>
-                                        <p:tgtEl>
-                                          <p:spTgt spid="20">
-                                            <p:txEl>
-                                              <p:pRg st="12" end="12"/>
-                                            </p:txEl>
-                                          </p:spTgt>
-                                        </p:tgtEl>
-                                        <p:attrNameLst>
-                                          <p:attrName>style.visibility</p:attrName>
-                                        </p:attrNameLst>
-                                      </p:cBhvr>
-                                      <p:to>
-                                        <p:strVal val="visible"/>
-                                      </p:to>
-                                    </p:set>
-                                  </p:childTnLst>
-                                </p:cTn>
-                              </p:par>
-                              <p:par>
-                                <p:cTn id="35" presetID="1" presetClass="entr" presetSubtype="0" fill="hold" nodeType="withEffect">
-                                  <p:stCondLst>
-                                    <p:cond delay="0"/>
-                                  </p:stCondLst>
-                                  <p:childTnLst>
-                                    <p:set>
-                                      <p:cBhvr>
-                                        <p:cTn id="36" dur="1" fill="hold">
-                                          <p:stCondLst>
-                                            <p:cond delay="0"/>
-                                          </p:stCondLst>
-                                        </p:cTn>
-                                        <p:tgtEl>
-                                          <p:spTgt spid="20">
-                                            <p:txEl>
-                                              <p:pRg st="13" end="13"/>
-                                            </p:txEl>
-                                          </p:spTgt>
-                                        </p:tgtEl>
-                                        <p:attrNameLst>
-                                          <p:attrName>style.visibility</p:attrName>
-                                        </p:attrNameLst>
-                                      </p:cBhvr>
-                                      <p:to>
-                                        <p:strVal val="visible"/>
-                                      </p:to>
-                                    </p:set>
-                                  </p:childTnLst>
-                                </p:cTn>
-                              </p:par>
-                            </p:childTnLst>
-                          </p:cTn>
-                        </p:par>
-                      </p:childTnLst>
-                    </p:cTn>
-                  </p:par>
-                </p:childTnLst>
-              </p:cTn>
-              <p:prevCondLst>
-                <p:cond evt="onPrev" delay="0">
-                  <p:tgtEl>
-                    <p:sldTgt/>
-                  </p:tgtEl>
-                </p:cond>
-              </p:prevCondLst>
-              <p:nextCondLst>
-                <p:cond evt="onNext" delay="0">
-                  <p:tgtEl>
-                    <p:sldTgt/>
-                  </p:tgtEl>
-                </p:cond>
-              </p:nextCondLst>
-            </p:seq>
-          </p:childTnLst>
-        </p:cTn>
-      </p:par>
-    </p:tnLst>
-  </p:timing>
-</p:sld>
-</file>
-
-<file path=ppt/slides/slide8.xml><?xml version="1.0" encoding="utf-8"?>
-<p:sld xmlns:a="http://schemas.openxmlformats.org/drawingml/2006/main" xmlns:r="http://schemas.openxmlformats.org/officeDocument/2006/relationships" xmlns:p="http://schemas.openxmlformats.org/presentationml/2006/main">
-  <p:cSld>
-    <p:spTree>
-      <p:nvGrpSpPr>
-        <p:cNvPr id="1" name=""/>
-        <p:cNvGrpSpPr/>
-        <p:nvPr/>
-      </p:nvGrpSpPr>
-      <p:grpSpPr>
-        <a:xfrm>
-          <a:off x="0" y="0"/>
-          <a:ext cx="0" cy="0"/>
-          <a:chOff x="0" y="0"/>
-          <a:chExt cx="0" cy="0"/>
-        </a:xfrm>
-      </p:grpSpPr>
       <p:sp>
         <p:nvSpPr>
-          <p:cNvPr id="4" name="Fußzeilenplatzhalter 3">
-            <a:extLst>
-              <a:ext uri="{FF2B5EF4-FFF2-40B4-BE49-F238E27FC236}">
-                <a16:creationId xmlns:a16="http://schemas.microsoft.com/office/drawing/2014/main" id="{363E8B53-8FAC-8EA9-E345-9CEDDA615BC4}"/>
-              </a:ext>
-            </a:extLst>
-          </p:cNvPr>
-          <p:cNvSpPr>
-            <a:spLocks noGrp="1"/>
-          </p:cNvSpPr>
-          <p:nvPr>
-            <p:ph type="ftr" sz="quarter" idx="11"/>
-          </p:nvPr>
-        </p:nvSpPr>
-        <p:spPr/>
-        <p:txBody>
-          <a:bodyPr/>
-          <a:lstStyle/>
-          <a:p>
-            <a:r>
-              <a:rPr lang="de-DE"/>
-              <a:t>Jour Fixe downtimecapture - 18.04.2023</a:t>
-            </a:r>
-          </a:p>
-        </p:txBody>
-      </p:sp>
-      <p:sp>
-        <p:nvSpPr>
-          <p:cNvPr id="5" name="Foliennummernplatzhalter 4">
-            <a:extLst>
-              <a:ext uri="{FF2B5EF4-FFF2-40B4-BE49-F238E27FC236}">
-                <a16:creationId xmlns:a16="http://schemas.microsoft.com/office/drawing/2014/main" id="{A83637DA-966E-4E6B-773B-D8F11ACBFEC9}"/>
-              </a:ext>
-            </a:extLst>
-          </p:cNvPr>
-          <p:cNvSpPr>
-            <a:spLocks noGrp="1"/>
-          </p:cNvSpPr>
-          <p:nvPr>
-            <p:ph type="sldNum" sz="quarter" idx="12"/>
-          </p:nvPr>
-        </p:nvSpPr>
-        <p:spPr/>
-        <p:txBody>
-          <a:bodyPr/>
-          <a:lstStyle/>
-          <a:p>
-            <a:fld id="{605A6E68-B495-4D48-99AB-ED1461E4207B}" type="slidenum">
-              <a:rPr lang="de-DE" smtClean="0"/>
-              <a:t>8</a:t>
-            </a:fld>
-            <a:endParaRPr lang="de-DE"/>
-          </a:p>
-        </p:txBody>
-      </p:sp>
-      <p:sp>
-        <p:nvSpPr>
-          <p:cNvPr id="6" name="Titel 6">
-            <a:extLst>
-              <a:ext uri="{FF2B5EF4-FFF2-40B4-BE49-F238E27FC236}">
-                <a16:creationId xmlns:a16="http://schemas.microsoft.com/office/drawing/2014/main" id="{E098A502-D858-F687-4DDB-A3E1834336EB}"/>
-              </a:ext>
-            </a:extLst>
-          </p:cNvPr>
-          <p:cNvSpPr>
-            <a:spLocks noGrp="1"/>
-          </p:cNvSpPr>
-          <p:nvPr>
-            <p:ph type="title"/>
-          </p:nvPr>
-        </p:nvSpPr>
-        <p:spPr>
-          <a:xfrm>
-            <a:off x="995364" y="431800"/>
-            <a:ext cx="10204450" cy="533400"/>
-          </a:xfrm>
-        </p:spPr>
-        <p:txBody>
-          <a:bodyPr>
-            <a:noAutofit/>
-          </a:bodyPr>
-          <a:lstStyle/>
-          <a:p>
-            <a:br>
-              <a:rPr lang="de-DE" sz="3600" b="1" i="0" noProof="0" dirty="0">
-                <a:solidFill>
-                  <a:schemeClr val="accent1">
-                    <a:lumMod val="50000"/>
-                  </a:schemeClr>
-                </a:solidFill>
-                <a:latin typeface="Helvetica Neue Condensed" panose="02000503000000020004" pitchFamily="2" charset="0"/>
-                <a:ea typeface="Helvetica Neue Condensed" panose="02000503000000020004" pitchFamily="2" charset="0"/>
-                <a:cs typeface="Helvetica Neue Condensed" panose="02000503000000020004" pitchFamily="2" charset="0"/>
-              </a:rPr>
-            </a:br>
-            <a:r>
-              <a:rPr lang="de-DE" sz="3600" b="1" i="0" noProof="0" dirty="0">
-                <a:solidFill>
-                  <a:srgbClr val="00338D"/>
-                </a:solidFill>
-                <a:latin typeface="Helvetica Neue Condensed" panose="02000503000000020004" pitchFamily="2" charset="0"/>
-                <a:ea typeface="Helvetica Neue Condensed" panose="02000503000000020004" pitchFamily="2" charset="0"/>
-                <a:cs typeface="Helvetica Neue Condensed" panose="02000503000000020004" pitchFamily="2" charset="0"/>
-              </a:rPr>
-              <a:t>02  Personas – Otto Optimierer</a:t>
-            </a:r>
-            <a:br>
-              <a:rPr lang="de-DE" sz="3600" b="1" i="0" noProof="0" dirty="0">
-                <a:solidFill>
-                  <a:srgbClr val="00338D"/>
-                </a:solidFill>
-                <a:latin typeface="Helvetica Neue Condensed" panose="02000503000000020004" pitchFamily="2" charset="0"/>
-                <a:ea typeface="Helvetica Neue Condensed" panose="02000503000000020004" pitchFamily="2" charset="0"/>
-                <a:cs typeface="Helvetica Neue Condensed" panose="02000503000000020004" pitchFamily="2" charset="0"/>
-              </a:rPr>
-            </a:br>
-            <a:r>
-              <a:rPr lang="de-DE" sz="3600" b="1" dirty="0">
-                <a:solidFill>
-                  <a:schemeClr val="accent1">
-                    <a:lumMod val="50000"/>
-                  </a:schemeClr>
-                </a:solidFill>
-                <a:latin typeface="Helvetica Neue Condensed" panose="02000503000000020004" pitchFamily="2" charset="0"/>
-                <a:ea typeface="Helvetica Neue Condensed" panose="02000503000000020004" pitchFamily="2" charset="0"/>
-                <a:cs typeface="Helvetica Neue Condensed" panose="02000503000000020004" pitchFamily="2" charset="0"/>
-              </a:rPr>
-              <a:t> </a:t>
-            </a:r>
-          </a:p>
-        </p:txBody>
-      </p:sp>
-      <p:sp>
-        <p:nvSpPr>
-          <p:cNvPr id="3" name="Rechteck 2">
-            <a:extLst>
-              <a:ext uri="{FF2B5EF4-FFF2-40B4-BE49-F238E27FC236}">
-                <a16:creationId xmlns:a16="http://schemas.microsoft.com/office/drawing/2014/main" id="{B389DB09-5FC7-509A-E8EF-58B58F60F3F6}"/>
+          <p:cNvPr id="14" name="Rechteck 13">
+            <a:extLst>
+              <a:ext uri="{FF2B5EF4-FFF2-40B4-BE49-F238E27FC236}">
+                <a16:creationId xmlns:a16="http://schemas.microsoft.com/office/drawing/2014/main" id="{2B90F48C-61E5-EEDD-5BCB-8670AA828FA9}"/>
               </a:ext>
             </a:extLst>
           </p:cNvPr>
@@ -11317,16 +10735,18 @@
         </p:nvSpPr>
         <p:spPr>
           <a:xfrm>
-            <a:off x="995364" y="1264024"/>
-            <a:ext cx="10204450" cy="4760258"/>
+            <a:off x="9491001" y="1093927"/>
+            <a:ext cx="387190" cy="45719"/>
           </a:xfrm>
           <a:prstGeom prst="rect">
             <a:avLst/>
           </a:prstGeom>
-          <a:noFill/>
+          <a:solidFill>
+            <a:srgbClr val="203864"/>
+          </a:solidFill>
           <a:ln>
             <a:solidFill>
-              <a:srgbClr val="002060"/>
+              <a:srgbClr val="203864"/>
             </a:solidFill>
           </a:ln>
         </p:spPr>
@@ -11351,16 +10771,20 @@
           <a:lstStyle/>
           <a:p>
             <a:pPr algn="ctr"/>
-            <a:endParaRPr lang="de-DE"/>
+            <a:endParaRPr lang="de-DE" sz="1600" b="1" dirty="0">
+              <a:latin typeface="Helvetica Neue" panose="02000503000000020004" pitchFamily="2" charset="0"/>
+              <a:ea typeface="Helvetica Neue" panose="02000503000000020004" pitchFamily="2" charset="0"/>
+              <a:cs typeface="Helvetica Neue" panose="02000503000000020004" pitchFamily="2" charset="0"/>
+            </a:endParaRPr>
           </a:p>
         </p:txBody>
       </p:sp>
       <p:sp>
         <p:nvSpPr>
-          <p:cNvPr id="7" name="Textfeld 6">
-            <a:extLst>
-              <a:ext uri="{FF2B5EF4-FFF2-40B4-BE49-F238E27FC236}">
-                <a16:creationId xmlns:a16="http://schemas.microsoft.com/office/drawing/2014/main" id="{207EC230-6C1B-D509-7CD6-1510CA493149}"/>
+          <p:cNvPr id="15" name="Textfeld 14">
+            <a:extLst>
+              <a:ext uri="{FF2B5EF4-FFF2-40B4-BE49-F238E27FC236}">
+                <a16:creationId xmlns:a16="http://schemas.microsoft.com/office/drawing/2014/main" id="{72BF09B4-8377-3F3A-A369-2C5FF884EC2B}"/>
               </a:ext>
             </a:extLst>
           </p:cNvPr>
@@ -11369,8 +10793,8 @@
         </p:nvSpPr>
         <p:spPr>
           <a:xfrm>
-            <a:off x="1540580" y="4206371"/>
-            <a:ext cx="2280868" cy="1569660"/>
+            <a:off x="9878190" y="973826"/>
+            <a:ext cx="1694986" cy="253916"/>
           </a:xfrm>
           <a:prstGeom prst="rect">
             <a:avLst/>
@@ -11383,705 +10807,13 @@
           </a:bodyPr>
           <a:lstStyle/>
           <a:p>
-            <a:pPr>
-              <a:spcAft>
-                <a:spcPts val="600"/>
-              </a:spcAft>
-            </a:pPr>
-            <a:r>
-              <a:rPr lang="de-DE" sz="1600" b="1" dirty="0">
-                <a:solidFill>
-                  <a:srgbClr val="00338D"/>
-                </a:solidFill>
-                <a:latin typeface="Helvetica Neue Condensed" panose="02000503000000020004" pitchFamily="2" charset="0"/>
-                <a:ea typeface="Helvetica Neue Condensed" panose="02000503000000020004" pitchFamily="2" charset="0"/>
-                <a:cs typeface="Helvetica Neue Condensed" panose="02000503000000020004" pitchFamily="2" charset="0"/>
-              </a:rPr>
-              <a:t>Demographische Daten:</a:t>
-            </a:r>
-          </a:p>
-          <a:p>
-            <a:pPr>
-              <a:spcAft>
-                <a:spcPts val="600"/>
-              </a:spcAft>
-            </a:pPr>
-            <a:r>
-              <a:rPr lang="de-DE" sz="1100" dirty="0">
+            <a:r>
+              <a:rPr lang="de-DE" sz="1050" dirty="0">
                 <a:latin typeface="Helvetica Neue" panose="02000503000000020004" pitchFamily="2" charset="0"/>
                 <a:ea typeface="Helvetica Neue" panose="02000503000000020004" pitchFamily="2" charset="0"/>
                 <a:cs typeface="Helvetica Neue" panose="02000503000000020004" pitchFamily="2" charset="0"/>
               </a:rPr>
-              <a:t>Alter:                 33</a:t>
-            </a:r>
-          </a:p>
-          <a:p>
-            <a:pPr>
-              <a:spcAft>
-                <a:spcPts val="600"/>
-              </a:spcAft>
-            </a:pPr>
-            <a:r>
-              <a:rPr lang="de-DE" sz="1100" dirty="0">
-                <a:latin typeface="Helvetica Neue" panose="02000503000000020004" pitchFamily="2" charset="0"/>
-                <a:ea typeface="Helvetica Neue" panose="02000503000000020004" pitchFamily="2" charset="0"/>
-                <a:cs typeface="Helvetica Neue" panose="02000503000000020004" pitchFamily="2" charset="0"/>
-              </a:rPr>
-              <a:t>Familienstand:  verheiratet</a:t>
-            </a:r>
-          </a:p>
-          <a:p>
-            <a:pPr>
-              <a:spcAft>
-                <a:spcPts val="600"/>
-              </a:spcAft>
-            </a:pPr>
-            <a:r>
-              <a:rPr lang="de-DE" sz="1100" dirty="0">
-                <a:latin typeface="Helvetica Neue" panose="02000503000000020004" pitchFamily="2" charset="0"/>
-                <a:ea typeface="Helvetica Neue" panose="02000503000000020004" pitchFamily="2" charset="0"/>
-                <a:cs typeface="Helvetica Neue" panose="02000503000000020004" pitchFamily="2" charset="0"/>
-              </a:rPr>
-              <a:t>Geschlecht:      Männlich</a:t>
-            </a:r>
-          </a:p>
-          <a:p>
-            <a:pPr>
-              <a:spcAft>
-                <a:spcPts val="600"/>
-              </a:spcAft>
-            </a:pPr>
-            <a:r>
-              <a:rPr lang="de-DE" sz="1100" dirty="0">
-                <a:latin typeface="Helvetica Neue" panose="02000503000000020004" pitchFamily="2" charset="0"/>
-                <a:ea typeface="Helvetica Neue" panose="02000503000000020004" pitchFamily="2" charset="0"/>
-                <a:cs typeface="Helvetica Neue" panose="02000503000000020004" pitchFamily="2" charset="0"/>
-              </a:rPr>
-              <a:t>Nationalität:      Spanisch</a:t>
-            </a:r>
-          </a:p>
-          <a:p>
-            <a:pPr>
-              <a:spcAft>
-                <a:spcPts val="600"/>
-              </a:spcAft>
-            </a:pPr>
-            <a:r>
-              <a:rPr lang="de-DE" sz="1100" dirty="0">
-                <a:latin typeface="Helvetica Neue" panose="02000503000000020004" pitchFamily="2" charset="0"/>
-                <a:ea typeface="Helvetica Neue" panose="02000503000000020004" pitchFamily="2" charset="0"/>
-                <a:cs typeface="Helvetica Neue" panose="02000503000000020004" pitchFamily="2" charset="0"/>
-              </a:rPr>
-              <a:t>Beruf:                </a:t>
-            </a:r>
-            <a:r>
-              <a:rPr lang="de-DE" sz="1100" dirty="0" err="1">
-                <a:latin typeface="Helvetica Neue" panose="02000503000000020004" pitchFamily="2" charset="0"/>
-                <a:ea typeface="Helvetica Neue" panose="02000503000000020004" pitchFamily="2" charset="0"/>
-                <a:cs typeface="Helvetica Neue" panose="02000503000000020004" pitchFamily="2" charset="0"/>
-              </a:rPr>
-              <a:t>Process</a:t>
-            </a:r>
-            <a:r>
-              <a:rPr lang="de-DE" sz="1100" dirty="0">
-                <a:latin typeface="Helvetica Neue" panose="02000503000000020004" pitchFamily="2" charset="0"/>
-                <a:ea typeface="Helvetica Neue" panose="02000503000000020004" pitchFamily="2" charset="0"/>
-                <a:cs typeface="Helvetica Neue" panose="02000503000000020004" pitchFamily="2" charset="0"/>
-              </a:rPr>
-              <a:t> Engineer</a:t>
-            </a:r>
-          </a:p>
-        </p:txBody>
-      </p:sp>
-      <p:sp>
-        <p:nvSpPr>
-          <p:cNvPr id="20" name="Textfeld 19">
-            <a:extLst>
-              <a:ext uri="{FF2B5EF4-FFF2-40B4-BE49-F238E27FC236}">
-                <a16:creationId xmlns:a16="http://schemas.microsoft.com/office/drawing/2014/main" id="{DC28A910-98CA-EAEE-B343-793D53D2A70F}"/>
-              </a:ext>
-            </a:extLst>
-          </p:cNvPr>
-          <p:cNvSpPr txBox="1"/>
-          <p:nvPr/>
-        </p:nvSpPr>
-        <p:spPr>
-          <a:xfrm>
-            <a:off x="3784159" y="1535883"/>
-            <a:ext cx="6867261" cy="4524315"/>
-          </a:xfrm>
-          <a:prstGeom prst="rect">
-            <a:avLst/>
-          </a:prstGeom>
-          <a:noFill/>
-        </p:spPr>
-        <p:txBody>
-          <a:bodyPr wrap="square" rtlCol="0">
-            <a:spAutoFit/>
-          </a:bodyPr>
-          <a:lstStyle/>
-          <a:p>
-            <a:pPr>
-              <a:spcAft>
-                <a:spcPts val="600"/>
-              </a:spcAft>
-            </a:pPr>
-            <a:r>
-              <a:rPr lang="de-DE" sz="1600" b="1" dirty="0">
-                <a:solidFill>
-                  <a:srgbClr val="00338D"/>
-                </a:solidFill>
-                <a:latin typeface="Helvetica Neue Condensed" panose="02000503000000020004" pitchFamily="2" charset="0"/>
-                <a:ea typeface="Helvetica Neue Condensed" panose="02000503000000020004" pitchFamily="2" charset="0"/>
-                <a:cs typeface="Helvetica Neue Condensed" panose="02000503000000020004" pitchFamily="2" charset="0"/>
-              </a:rPr>
-              <a:t>    Zu Otto:</a:t>
-            </a:r>
-          </a:p>
-          <a:p>
-            <a:pPr marL="628650" lvl="1" indent="-171450">
-              <a:spcAft>
-                <a:spcPts val="600"/>
-              </a:spcAft>
-              <a:buFont typeface="Symbol" pitchFamily="2" charset="2"/>
-              <a:buChar char="-"/>
-            </a:pPr>
-            <a:r>
-              <a:rPr lang="de-DE" sz="1200" u="none" strike="noStrike" dirty="0">
-                <a:solidFill>
-                  <a:srgbClr val="000000"/>
-                </a:solidFill>
-                <a:effectLst/>
-                <a:latin typeface="Helvetica Neue" panose="02000503000000020004" pitchFamily="2" charset="0"/>
-                <a:ea typeface="Helvetica Neue" panose="02000503000000020004" pitchFamily="2" charset="0"/>
-                <a:cs typeface="Helvetica Neue" panose="02000503000000020004" pitchFamily="2" charset="0"/>
-              </a:rPr>
-              <a:t>Herkunft: Geboren in Spanien, aufgewachsen in Hamburg</a:t>
-            </a:r>
-            <a:endParaRPr lang="de-DE" sz="1200" dirty="0">
-              <a:solidFill>
-                <a:srgbClr val="000000"/>
-              </a:solidFill>
-              <a:latin typeface="Helvetica Neue" panose="02000503000000020004" pitchFamily="2" charset="0"/>
-              <a:ea typeface="Helvetica Neue" panose="02000503000000020004" pitchFamily="2" charset="0"/>
-              <a:cs typeface="Helvetica Neue" panose="02000503000000020004" pitchFamily="2" charset="0"/>
-            </a:endParaRPr>
-          </a:p>
-          <a:p>
-            <a:pPr marL="628650" lvl="1" indent="-171450">
-              <a:spcAft>
-                <a:spcPts val="600"/>
-              </a:spcAft>
-              <a:buFont typeface="Symbol" pitchFamily="2" charset="2"/>
-              <a:buChar char="-"/>
-            </a:pPr>
-            <a:r>
-              <a:rPr lang="de-DE" sz="1200" u="none" strike="noStrike" dirty="0">
-                <a:solidFill>
-                  <a:srgbClr val="000000"/>
-                </a:solidFill>
-                <a:effectLst/>
-                <a:latin typeface="Helvetica Neue" panose="02000503000000020004" pitchFamily="2" charset="0"/>
-                <a:ea typeface="Helvetica Neue" panose="02000503000000020004" pitchFamily="2" charset="0"/>
-                <a:cs typeface="Helvetica Neue" panose="02000503000000020004" pitchFamily="2" charset="0"/>
-              </a:rPr>
-              <a:t>Abit</a:t>
-            </a:r>
-            <a:r>
-              <a:rPr lang="de-DE" sz="1200" dirty="0">
-                <a:solidFill>
-                  <a:srgbClr val="000000"/>
-                </a:solidFill>
-                <a:latin typeface="Helvetica Neue" panose="02000503000000020004" pitchFamily="2" charset="0"/>
-                <a:ea typeface="Helvetica Neue" panose="02000503000000020004" pitchFamily="2" charset="0"/>
-                <a:cs typeface="Helvetica Neue" panose="02000503000000020004" pitchFamily="2" charset="0"/>
-              </a:rPr>
-              <a:t>ur mit 1,8 abgeschlossen, Bachelor </a:t>
-            </a:r>
-            <a:r>
-              <a:rPr lang="de-DE" sz="1200" dirty="0" err="1">
-                <a:solidFill>
-                  <a:srgbClr val="000000"/>
-                </a:solidFill>
-                <a:latin typeface="Helvetica Neue" panose="02000503000000020004" pitchFamily="2" charset="0"/>
-                <a:ea typeface="Helvetica Neue" panose="02000503000000020004" pitchFamily="2" charset="0"/>
-                <a:cs typeface="Helvetica Neue" panose="02000503000000020004" pitchFamily="2" charset="0"/>
-              </a:rPr>
-              <a:t>of</a:t>
-            </a:r>
-            <a:r>
-              <a:rPr lang="de-DE" sz="1200" dirty="0">
-                <a:solidFill>
-                  <a:srgbClr val="000000"/>
-                </a:solidFill>
-                <a:latin typeface="Helvetica Neue" panose="02000503000000020004" pitchFamily="2" charset="0"/>
-                <a:ea typeface="Helvetica Neue" panose="02000503000000020004" pitchFamily="2" charset="0"/>
-                <a:cs typeface="Helvetica Neue" panose="02000503000000020004" pitchFamily="2" charset="0"/>
-              </a:rPr>
-              <a:t> Engineering in Maschinenbau</a:t>
-            </a:r>
-          </a:p>
-          <a:p>
-            <a:pPr marL="628650" lvl="1" indent="-171450">
-              <a:spcAft>
-                <a:spcPts val="1200"/>
-              </a:spcAft>
-              <a:buFont typeface="Symbol" pitchFamily="2" charset="2"/>
-              <a:buChar char="-"/>
-            </a:pPr>
-            <a:r>
-              <a:rPr lang="de-DE" sz="1200" u="none" strike="noStrike" dirty="0">
-                <a:solidFill>
-                  <a:srgbClr val="000000"/>
-                </a:solidFill>
-                <a:effectLst/>
-                <a:latin typeface="Helvetica Neue" panose="02000503000000020004" pitchFamily="2" charset="0"/>
-                <a:ea typeface="Helvetica Neue" panose="02000503000000020004" pitchFamily="2" charset="0"/>
-                <a:cs typeface="Helvetica Neue" panose="02000503000000020004" pitchFamily="2" charset="0"/>
-              </a:rPr>
-              <a:t>Einstieg nach dem Studium </a:t>
-            </a:r>
-            <a:r>
-              <a:rPr lang="de-DE" sz="1200" dirty="0">
-                <a:solidFill>
-                  <a:srgbClr val="000000"/>
-                </a:solidFill>
-                <a:latin typeface="Helvetica Neue" panose="02000503000000020004" pitchFamily="2" charset="0"/>
-                <a:ea typeface="Helvetica Neue" panose="02000503000000020004" pitchFamily="2" charset="0"/>
-                <a:cs typeface="Helvetica Neue" panose="02000503000000020004" pitchFamily="2" charset="0"/>
-              </a:rPr>
-              <a:t>bei KIEFEL als Operator, Aufstieg zum </a:t>
-            </a:r>
-            <a:r>
-              <a:rPr lang="de-DE" sz="1200" dirty="0" err="1">
-                <a:solidFill>
-                  <a:srgbClr val="000000"/>
-                </a:solidFill>
-                <a:latin typeface="Helvetica Neue" panose="02000503000000020004" pitchFamily="2" charset="0"/>
-                <a:ea typeface="Helvetica Neue" panose="02000503000000020004" pitchFamily="2" charset="0"/>
-                <a:cs typeface="Helvetica Neue" panose="02000503000000020004" pitchFamily="2" charset="0"/>
-              </a:rPr>
-              <a:t>Proccess</a:t>
-            </a:r>
-            <a:r>
-              <a:rPr lang="de-DE" sz="1200" dirty="0">
-                <a:solidFill>
-                  <a:srgbClr val="000000"/>
-                </a:solidFill>
-                <a:latin typeface="Helvetica Neue" panose="02000503000000020004" pitchFamily="2" charset="0"/>
-                <a:ea typeface="Helvetica Neue" panose="02000503000000020004" pitchFamily="2" charset="0"/>
-                <a:cs typeface="Helvetica Neue" panose="02000503000000020004" pitchFamily="2" charset="0"/>
-              </a:rPr>
-              <a:t> Engineer nach einigen Jahren </a:t>
-            </a:r>
-            <a:r>
-              <a:rPr lang="de-DE" sz="1200" dirty="0">
-                <a:latin typeface="Helvetica Neue" panose="02000503000000020004" pitchFamily="2" charset="0"/>
-                <a:ea typeface="Helvetica Neue" panose="02000503000000020004" pitchFamily="2" charset="0"/>
-                <a:cs typeface="Helvetica Neue" panose="02000503000000020004" pitchFamily="2" charset="0"/>
-              </a:rPr>
-              <a:t>(</a:t>
-            </a:r>
-            <a:r>
-              <a:rPr lang="de-DE" sz="1200" dirty="0" err="1">
-                <a:latin typeface="Helvetica Neue" panose="02000503000000020004" pitchFamily="2" charset="0"/>
-                <a:ea typeface="Helvetica Neue" panose="02000503000000020004" pitchFamily="2" charset="0"/>
-                <a:cs typeface="Helvetica Neue" panose="02000503000000020004" pitchFamily="2" charset="0"/>
-              </a:rPr>
-              <a:t>Reperatur</a:t>
-            </a:r>
-            <a:r>
-              <a:rPr lang="de-DE" sz="1200" dirty="0">
-                <a:latin typeface="Helvetica Neue" panose="02000503000000020004" pitchFamily="2" charset="0"/>
-                <a:ea typeface="Helvetica Neue" panose="02000503000000020004" pitchFamily="2" charset="0"/>
-                <a:cs typeface="Helvetica Neue" panose="02000503000000020004" pitchFamily="2" charset="0"/>
-              </a:rPr>
-              <a:t> der Maschinenfehler)</a:t>
-            </a:r>
-            <a:endParaRPr lang="de-DE" sz="1200" dirty="0">
-              <a:solidFill>
-                <a:srgbClr val="000000"/>
-              </a:solidFill>
-              <a:latin typeface="Helvetica Neue" panose="02000503000000020004" pitchFamily="2" charset="0"/>
-              <a:ea typeface="Helvetica Neue" panose="02000503000000020004" pitchFamily="2" charset="0"/>
-              <a:cs typeface="Helvetica Neue" panose="02000503000000020004" pitchFamily="2" charset="0"/>
-            </a:endParaRPr>
-          </a:p>
-          <a:p>
-            <a:pPr algn="l" rtl="0">
-              <a:spcBef>
-                <a:spcPts val="1200"/>
-              </a:spcBef>
-              <a:spcAft>
-                <a:spcPts val="600"/>
-              </a:spcAft>
-            </a:pPr>
-            <a:r>
-              <a:rPr lang="de-DE" sz="1600" b="1" dirty="0">
-                <a:solidFill>
-                  <a:srgbClr val="00338D"/>
-                </a:solidFill>
-                <a:latin typeface="Helvetica Neue Condensed" panose="02000503000000020004" pitchFamily="2" charset="0"/>
-                <a:ea typeface="Helvetica Neue Condensed" panose="02000503000000020004" pitchFamily="2" charset="0"/>
-                <a:cs typeface="Helvetica Neue Condensed" panose="02000503000000020004" pitchFamily="2" charset="0"/>
-              </a:rPr>
-              <a:t>     Verhalten:</a:t>
-            </a:r>
-          </a:p>
-          <a:p>
-            <a:pPr marL="628650" lvl="1" indent="-171450">
-              <a:spcAft>
-                <a:spcPts val="600"/>
-              </a:spcAft>
-              <a:buFont typeface="Symbol" pitchFamily="2" charset="2"/>
-              <a:buChar char="-"/>
-            </a:pPr>
-            <a:r>
-              <a:rPr lang="de-DE" sz="1200" dirty="0">
-                <a:solidFill>
-                  <a:srgbClr val="000000"/>
-                </a:solidFill>
-                <a:latin typeface="Helvetica Neue" panose="02000503000000020004" pitchFamily="2" charset="0"/>
-                <a:ea typeface="Helvetica Neue" panose="02000503000000020004" pitchFamily="2" charset="0"/>
-                <a:cs typeface="Helvetica Neue" panose="02000503000000020004" pitchFamily="2" charset="0"/>
-              </a:rPr>
-              <a:t>Verfolgt seinen Job mit Leidenschaft, </a:t>
-            </a:r>
-          </a:p>
-          <a:p>
-            <a:pPr marL="628650" lvl="1" indent="-171450">
-              <a:spcAft>
-                <a:spcPts val="600"/>
-              </a:spcAft>
-              <a:buFont typeface="Symbol" pitchFamily="2" charset="2"/>
-              <a:buChar char="-"/>
-            </a:pPr>
-            <a:r>
-              <a:rPr lang="de-DE" sz="1200" dirty="0">
-                <a:solidFill>
-                  <a:srgbClr val="000000"/>
-                </a:solidFill>
-                <a:latin typeface="Helvetica Neue" panose="02000503000000020004" pitchFamily="2" charset="0"/>
-                <a:ea typeface="Helvetica Neue" panose="02000503000000020004" pitchFamily="2" charset="0"/>
-                <a:cs typeface="Helvetica Neue" panose="02000503000000020004" pitchFamily="2" charset="0"/>
-              </a:rPr>
-              <a:t>Analytisch und lösungsorientiert veranlagt, löst gerne komplexe Probleme</a:t>
-            </a:r>
-          </a:p>
-          <a:p>
-            <a:pPr marL="628650" lvl="1" indent="-171450">
-              <a:spcAft>
-                <a:spcPts val="600"/>
-              </a:spcAft>
-              <a:buFont typeface="Symbol" pitchFamily="2" charset="2"/>
-              <a:buChar char="-"/>
-            </a:pPr>
-            <a:r>
-              <a:rPr lang="de-DE" sz="1200" u="none" strike="noStrike" dirty="0">
-                <a:solidFill>
-                  <a:srgbClr val="000000"/>
-                </a:solidFill>
-                <a:effectLst/>
-                <a:latin typeface="Helvetica Neue" panose="02000503000000020004" pitchFamily="2" charset="0"/>
-                <a:ea typeface="Helvetica Neue" panose="02000503000000020004" pitchFamily="2" charset="0"/>
-                <a:cs typeface="Helvetica Neue" panose="02000503000000020004" pitchFamily="2" charset="0"/>
-              </a:rPr>
-              <a:t>Teamplayer</a:t>
-            </a:r>
-            <a:r>
-              <a:rPr lang="de-DE" sz="1200" dirty="0">
-                <a:solidFill>
-                  <a:srgbClr val="000000"/>
-                </a:solidFill>
-                <a:latin typeface="Helvetica Neue" panose="02000503000000020004" pitchFamily="2" charset="0"/>
-                <a:ea typeface="Helvetica Neue" panose="02000503000000020004" pitchFamily="2" charset="0"/>
-                <a:cs typeface="Helvetica Neue" panose="02000503000000020004" pitchFamily="2" charset="0"/>
-              </a:rPr>
-              <a:t> und empathisch </a:t>
-            </a:r>
-            <a:endParaRPr lang="de-DE" sz="1200" u="none" strike="noStrike" dirty="0">
-              <a:solidFill>
-                <a:srgbClr val="000000"/>
-              </a:solidFill>
-              <a:effectLst/>
-              <a:latin typeface="Helvetica Neue" panose="02000503000000020004" pitchFamily="2" charset="0"/>
-              <a:ea typeface="Helvetica Neue" panose="02000503000000020004" pitchFamily="2" charset="0"/>
-              <a:cs typeface="Helvetica Neue" panose="02000503000000020004" pitchFamily="2" charset="0"/>
-            </a:endParaRPr>
-          </a:p>
-          <a:p>
-            <a:pPr marL="628650" lvl="1" indent="-171450">
-              <a:spcAft>
-                <a:spcPts val="600"/>
-              </a:spcAft>
-              <a:buFont typeface="Symbol" pitchFamily="2" charset="2"/>
-              <a:buChar char="-"/>
-            </a:pPr>
-            <a:r>
-              <a:rPr lang="de-DE" sz="1200" dirty="0">
-                <a:solidFill>
-                  <a:srgbClr val="000000"/>
-                </a:solidFill>
-                <a:latin typeface="Helvetica Neue" panose="02000503000000020004" pitchFamily="2" charset="0"/>
-                <a:ea typeface="Helvetica Neue" panose="02000503000000020004" pitchFamily="2" charset="0"/>
-                <a:cs typeface="Helvetica Neue" panose="02000503000000020004" pitchFamily="2" charset="0"/>
-              </a:rPr>
-              <a:t>„Kommunikation ist das A und O“ </a:t>
-            </a:r>
-          </a:p>
-          <a:p>
-            <a:pPr marL="628650" lvl="1" indent="-171450">
-              <a:spcAft>
-                <a:spcPts val="1200"/>
-              </a:spcAft>
-              <a:buFont typeface="Symbol" pitchFamily="2" charset="2"/>
-              <a:buChar char="-"/>
-            </a:pPr>
-            <a:r>
-              <a:rPr lang="de-DE" sz="1200" dirty="0">
-                <a:solidFill>
-                  <a:srgbClr val="000000"/>
-                </a:solidFill>
-                <a:latin typeface="Helvetica Neue" panose="02000503000000020004" pitchFamily="2" charset="0"/>
-                <a:ea typeface="Helvetica Neue" panose="02000503000000020004" pitchFamily="2" charset="0"/>
-                <a:cs typeface="Helvetica Neue" panose="02000503000000020004" pitchFamily="2" charset="0"/>
-              </a:rPr>
-              <a:t>Es ist ihm wichtig, dass die Produktion effizient und kostengerecht abläuft und dass die Qualität der Produkte stets sehr gut ist </a:t>
-            </a:r>
-          </a:p>
-          <a:p>
-            <a:pPr algn="l" rtl="0">
-              <a:spcBef>
-                <a:spcPts val="1200"/>
-              </a:spcBef>
-              <a:spcAft>
-                <a:spcPts val="600"/>
-              </a:spcAft>
-            </a:pPr>
-            <a:r>
-              <a:rPr lang="de-DE" sz="1600" b="1" dirty="0">
-                <a:solidFill>
-                  <a:srgbClr val="00338D"/>
-                </a:solidFill>
-                <a:latin typeface="Helvetica Neue Condensed" panose="02000503000000020004" pitchFamily="2" charset="0"/>
-                <a:ea typeface="Helvetica Neue Condensed" panose="02000503000000020004" pitchFamily="2" charset="0"/>
-                <a:cs typeface="Helvetica Neue Condensed" panose="02000503000000020004" pitchFamily="2" charset="0"/>
-              </a:rPr>
-              <a:t>     Ziele/ Bedürfnisse:</a:t>
-            </a:r>
-          </a:p>
-          <a:p>
-            <a:pPr marL="685800" lvl="1" indent="-228600">
-              <a:spcAft>
-                <a:spcPts val="600"/>
-              </a:spcAft>
-              <a:buFont typeface="Symbol" pitchFamily="2" charset="2"/>
-              <a:buChar char="-"/>
-            </a:pPr>
-            <a:r>
-              <a:rPr lang="de-DE" sz="1200" u="none" strike="noStrike" dirty="0">
-                <a:solidFill>
-                  <a:srgbClr val="000000"/>
-                </a:solidFill>
-                <a:effectLst/>
-                <a:latin typeface="Helvetica Neue" panose="02000503000000020004" pitchFamily="2" charset="0"/>
-                <a:ea typeface="Helvetica Neue" panose="02000503000000020004" pitchFamily="2" charset="0"/>
-                <a:cs typeface="Helvetica Neue" panose="02000503000000020004" pitchFamily="2" charset="0"/>
-              </a:rPr>
-              <a:t>Arbeit bestmöglich erledigen, </a:t>
-            </a:r>
-            <a:r>
-              <a:rPr lang="de-DE" sz="1200" dirty="0">
-                <a:solidFill>
-                  <a:srgbClr val="000000"/>
-                </a:solidFill>
-                <a:latin typeface="Helvetica Neue" panose="02000503000000020004" pitchFamily="2" charset="0"/>
-                <a:ea typeface="Helvetica Neue" panose="02000503000000020004" pitchFamily="2" charset="0"/>
-                <a:cs typeface="Helvetica Neue" panose="02000503000000020004" pitchFamily="2" charset="0"/>
-              </a:rPr>
-              <a:t>Weiterentwicklung, Verantwortung übernehmen </a:t>
-            </a:r>
-          </a:p>
-          <a:p>
-            <a:pPr marL="685800" lvl="1" indent="-228600">
-              <a:spcAft>
-                <a:spcPts val="600"/>
-              </a:spcAft>
-              <a:buFont typeface="Symbol" pitchFamily="2" charset="2"/>
-              <a:buChar char="-"/>
-            </a:pPr>
-            <a:r>
-              <a:rPr lang="de-DE" sz="1200" dirty="0">
-                <a:solidFill>
-                  <a:srgbClr val="000000"/>
-                </a:solidFill>
-                <a:latin typeface="Helvetica Neue" panose="02000503000000020004" pitchFamily="2" charset="0"/>
-                <a:ea typeface="Helvetica Neue" panose="02000503000000020004" pitchFamily="2" charset="0"/>
-                <a:cs typeface="Helvetica Neue" panose="02000503000000020004" pitchFamily="2" charset="0"/>
-              </a:rPr>
-              <a:t>P</a:t>
-            </a:r>
-            <a:r>
-              <a:rPr lang="de-DE" sz="1200" u="none" strike="noStrike" dirty="0">
-                <a:solidFill>
-                  <a:srgbClr val="000000"/>
-                </a:solidFill>
-                <a:effectLst/>
-                <a:latin typeface="Helvetica Neue" panose="02000503000000020004" pitchFamily="2" charset="0"/>
-                <a:ea typeface="Helvetica Neue" panose="02000503000000020004" pitchFamily="2" charset="0"/>
-                <a:cs typeface="Helvetica Neue" panose="02000503000000020004" pitchFamily="2" charset="0"/>
-              </a:rPr>
-              <a:t>ositives und respektvolles Arbeitsumfeld schaffen</a:t>
-            </a:r>
-          </a:p>
-        </p:txBody>
-      </p:sp>
-      <p:cxnSp>
-        <p:nvCxnSpPr>
-          <p:cNvPr id="8" name="Gerade Verbindung 7">
-            <a:extLst>
-              <a:ext uri="{FF2B5EF4-FFF2-40B4-BE49-F238E27FC236}">
-                <a16:creationId xmlns:a16="http://schemas.microsoft.com/office/drawing/2014/main" id="{40B03D56-AB26-3438-B8C2-80729E6F6FFD}"/>
-              </a:ext>
-            </a:extLst>
-          </p:cNvPr>
-          <p:cNvCxnSpPr/>
-          <p:nvPr/>
-        </p:nvCxnSpPr>
-        <p:spPr>
-          <a:xfrm>
-            <a:off x="3769112" y="1264024"/>
-            <a:ext cx="0" cy="4760258"/>
-          </a:xfrm>
-          <a:prstGeom prst="line">
-            <a:avLst/>
-          </a:prstGeom>
-          <a:ln>
-            <a:solidFill>
-              <a:srgbClr val="002060"/>
-            </a:solidFill>
-          </a:ln>
-        </p:spPr>
-        <p:style>
-          <a:lnRef idx="1">
-            <a:schemeClr val="accent1"/>
-          </a:lnRef>
-          <a:fillRef idx="0">
-            <a:schemeClr val="accent1"/>
-          </a:fillRef>
-          <a:effectRef idx="0">
-            <a:schemeClr val="accent1"/>
-          </a:effectRef>
-          <a:fontRef idx="minor">
-            <a:schemeClr val="tx1"/>
-          </a:fontRef>
-        </p:style>
-      </p:cxnSp>
-      <p:pic>
-        <p:nvPicPr>
-          <p:cNvPr id="9" name="Grafik 8" descr="Ein Bild, das Person, Mann enthält.&#10;&#10;Automatisch generierte Beschreibung">
-            <a:extLst>
-              <a:ext uri="{FF2B5EF4-FFF2-40B4-BE49-F238E27FC236}">
-                <a16:creationId xmlns:a16="http://schemas.microsoft.com/office/drawing/2014/main" id="{CDF9C9FA-70DC-A6FB-D82B-76AD2BCAEA49}"/>
-              </a:ext>
-            </a:extLst>
-          </p:cNvPr>
-          <p:cNvPicPr>
-            <a:picLocks noChangeAspect="1"/>
-          </p:cNvPicPr>
-          <p:nvPr/>
-        </p:nvPicPr>
-        <p:blipFill rotWithShape="1">
-          <a:blip r:embed="rId2"/>
-          <a:srcRect l="38739" t="1088" r="17457" b="1078"/>
-          <a:stretch/>
-        </p:blipFill>
-        <p:spPr>
-          <a:xfrm>
-            <a:off x="1584666" y="1569359"/>
-            <a:ext cx="1677480" cy="2487600"/>
-          </a:xfrm>
-          <a:prstGeom prst="rect">
-            <a:avLst/>
-          </a:prstGeom>
-        </p:spPr>
-      </p:pic>
-      <p:sp>
-        <p:nvSpPr>
-          <p:cNvPr id="2" name="Textfeld 1">
-            <a:extLst>
-              <a:ext uri="{FF2B5EF4-FFF2-40B4-BE49-F238E27FC236}">
-                <a16:creationId xmlns:a16="http://schemas.microsoft.com/office/drawing/2014/main" id="{5305A0DA-6EC5-D05F-4D56-6E4970C7F1EF}"/>
-              </a:ext>
-            </a:extLst>
-          </p:cNvPr>
-          <p:cNvSpPr txBox="1"/>
-          <p:nvPr/>
-        </p:nvSpPr>
-        <p:spPr>
-          <a:xfrm>
-            <a:off x="10018644" y="6027424"/>
-            <a:ext cx="1335156" cy="215444"/>
-          </a:xfrm>
-          <a:prstGeom prst="rect">
-            <a:avLst/>
-          </a:prstGeom>
-          <a:noFill/>
-        </p:spPr>
-        <p:txBody>
-          <a:bodyPr wrap="square">
-            <a:spAutoFit/>
-          </a:bodyPr>
-          <a:lstStyle/>
-          <a:p>
-            <a:pPr algn="l" rtl="0">
-              <a:spcBef>
-                <a:spcPts val="0"/>
-              </a:spcBef>
-              <a:spcAft>
-                <a:spcPts val="0"/>
-              </a:spcAft>
-            </a:pPr>
-            <a:r>
-              <a:rPr lang="de-DE" sz="800" u="sng" dirty="0">
-                <a:solidFill>
-                  <a:schemeClr val="bg1">
-                    <a:lumMod val="50000"/>
-                  </a:schemeClr>
-                </a:solidFill>
-                <a:latin typeface="Helvetica Neue" panose="02000503000000020004" pitchFamily="2" charset="0"/>
-                <a:ea typeface="Helvetica Neue" panose="02000503000000020004" pitchFamily="2" charset="0"/>
-                <a:cs typeface="Helvetica Neue" panose="02000503000000020004" pitchFamily="2" charset="0"/>
-              </a:rPr>
-              <a:t>Bildq</a:t>
-            </a:r>
-            <a:r>
-              <a:rPr lang="de-DE" sz="800" u="sng" strike="noStrike" dirty="0">
-                <a:solidFill>
-                  <a:schemeClr val="bg1">
-                    <a:lumMod val="50000"/>
-                  </a:schemeClr>
-                </a:solidFill>
-                <a:effectLst/>
-                <a:latin typeface="Helvetica Neue" panose="02000503000000020004" pitchFamily="2" charset="0"/>
-                <a:ea typeface="Helvetica Neue" panose="02000503000000020004" pitchFamily="2" charset="0"/>
-                <a:cs typeface="Helvetica Neue" panose="02000503000000020004" pitchFamily="2" charset="0"/>
-              </a:rPr>
-              <a:t>uelle:</a:t>
-            </a:r>
-            <a:r>
-              <a:rPr lang="de-DE" sz="800" u="none" strike="noStrike" dirty="0">
-                <a:solidFill>
-                  <a:schemeClr val="bg1">
-                    <a:lumMod val="50000"/>
-                  </a:schemeClr>
-                </a:solidFill>
-                <a:effectLst/>
-                <a:latin typeface="Helvetica Neue" panose="02000503000000020004" pitchFamily="2" charset="0"/>
-                <a:ea typeface="Helvetica Neue" panose="02000503000000020004" pitchFamily="2" charset="0"/>
-                <a:cs typeface="Helvetica Neue" panose="02000503000000020004" pitchFamily="2" charset="0"/>
-              </a:rPr>
-              <a:t> Adobe Stock</a:t>
+              <a:t>Nutzer des Systems</a:t>
             </a:r>
           </a:p>
         </p:txBody>
@@ -12089,7 +10821,7 @@
     </p:spTree>
     <p:extLst>
       <p:ext uri="{BB962C8B-B14F-4D97-AF65-F5344CB8AC3E}">
-        <p14:creationId xmlns:p14="http://schemas.microsoft.com/office/powerpoint/2010/main" val="221023166"/>
+        <p14:creationId xmlns:p14="http://schemas.microsoft.com/office/powerpoint/2010/main" val="2064508397"/>
       </p:ext>
     </p:extLst>
   </p:cSld>
@@ -12351,6 +11083,1482 @@
                                   </p:childTnLst>
                                 </p:cTn>
                               </p:par>
+                            </p:childTnLst>
+                          </p:cTn>
+                        </p:par>
+                      </p:childTnLst>
+                    </p:cTn>
+                  </p:par>
+                  <p:par>
+                    <p:cTn id="21" fill="hold">
+                      <p:stCondLst>
+                        <p:cond delay="indefinite"/>
+                      </p:stCondLst>
+                      <p:childTnLst>
+                        <p:par>
+                          <p:cTn id="22" fill="hold">
+                            <p:stCondLst>
+                              <p:cond delay="0"/>
+                            </p:stCondLst>
+                            <p:childTnLst>
+                              <p:par>
+                                <p:cTn id="23" presetID="1" presetClass="entr" presetSubtype="0" fill="hold" nodeType="clickEffect">
+                                  <p:stCondLst>
+                                    <p:cond delay="0"/>
+                                  </p:stCondLst>
+                                  <p:childTnLst>
+                                    <p:set>
+                                      <p:cBhvr>
+                                        <p:cTn id="24" dur="1" fill="hold">
+                                          <p:stCondLst>
+                                            <p:cond delay="0"/>
+                                          </p:stCondLst>
+                                        </p:cTn>
+                                        <p:tgtEl>
+                                          <p:spTgt spid="20">
+                                            <p:txEl>
+                                              <p:pRg st="7" end="7"/>
+                                            </p:txEl>
+                                          </p:spTgt>
+                                        </p:tgtEl>
+                                        <p:attrNameLst>
+                                          <p:attrName>style.visibility</p:attrName>
+                                        </p:attrNameLst>
+                                      </p:cBhvr>
+                                      <p:to>
+                                        <p:strVal val="visible"/>
+                                      </p:to>
+                                    </p:set>
+                                  </p:childTnLst>
+                                </p:cTn>
+                              </p:par>
+                              <p:par>
+                                <p:cTn id="25" presetID="1" presetClass="entr" presetSubtype="0" fill="hold" nodeType="withEffect">
+                                  <p:stCondLst>
+                                    <p:cond delay="0"/>
+                                  </p:stCondLst>
+                                  <p:childTnLst>
+                                    <p:set>
+                                      <p:cBhvr>
+                                        <p:cTn id="26" dur="1" fill="hold">
+                                          <p:stCondLst>
+                                            <p:cond delay="0"/>
+                                          </p:stCondLst>
+                                        </p:cTn>
+                                        <p:tgtEl>
+                                          <p:spTgt spid="20">
+                                            <p:txEl>
+                                              <p:pRg st="8" end="8"/>
+                                            </p:txEl>
+                                          </p:spTgt>
+                                        </p:tgtEl>
+                                        <p:attrNameLst>
+                                          <p:attrName>style.visibility</p:attrName>
+                                        </p:attrNameLst>
+                                      </p:cBhvr>
+                                      <p:to>
+                                        <p:strVal val="visible"/>
+                                      </p:to>
+                                    </p:set>
+                                  </p:childTnLst>
+                                </p:cTn>
+                              </p:par>
+                              <p:par>
+                                <p:cTn id="27" presetID="1" presetClass="entr" presetSubtype="0" fill="hold" nodeType="withEffect">
+                                  <p:stCondLst>
+                                    <p:cond delay="0"/>
+                                  </p:stCondLst>
+                                  <p:childTnLst>
+                                    <p:set>
+                                      <p:cBhvr>
+                                        <p:cTn id="28" dur="1" fill="hold">
+                                          <p:stCondLst>
+                                            <p:cond delay="0"/>
+                                          </p:stCondLst>
+                                        </p:cTn>
+                                        <p:tgtEl>
+                                          <p:spTgt spid="20">
+                                            <p:txEl>
+                                              <p:pRg st="9" end="9"/>
+                                            </p:txEl>
+                                          </p:spTgt>
+                                        </p:tgtEl>
+                                        <p:attrNameLst>
+                                          <p:attrName>style.visibility</p:attrName>
+                                        </p:attrNameLst>
+                                      </p:cBhvr>
+                                      <p:to>
+                                        <p:strVal val="visible"/>
+                                      </p:to>
+                                    </p:set>
+                                  </p:childTnLst>
+                                </p:cTn>
+                              </p:par>
+                              <p:par>
+                                <p:cTn id="29" presetID="1" presetClass="entr" presetSubtype="0" fill="hold" nodeType="withEffect">
+                                  <p:stCondLst>
+                                    <p:cond delay="0"/>
+                                  </p:stCondLst>
+                                  <p:childTnLst>
+                                    <p:set>
+                                      <p:cBhvr>
+                                        <p:cTn id="30" dur="1" fill="hold">
+                                          <p:stCondLst>
+                                            <p:cond delay="0"/>
+                                          </p:stCondLst>
+                                        </p:cTn>
+                                        <p:tgtEl>
+                                          <p:spTgt spid="20">
+                                            <p:txEl>
+                                              <p:pRg st="10" end="10"/>
+                                            </p:txEl>
+                                          </p:spTgt>
+                                        </p:tgtEl>
+                                        <p:attrNameLst>
+                                          <p:attrName>style.visibility</p:attrName>
+                                        </p:attrNameLst>
+                                      </p:cBhvr>
+                                      <p:to>
+                                        <p:strVal val="visible"/>
+                                      </p:to>
+                                    </p:set>
+                                  </p:childTnLst>
+                                </p:cTn>
+                              </p:par>
+                              <p:par>
+                                <p:cTn id="31" presetID="1" presetClass="entr" presetSubtype="0" fill="hold" nodeType="withEffect">
+                                  <p:stCondLst>
+                                    <p:cond delay="0"/>
+                                  </p:stCondLst>
+                                  <p:childTnLst>
+                                    <p:set>
+                                      <p:cBhvr>
+                                        <p:cTn id="32" dur="1" fill="hold">
+                                          <p:stCondLst>
+                                            <p:cond delay="0"/>
+                                          </p:stCondLst>
+                                        </p:cTn>
+                                        <p:tgtEl>
+                                          <p:spTgt spid="20">
+                                            <p:txEl>
+                                              <p:pRg st="11" end="11"/>
+                                            </p:txEl>
+                                          </p:spTgt>
+                                        </p:tgtEl>
+                                        <p:attrNameLst>
+                                          <p:attrName>style.visibility</p:attrName>
+                                        </p:attrNameLst>
+                                      </p:cBhvr>
+                                      <p:to>
+                                        <p:strVal val="visible"/>
+                                      </p:to>
+                                    </p:set>
+                                  </p:childTnLst>
+                                </p:cTn>
+                              </p:par>
+                              <p:par>
+                                <p:cTn id="33" presetID="1" presetClass="entr" presetSubtype="0" fill="hold" nodeType="withEffect">
+                                  <p:stCondLst>
+                                    <p:cond delay="0"/>
+                                  </p:stCondLst>
+                                  <p:childTnLst>
+                                    <p:set>
+                                      <p:cBhvr>
+                                        <p:cTn id="34" dur="1" fill="hold">
+                                          <p:stCondLst>
+                                            <p:cond delay="0"/>
+                                          </p:stCondLst>
+                                        </p:cTn>
+                                        <p:tgtEl>
+                                          <p:spTgt spid="20">
+                                            <p:txEl>
+                                              <p:pRg st="12" end="12"/>
+                                            </p:txEl>
+                                          </p:spTgt>
+                                        </p:tgtEl>
+                                        <p:attrNameLst>
+                                          <p:attrName>style.visibility</p:attrName>
+                                        </p:attrNameLst>
+                                      </p:cBhvr>
+                                      <p:to>
+                                        <p:strVal val="visible"/>
+                                      </p:to>
+                                    </p:set>
+                                  </p:childTnLst>
+                                </p:cTn>
+                              </p:par>
+                            </p:childTnLst>
+                          </p:cTn>
+                        </p:par>
+                      </p:childTnLst>
+                    </p:cTn>
+                  </p:par>
+                </p:childTnLst>
+              </p:cTn>
+              <p:prevCondLst>
+                <p:cond evt="onPrev" delay="0">
+                  <p:tgtEl>
+                    <p:sldTgt/>
+                  </p:tgtEl>
+                </p:cond>
+              </p:prevCondLst>
+              <p:nextCondLst>
+                <p:cond evt="onNext" delay="0">
+                  <p:tgtEl>
+                    <p:sldTgt/>
+                  </p:tgtEl>
+                </p:cond>
+              </p:nextCondLst>
+            </p:seq>
+          </p:childTnLst>
+        </p:cTn>
+      </p:par>
+    </p:tnLst>
+  </p:timing>
+</p:sld>
+</file>
+
+<file path=ppt/slides/slide8.xml><?xml version="1.0" encoding="utf-8"?>
+<p:sld xmlns:a="http://schemas.openxmlformats.org/drawingml/2006/main" xmlns:r="http://schemas.openxmlformats.org/officeDocument/2006/relationships" xmlns:p="http://schemas.openxmlformats.org/presentationml/2006/main">
+  <p:cSld>
+    <p:spTree>
+      <p:nvGrpSpPr>
+        <p:cNvPr id="1" name=""/>
+        <p:cNvGrpSpPr/>
+        <p:nvPr/>
+      </p:nvGrpSpPr>
+      <p:grpSpPr>
+        <a:xfrm>
+          <a:off x="0" y="0"/>
+          <a:ext cx="0" cy="0"/>
+          <a:chOff x="0" y="0"/>
+          <a:chExt cx="0" cy="0"/>
+        </a:xfrm>
+      </p:grpSpPr>
+      <p:sp>
+        <p:nvSpPr>
+          <p:cNvPr id="4" name="Fußzeilenplatzhalter 3">
+            <a:extLst>
+              <a:ext uri="{FF2B5EF4-FFF2-40B4-BE49-F238E27FC236}">
+                <a16:creationId xmlns:a16="http://schemas.microsoft.com/office/drawing/2014/main" id="{363E8B53-8FAC-8EA9-E345-9CEDDA615BC4}"/>
+              </a:ext>
+            </a:extLst>
+          </p:cNvPr>
+          <p:cNvSpPr>
+            <a:spLocks noGrp="1"/>
+          </p:cNvSpPr>
+          <p:nvPr>
+            <p:ph type="ftr" sz="quarter" idx="11"/>
+          </p:nvPr>
+        </p:nvSpPr>
+        <p:spPr/>
+        <p:txBody>
+          <a:bodyPr/>
+          <a:lstStyle/>
+          <a:p>
+            <a:r>
+              <a:rPr lang="de-DE"/>
+              <a:t>Jour Fixe downtimecapture - 18.04.2023</a:t>
+            </a:r>
+          </a:p>
+        </p:txBody>
+      </p:sp>
+      <p:sp>
+        <p:nvSpPr>
+          <p:cNvPr id="5" name="Foliennummernplatzhalter 4">
+            <a:extLst>
+              <a:ext uri="{FF2B5EF4-FFF2-40B4-BE49-F238E27FC236}">
+                <a16:creationId xmlns:a16="http://schemas.microsoft.com/office/drawing/2014/main" id="{A83637DA-966E-4E6B-773B-D8F11ACBFEC9}"/>
+              </a:ext>
+            </a:extLst>
+          </p:cNvPr>
+          <p:cNvSpPr>
+            <a:spLocks noGrp="1"/>
+          </p:cNvSpPr>
+          <p:nvPr>
+            <p:ph type="sldNum" sz="quarter" idx="12"/>
+          </p:nvPr>
+        </p:nvSpPr>
+        <p:spPr/>
+        <p:txBody>
+          <a:bodyPr/>
+          <a:lstStyle/>
+          <a:p>
+            <a:fld id="{605A6E68-B495-4D48-99AB-ED1461E4207B}" type="slidenum">
+              <a:rPr lang="de-DE" smtClean="0"/>
+              <a:t>8</a:t>
+            </a:fld>
+            <a:endParaRPr lang="de-DE"/>
+          </a:p>
+        </p:txBody>
+      </p:sp>
+      <p:sp>
+        <p:nvSpPr>
+          <p:cNvPr id="6" name="Titel 6">
+            <a:extLst>
+              <a:ext uri="{FF2B5EF4-FFF2-40B4-BE49-F238E27FC236}">
+                <a16:creationId xmlns:a16="http://schemas.microsoft.com/office/drawing/2014/main" id="{E098A502-D858-F687-4DDB-A3E1834336EB}"/>
+              </a:ext>
+            </a:extLst>
+          </p:cNvPr>
+          <p:cNvSpPr>
+            <a:spLocks noGrp="1"/>
+          </p:cNvSpPr>
+          <p:nvPr>
+            <p:ph type="title"/>
+          </p:nvPr>
+        </p:nvSpPr>
+        <p:spPr>
+          <a:xfrm>
+            <a:off x="995364" y="431800"/>
+            <a:ext cx="10204450" cy="533400"/>
+          </a:xfrm>
+        </p:spPr>
+        <p:txBody>
+          <a:bodyPr>
+            <a:noAutofit/>
+          </a:bodyPr>
+          <a:lstStyle/>
+          <a:p>
+            <a:br>
+              <a:rPr lang="de-DE" sz="3600" b="1" i="0" noProof="0" dirty="0">
+                <a:solidFill>
+                  <a:schemeClr val="accent1">
+                    <a:lumMod val="50000"/>
+                  </a:schemeClr>
+                </a:solidFill>
+                <a:latin typeface="Helvetica Neue Condensed" panose="02000503000000020004" pitchFamily="2" charset="0"/>
+                <a:ea typeface="Helvetica Neue Condensed" panose="02000503000000020004" pitchFamily="2" charset="0"/>
+                <a:cs typeface="Helvetica Neue Condensed" panose="02000503000000020004" pitchFamily="2" charset="0"/>
+              </a:rPr>
+            </a:br>
+            <a:r>
+              <a:rPr lang="de-DE" sz="3600" b="1" i="0" noProof="0" dirty="0">
+                <a:solidFill>
+                  <a:srgbClr val="00338D"/>
+                </a:solidFill>
+                <a:latin typeface="Helvetica Neue Condensed" panose="02000503000000020004" pitchFamily="2" charset="0"/>
+                <a:ea typeface="Helvetica Neue Condensed" panose="02000503000000020004" pitchFamily="2" charset="0"/>
+                <a:cs typeface="Helvetica Neue Condensed" panose="02000503000000020004" pitchFamily="2" charset="0"/>
+              </a:rPr>
+              <a:t>02  Personas – Otto Optimierer</a:t>
+            </a:r>
+            <a:br>
+              <a:rPr lang="de-DE" sz="3600" b="1" i="0" noProof="0" dirty="0">
+                <a:solidFill>
+                  <a:srgbClr val="00338D"/>
+                </a:solidFill>
+                <a:latin typeface="Helvetica Neue Condensed" panose="02000503000000020004" pitchFamily="2" charset="0"/>
+                <a:ea typeface="Helvetica Neue Condensed" panose="02000503000000020004" pitchFamily="2" charset="0"/>
+                <a:cs typeface="Helvetica Neue Condensed" panose="02000503000000020004" pitchFamily="2" charset="0"/>
+              </a:rPr>
+            </a:br>
+            <a:r>
+              <a:rPr lang="de-DE" sz="3600" b="1" dirty="0">
+                <a:solidFill>
+                  <a:schemeClr val="accent1">
+                    <a:lumMod val="50000"/>
+                  </a:schemeClr>
+                </a:solidFill>
+                <a:latin typeface="Helvetica Neue Condensed" panose="02000503000000020004" pitchFamily="2" charset="0"/>
+                <a:ea typeface="Helvetica Neue Condensed" panose="02000503000000020004" pitchFamily="2" charset="0"/>
+                <a:cs typeface="Helvetica Neue Condensed" panose="02000503000000020004" pitchFamily="2" charset="0"/>
+              </a:rPr>
+              <a:t> </a:t>
+            </a:r>
+          </a:p>
+        </p:txBody>
+      </p:sp>
+      <p:sp>
+        <p:nvSpPr>
+          <p:cNvPr id="3" name="Rechteck 2">
+            <a:extLst>
+              <a:ext uri="{FF2B5EF4-FFF2-40B4-BE49-F238E27FC236}">
+                <a16:creationId xmlns:a16="http://schemas.microsoft.com/office/drawing/2014/main" id="{B389DB09-5FC7-509A-E8EF-58B58F60F3F6}"/>
+              </a:ext>
+            </a:extLst>
+          </p:cNvPr>
+          <p:cNvSpPr/>
+          <p:nvPr/>
+        </p:nvSpPr>
+        <p:spPr>
+          <a:xfrm>
+            <a:off x="995364" y="1264024"/>
+            <a:ext cx="10204450" cy="4760258"/>
+          </a:xfrm>
+          <a:prstGeom prst="rect">
+            <a:avLst/>
+          </a:prstGeom>
+          <a:noFill/>
+          <a:ln>
+            <a:solidFill>
+              <a:srgbClr val="002060"/>
+            </a:solidFill>
+          </a:ln>
+        </p:spPr>
+        <p:style>
+          <a:lnRef idx="2">
+            <a:schemeClr val="accent1">
+              <a:shade val="50000"/>
+            </a:schemeClr>
+          </a:lnRef>
+          <a:fillRef idx="1">
+            <a:schemeClr val="accent1"/>
+          </a:fillRef>
+          <a:effectRef idx="0">
+            <a:schemeClr val="accent1"/>
+          </a:effectRef>
+          <a:fontRef idx="minor">
+            <a:schemeClr val="lt1"/>
+          </a:fontRef>
+        </p:style>
+        <p:txBody>
+          <a:bodyPr rtlCol="0" anchor="ctr"/>
+          <a:lstStyle/>
+          <a:p>
+            <a:pPr algn="ctr"/>
+            <a:endParaRPr lang="de-DE"/>
+          </a:p>
+        </p:txBody>
+      </p:sp>
+      <p:sp>
+        <p:nvSpPr>
+          <p:cNvPr id="7" name="Textfeld 6">
+            <a:extLst>
+              <a:ext uri="{FF2B5EF4-FFF2-40B4-BE49-F238E27FC236}">
+                <a16:creationId xmlns:a16="http://schemas.microsoft.com/office/drawing/2014/main" id="{207EC230-6C1B-D509-7CD6-1510CA493149}"/>
+              </a:ext>
+            </a:extLst>
+          </p:cNvPr>
+          <p:cNvSpPr txBox="1"/>
+          <p:nvPr/>
+        </p:nvSpPr>
+        <p:spPr>
+          <a:xfrm>
+            <a:off x="1275142" y="4216943"/>
+            <a:ext cx="2382489" cy="1569660"/>
+          </a:xfrm>
+          <a:prstGeom prst="rect">
+            <a:avLst/>
+          </a:prstGeom>
+          <a:noFill/>
+        </p:spPr>
+        <p:txBody>
+          <a:bodyPr wrap="square" rtlCol="0">
+            <a:spAutoFit/>
+          </a:bodyPr>
+          <a:lstStyle/>
+          <a:p>
+            <a:pPr>
+              <a:spcAft>
+                <a:spcPts val="600"/>
+              </a:spcAft>
+            </a:pPr>
+            <a:r>
+              <a:rPr lang="de-DE" sz="1600" b="1" dirty="0">
+                <a:solidFill>
+                  <a:srgbClr val="00338D"/>
+                </a:solidFill>
+                <a:latin typeface="Helvetica Neue Condensed" panose="02000503000000020004" pitchFamily="2" charset="0"/>
+                <a:ea typeface="Helvetica Neue Condensed" panose="02000503000000020004" pitchFamily="2" charset="0"/>
+                <a:cs typeface="Helvetica Neue Condensed" panose="02000503000000020004" pitchFamily="2" charset="0"/>
+              </a:rPr>
+              <a:t>Demographische Daten:</a:t>
+            </a:r>
+          </a:p>
+          <a:p>
+            <a:pPr>
+              <a:spcAft>
+                <a:spcPts val="600"/>
+              </a:spcAft>
+            </a:pPr>
+            <a:r>
+              <a:rPr lang="de-DE" sz="1100" dirty="0">
+                <a:latin typeface="Helvetica Neue" panose="02000503000000020004" pitchFamily="2" charset="0"/>
+                <a:ea typeface="Helvetica Neue" panose="02000503000000020004" pitchFamily="2" charset="0"/>
+                <a:cs typeface="Helvetica Neue" panose="02000503000000020004" pitchFamily="2" charset="0"/>
+              </a:rPr>
+              <a:t>Alter:                   33</a:t>
+            </a:r>
+          </a:p>
+          <a:p>
+            <a:pPr>
+              <a:spcAft>
+                <a:spcPts val="600"/>
+              </a:spcAft>
+            </a:pPr>
+            <a:r>
+              <a:rPr lang="de-DE" sz="1100" dirty="0">
+                <a:latin typeface="Helvetica Neue" panose="02000503000000020004" pitchFamily="2" charset="0"/>
+                <a:ea typeface="Helvetica Neue" panose="02000503000000020004" pitchFamily="2" charset="0"/>
+                <a:cs typeface="Helvetica Neue" panose="02000503000000020004" pitchFamily="2" charset="0"/>
+              </a:rPr>
+              <a:t>Familienstand:    verheiratet</a:t>
+            </a:r>
+          </a:p>
+          <a:p>
+            <a:pPr>
+              <a:spcAft>
+                <a:spcPts val="600"/>
+              </a:spcAft>
+            </a:pPr>
+            <a:r>
+              <a:rPr lang="de-DE" sz="1100" dirty="0">
+                <a:latin typeface="Helvetica Neue" panose="02000503000000020004" pitchFamily="2" charset="0"/>
+                <a:ea typeface="Helvetica Neue" panose="02000503000000020004" pitchFamily="2" charset="0"/>
+                <a:cs typeface="Helvetica Neue" panose="02000503000000020004" pitchFamily="2" charset="0"/>
+              </a:rPr>
+              <a:t>Geschlecht:        Männlich</a:t>
+            </a:r>
+          </a:p>
+          <a:p>
+            <a:pPr>
+              <a:spcAft>
+                <a:spcPts val="600"/>
+              </a:spcAft>
+            </a:pPr>
+            <a:r>
+              <a:rPr lang="de-DE" sz="1100" dirty="0">
+                <a:latin typeface="Helvetica Neue" panose="02000503000000020004" pitchFamily="2" charset="0"/>
+                <a:ea typeface="Helvetica Neue" panose="02000503000000020004" pitchFamily="2" charset="0"/>
+                <a:cs typeface="Helvetica Neue" panose="02000503000000020004" pitchFamily="2" charset="0"/>
+              </a:rPr>
+              <a:t>Nationalität:        Spanisch</a:t>
+            </a:r>
+          </a:p>
+          <a:p>
+            <a:pPr>
+              <a:spcAft>
+                <a:spcPts val="600"/>
+              </a:spcAft>
+            </a:pPr>
+            <a:r>
+              <a:rPr lang="de-DE" sz="1100" dirty="0">
+                <a:latin typeface="Helvetica Neue" panose="02000503000000020004" pitchFamily="2" charset="0"/>
+                <a:ea typeface="Helvetica Neue" panose="02000503000000020004" pitchFamily="2" charset="0"/>
+                <a:cs typeface="Helvetica Neue" panose="02000503000000020004" pitchFamily="2" charset="0"/>
+              </a:rPr>
+              <a:t>Beruf:                  </a:t>
+            </a:r>
+            <a:r>
+              <a:rPr lang="de-DE" sz="1100" dirty="0" err="1">
+                <a:latin typeface="Helvetica Neue" panose="02000503000000020004" pitchFamily="2" charset="0"/>
+                <a:ea typeface="Helvetica Neue" panose="02000503000000020004" pitchFamily="2" charset="0"/>
+                <a:cs typeface="Helvetica Neue" panose="02000503000000020004" pitchFamily="2" charset="0"/>
+              </a:rPr>
+              <a:t>Process</a:t>
+            </a:r>
+            <a:r>
+              <a:rPr lang="de-DE" sz="1100" dirty="0">
+                <a:latin typeface="Helvetica Neue" panose="02000503000000020004" pitchFamily="2" charset="0"/>
+                <a:ea typeface="Helvetica Neue" panose="02000503000000020004" pitchFamily="2" charset="0"/>
+                <a:cs typeface="Helvetica Neue" panose="02000503000000020004" pitchFamily="2" charset="0"/>
+              </a:rPr>
+              <a:t> Engineer</a:t>
+            </a:r>
+          </a:p>
+        </p:txBody>
+      </p:sp>
+      <p:sp>
+        <p:nvSpPr>
+          <p:cNvPr id="20" name="Textfeld 19">
+            <a:extLst>
+              <a:ext uri="{FF2B5EF4-FFF2-40B4-BE49-F238E27FC236}">
+                <a16:creationId xmlns:a16="http://schemas.microsoft.com/office/drawing/2014/main" id="{DC28A910-98CA-EAEE-B343-793D53D2A70F}"/>
+              </a:ext>
+            </a:extLst>
+          </p:cNvPr>
+          <p:cNvSpPr txBox="1"/>
+          <p:nvPr/>
+        </p:nvSpPr>
+        <p:spPr>
+          <a:xfrm>
+            <a:off x="3784159" y="1535883"/>
+            <a:ext cx="7203630" cy="4431983"/>
+          </a:xfrm>
+          <a:prstGeom prst="rect">
+            <a:avLst/>
+          </a:prstGeom>
+          <a:noFill/>
+        </p:spPr>
+        <p:txBody>
+          <a:bodyPr wrap="square" rtlCol="0">
+            <a:spAutoFit/>
+          </a:bodyPr>
+          <a:lstStyle/>
+          <a:p>
+            <a:pPr>
+              <a:spcAft>
+                <a:spcPts val="600"/>
+              </a:spcAft>
+            </a:pPr>
+            <a:r>
+              <a:rPr lang="de-DE" sz="1600" b="1" dirty="0">
+                <a:solidFill>
+                  <a:srgbClr val="00338D"/>
+                </a:solidFill>
+                <a:latin typeface="Helvetica Neue Condensed" panose="02000503000000020004" pitchFamily="2" charset="0"/>
+                <a:ea typeface="Helvetica Neue Condensed" panose="02000503000000020004" pitchFamily="2" charset="0"/>
+                <a:cs typeface="Helvetica Neue Condensed" panose="02000503000000020004" pitchFamily="2" charset="0"/>
+              </a:rPr>
+              <a:t>    Zu Otto:</a:t>
+            </a:r>
+          </a:p>
+          <a:p>
+            <a:pPr marL="628650" lvl="1" indent="-171450">
+              <a:spcAft>
+                <a:spcPts val="600"/>
+              </a:spcAft>
+              <a:buFont typeface="Symbol" pitchFamily="2" charset="2"/>
+              <a:buChar char="-"/>
+            </a:pPr>
+            <a:r>
+              <a:rPr lang="de-DE" sz="1200" u="none" strike="noStrike" dirty="0">
+                <a:solidFill>
+                  <a:srgbClr val="000000"/>
+                </a:solidFill>
+                <a:effectLst/>
+                <a:latin typeface="Helvetica Neue" panose="02000503000000020004" pitchFamily="2" charset="0"/>
+                <a:ea typeface="Helvetica Neue" panose="02000503000000020004" pitchFamily="2" charset="0"/>
+                <a:cs typeface="Helvetica Neue" panose="02000503000000020004" pitchFamily="2" charset="0"/>
+              </a:rPr>
+              <a:t>Herkunft: Geboren in Spanien, aufgewachsen in Hamburg</a:t>
+            </a:r>
+            <a:endParaRPr lang="de-DE" sz="1200" dirty="0">
+              <a:solidFill>
+                <a:srgbClr val="000000"/>
+              </a:solidFill>
+              <a:latin typeface="Helvetica Neue" panose="02000503000000020004" pitchFamily="2" charset="0"/>
+              <a:ea typeface="Helvetica Neue" panose="02000503000000020004" pitchFamily="2" charset="0"/>
+              <a:cs typeface="Helvetica Neue" panose="02000503000000020004" pitchFamily="2" charset="0"/>
+            </a:endParaRPr>
+          </a:p>
+          <a:p>
+            <a:pPr marL="628650" lvl="1" indent="-171450">
+              <a:spcAft>
+                <a:spcPts val="600"/>
+              </a:spcAft>
+              <a:buFont typeface="Symbol" pitchFamily="2" charset="2"/>
+              <a:buChar char="-"/>
+            </a:pPr>
+            <a:r>
+              <a:rPr lang="de-DE" sz="1200" dirty="0">
+                <a:solidFill>
+                  <a:srgbClr val="000000"/>
+                </a:solidFill>
+                <a:latin typeface="Helvetica Neue" panose="02000503000000020004" pitchFamily="2" charset="0"/>
+                <a:ea typeface="Helvetica Neue" panose="02000503000000020004" pitchFamily="2" charset="0"/>
+                <a:cs typeface="Helvetica Neue" panose="02000503000000020004" pitchFamily="2" charset="0"/>
+              </a:rPr>
+              <a:t>Bachelor </a:t>
+            </a:r>
+            <a:r>
+              <a:rPr lang="de-DE" sz="1200" dirty="0" err="1">
+                <a:solidFill>
+                  <a:srgbClr val="000000"/>
+                </a:solidFill>
+                <a:latin typeface="Helvetica Neue" panose="02000503000000020004" pitchFamily="2" charset="0"/>
+                <a:ea typeface="Helvetica Neue" panose="02000503000000020004" pitchFamily="2" charset="0"/>
+                <a:cs typeface="Helvetica Neue" panose="02000503000000020004" pitchFamily="2" charset="0"/>
+              </a:rPr>
+              <a:t>of</a:t>
+            </a:r>
+            <a:r>
+              <a:rPr lang="de-DE" sz="1200" dirty="0">
+                <a:solidFill>
+                  <a:srgbClr val="000000"/>
+                </a:solidFill>
+                <a:latin typeface="Helvetica Neue" panose="02000503000000020004" pitchFamily="2" charset="0"/>
+                <a:ea typeface="Helvetica Neue" panose="02000503000000020004" pitchFamily="2" charset="0"/>
+                <a:cs typeface="Helvetica Neue" panose="02000503000000020004" pitchFamily="2" charset="0"/>
+              </a:rPr>
+              <a:t> Engineering in Maschinenbau</a:t>
+            </a:r>
+          </a:p>
+          <a:p>
+            <a:pPr marL="628650" lvl="1" indent="-171450">
+              <a:spcAft>
+                <a:spcPts val="600"/>
+              </a:spcAft>
+              <a:buFont typeface="Symbol" pitchFamily="2" charset="2"/>
+              <a:buChar char="-"/>
+            </a:pPr>
+            <a:r>
+              <a:rPr lang="de-DE" sz="1200" u="none" strike="noStrike" dirty="0">
+                <a:solidFill>
+                  <a:srgbClr val="000000"/>
+                </a:solidFill>
+                <a:effectLst/>
+                <a:latin typeface="Helvetica Neue" panose="02000503000000020004" pitchFamily="2" charset="0"/>
+                <a:ea typeface="Helvetica Neue" panose="02000503000000020004" pitchFamily="2" charset="0"/>
+                <a:cs typeface="Helvetica Neue" panose="02000503000000020004" pitchFamily="2" charset="0"/>
+              </a:rPr>
+              <a:t>Einstieg nach dem Studium </a:t>
+            </a:r>
+            <a:r>
+              <a:rPr lang="de-DE" sz="1200" dirty="0">
+                <a:solidFill>
+                  <a:srgbClr val="000000"/>
+                </a:solidFill>
+                <a:latin typeface="Helvetica Neue" panose="02000503000000020004" pitchFamily="2" charset="0"/>
+                <a:ea typeface="Helvetica Neue" panose="02000503000000020004" pitchFamily="2" charset="0"/>
+                <a:cs typeface="Helvetica Neue" panose="02000503000000020004" pitchFamily="2" charset="0"/>
+              </a:rPr>
+              <a:t>bei KIEFEL als </a:t>
+            </a:r>
+            <a:r>
+              <a:rPr lang="de-DE" sz="1200" dirty="0" err="1">
+                <a:solidFill>
+                  <a:srgbClr val="000000"/>
+                </a:solidFill>
+                <a:latin typeface="Helvetica Neue" panose="02000503000000020004" pitchFamily="2" charset="0"/>
+                <a:ea typeface="Helvetica Neue" panose="02000503000000020004" pitchFamily="2" charset="0"/>
+                <a:cs typeface="Helvetica Neue" panose="02000503000000020004" pitchFamily="2" charset="0"/>
+              </a:rPr>
+              <a:t>Process</a:t>
+            </a:r>
+            <a:r>
+              <a:rPr lang="de-DE" sz="1200" dirty="0">
+                <a:solidFill>
+                  <a:srgbClr val="000000"/>
+                </a:solidFill>
+                <a:latin typeface="Helvetica Neue" panose="02000503000000020004" pitchFamily="2" charset="0"/>
+                <a:ea typeface="Helvetica Neue" panose="02000503000000020004" pitchFamily="2" charset="0"/>
+                <a:cs typeface="Helvetica Neue" panose="02000503000000020004" pitchFamily="2" charset="0"/>
+              </a:rPr>
+              <a:t> Engineer</a:t>
+            </a:r>
+          </a:p>
+          <a:p>
+            <a:pPr marL="628650" lvl="1" indent="-171450">
+              <a:spcAft>
+                <a:spcPts val="1200"/>
+              </a:spcAft>
+              <a:buFont typeface="Symbol" pitchFamily="2" charset="2"/>
+              <a:buChar char="-"/>
+            </a:pPr>
+            <a:r>
+              <a:rPr lang="de-DE" sz="1200" dirty="0">
+                <a:solidFill>
+                  <a:srgbClr val="000000"/>
+                </a:solidFill>
+                <a:latin typeface="Helvetica Neue" panose="02000503000000020004" pitchFamily="2" charset="0"/>
+                <a:ea typeface="Helvetica Neue" panose="02000503000000020004" pitchFamily="2" charset="0"/>
+                <a:cs typeface="Helvetica Neue" panose="02000503000000020004" pitchFamily="2" charset="0"/>
+              </a:rPr>
+              <a:t>Schulung der Ingenieure beim Kunden vor Ort in Mexiko</a:t>
+            </a:r>
+          </a:p>
+          <a:p>
+            <a:pPr algn="l" rtl="0">
+              <a:spcBef>
+                <a:spcPts val="1200"/>
+              </a:spcBef>
+              <a:spcAft>
+                <a:spcPts val="600"/>
+              </a:spcAft>
+            </a:pPr>
+            <a:r>
+              <a:rPr lang="de-DE" sz="1600" b="1" dirty="0">
+                <a:solidFill>
+                  <a:srgbClr val="00338D"/>
+                </a:solidFill>
+                <a:latin typeface="Helvetica Neue Condensed" panose="02000503000000020004" pitchFamily="2" charset="0"/>
+                <a:ea typeface="Helvetica Neue Condensed" panose="02000503000000020004" pitchFamily="2" charset="0"/>
+                <a:cs typeface="Helvetica Neue Condensed" panose="02000503000000020004" pitchFamily="2" charset="0"/>
+              </a:rPr>
+              <a:t>     Verhalten:</a:t>
+            </a:r>
+          </a:p>
+          <a:p>
+            <a:pPr marL="628650" lvl="1" indent="-171450">
+              <a:spcAft>
+                <a:spcPts val="600"/>
+              </a:spcAft>
+              <a:buFont typeface="Symbol" pitchFamily="2" charset="2"/>
+              <a:buChar char="-"/>
+            </a:pPr>
+            <a:r>
+              <a:rPr lang="de-DE" sz="1200" dirty="0">
+                <a:solidFill>
+                  <a:srgbClr val="000000"/>
+                </a:solidFill>
+                <a:latin typeface="Helvetica Neue" panose="02000503000000020004" pitchFamily="2" charset="0"/>
+                <a:ea typeface="Helvetica Neue" panose="02000503000000020004" pitchFamily="2" charset="0"/>
+                <a:cs typeface="Helvetica Neue" panose="02000503000000020004" pitchFamily="2" charset="0"/>
+              </a:rPr>
+              <a:t>Analytisch und lösungsorientiert veranlagt, löst gerne komplexe Probleme</a:t>
+            </a:r>
+          </a:p>
+          <a:p>
+            <a:pPr marL="628650" lvl="1" indent="-171450">
+              <a:spcAft>
+                <a:spcPts val="1200"/>
+              </a:spcAft>
+              <a:buFont typeface="Symbol" pitchFamily="2" charset="2"/>
+              <a:buChar char="-"/>
+            </a:pPr>
+            <a:r>
+              <a:rPr lang="de-DE" sz="1200" dirty="0">
+                <a:solidFill>
+                  <a:srgbClr val="000000"/>
+                </a:solidFill>
+                <a:latin typeface="Helvetica Neue" panose="02000503000000020004" pitchFamily="2" charset="0"/>
+                <a:ea typeface="Helvetica Neue" panose="02000503000000020004" pitchFamily="2" charset="0"/>
+                <a:cs typeface="Helvetica Neue" panose="02000503000000020004" pitchFamily="2" charset="0"/>
+              </a:rPr>
+              <a:t>Interesse daran, die Ursache für die Maschinenfehler zu identifizieren und diese zu lösen</a:t>
+            </a:r>
+          </a:p>
+          <a:p>
+            <a:pPr algn="l" rtl="0">
+              <a:spcBef>
+                <a:spcPts val="1200"/>
+              </a:spcBef>
+              <a:spcAft>
+                <a:spcPts val="600"/>
+              </a:spcAft>
+            </a:pPr>
+            <a:r>
+              <a:rPr lang="de-DE" sz="1600" b="1" dirty="0">
+                <a:solidFill>
+                  <a:srgbClr val="00338D"/>
+                </a:solidFill>
+                <a:latin typeface="Helvetica Neue Condensed" panose="02000503000000020004" pitchFamily="2" charset="0"/>
+                <a:ea typeface="Helvetica Neue Condensed" panose="02000503000000020004" pitchFamily="2" charset="0"/>
+                <a:cs typeface="Helvetica Neue Condensed" panose="02000503000000020004" pitchFamily="2" charset="0"/>
+              </a:rPr>
+              <a:t>     Ziele und Bedürfnisse:</a:t>
+            </a:r>
+          </a:p>
+          <a:p>
+            <a:pPr marL="685800" lvl="1" indent="-228600">
+              <a:spcAft>
+                <a:spcPts val="600"/>
+              </a:spcAft>
+              <a:buFont typeface="Symbol" pitchFamily="2" charset="2"/>
+              <a:buChar char="-"/>
+            </a:pPr>
+            <a:r>
+              <a:rPr lang="de-DE" sz="1200" u="none" strike="noStrike" dirty="0">
+                <a:solidFill>
+                  <a:srgbClr val="000000"/>
+                </a:solidFill>
+                <a:effectLst/>
+                <a:latin typeface="Helvetica Neue" panose="02000503000000020004" pitchFamily="2" charset="0"/>
+                <a:ea typeface="Helvetica Neue" panose="02000503000000020004" pitchFamily="2" charset="0"/>
+                <a:cs typeface="Helvetica Neue" panose="02000503000000020004" pitchFamily="2" charset="0"/>
+              </a:rPr>
+              <a:t>Möchte seine Arbeit bestmöglich erledigen</a:t>
+            </a:r>
+            <a:r>
+              <a:rPr lang="de-DE" sz="1200" dirty="0">
+                <a:solidFill>
+                  <a:srgbClr val="000000"/>
+                </a:solidFill>
+                <a:latin typeface="Helvetica Neue" panose="02000503000000020004" pitchFamily="2" charset="0"/>
+                <a:ea typeface="Helvetica Neue" panose="02000503000000020004" pitchFamily="2" charset="0"/>
+                <a:cs typeface="Helvetica Neue" panose="02000503000000020004" pitchFamily="2" charset="0"/>
+              </a:rPr>
+              <a:t> und Verantwortung übernehmen </a:t>
+            </a:r>
+          </a:p>
+          <a:p>
+            <a:pPr marL="685800" lvl="1" indent="-228600">
+              <a:spcAft>
+                <a:spcPts val="600"/>
+              </a:spcAft>
+              <a:buFont typeface="Symbol" pitchFamily="2" charset="2"/>
+              <a:buChar char="-"/>
+            </a:pPr>
+            <a:r>
+              <a:rPr lang="de-DE" sz="1200" dirty="0">
+                <a:solidFill>
+                  <a:srgbClr val="000000"/>
+                </a:solidFill>
+                <a:latin typeface="Helvetica Neue" panose="02000503000000020004" pitchFamily="2" charset="0"/>
+                <a:ea typeface="Helvetica Neue" panose="02000503000000020004" pitchFamily="2" charset="0"/>
+                <a:cs typeface="Helvetica Neue" panose="02000503000000020004" pitchFamily="2" charset="0"/>
+              </a:rPr>
+              <a:t>Möchte Ursachen für den Produktionsstopp beheben</a:t>
+            </a:r>
+          </a:p>
+          <a:p>
+            <a:pPr marL="685800" lvl="1" indent="-228600">
+              <a:spcAft>
+                <a:spcPts val="600"/>
+              </a:spcAft>
+              <a:buFont typeface="Symbol" pitchFamily="2" charset="2"/>
+              <a:buChar char="-"/>
+            </a:pPr>
+            <a:r>
+              <a:rPr lang="de-DE" sz="1200" dirty="0">
+                <a:solidFill>
+                  <a:srgbClr val="000000"/>
+                </a:solidFill>
+                <a:latin typeface="Helvetica Neue" panose="02000503000000020004" pitchFamily="2" charset="0"/>
+                <a:ea typeface="Helvetica Neue" panose="02000503000000020004" pitchFamily="2" charset="0"/>
+                <a:cs typeface="Helvetica Neue" panose="02000503000000020004" pitchFamily="2" charset="0"/>
+              </a:rPr>
+              <a:t>Erwartet, dass er Fehler so spezifisch melden kann, um die </a:t>
+            </a:r>
+            <a:r>
+              <a:rPr lang="de-DE" sz="1200" dirty="0" err="1">
+                <a:solidFill>
+                  <a:srgbClr val="000000"/>
+                </a:solidFill>
+                <a:latin typeface="Helvetica Neue" panose="02000503000000020004" pitchFamily="2" charset="0"/>
+                <a:ea typeface="Helvetica Neue" panose="02000503000000020004" pitchFamily="2" charset="0"/>
+                <a:cs typeface="Helvetica Neue" panose="02000503000000020004" pitchFamily="2" charset="0"/>
+              </a:rPr>
+              <a:t>Director</a:t>
+            </a:r>
+            <a:r>
+              <a:rPr lang="de-DE" sz="1200" dirty="0">
+                <a:solidFill>
+                  <a:srgbClr val="000000"/>
+                </a:solidFill>
+                <a:latin typeface="Helvetica Neue" panose="02000503000000020004" pitchFamily="2" charset="0"/>
+                <a:ea typeface="Helvetica Neue" panose="02000503000000020004" pitchFamily="2" charset="0"/>
+                <a:cs typeface="Helvetica Neue" panose="02000503000000020004" pitchFamily="2" charset="0"/>
+              </a:rPr>
+              <a:t>-Ebene bei der Identifikation der häufigsten Störquellen der einzelnen Maschinen zu unterstützen</a:t>
+            </a:r>
+          </a:p>
+          <a:p>
+            <a:pPr marL="685800" lvl="1" indent="-228600">
+              <a:spcAft>
+                <a:spcPts val="600"/>
+              </a:spcAft>
+              <a:buFont typeface="Symbol" pitchFamily="2" charset="2"/>
+              <a:buChar char="-"/>
+            </a:pPr>
+            <a:r>
+              <a:rPr lang="de-DE" sz="1200" dirty="0">
+                <a:solidFill>
+                  <a:srgbClr val="000000"/>
+                </a:solidFill>
+                <a:latin typeface="Helvetica Neue" panose="02000503000000020004" pitchFamily="2" charset="0"/>
+                <a:ea typeface="Helvetica Neue" panose="02000503000000020004" pitchFamily="2" charset="0"/>
+                <a:cs typeface="Helvetica Neue" panose="02000503000000020004" pitchFamily="2" charset="0"/>
+              </a:rPr>
+              <a:t>Erwartet, dass er durch die Dokumentation der Maschinenfehler diese schneller beheben kann</a:t>
+            </a:r>
+          </a:p>
+        </p:txBody>
+      </p:sp>
+      <p:cxnSp>
+        <p:nvCxnSpPr>
+          <p:cNvPr id="8" name="Gerade Verbindung 7">
+            <a:extLst>
+              <a:ext uri="{FF2B5EF4-FFF2-40B4-BE49-F238E27FC236}">
+                <a16:creationId xmlns:a16="http://schemas.microsoft.com/office/drawing/2014/main" id="{40B03D56-AB26-3438-B8C2-80729E6F6FFD}"/>
+              </a:ext>
+            </a:extLst>
+          </p:cNvPr>
+          <p:cNvCxnSpPr/>
+          <p:nvPr/>
+        </p:nvCxnSpPr>
+        <p:spPr>
+          <a:xfrm>
+            <a:off x="3769112" y="1264024"/>
+            <a:ext cx="0" cy="4760258"/>
+          </a:xfrm>
+          <a:prstGeom prst="line">
+            <a:avLst/>
+          </a:prstGeom>
+          <a:ln>
+            <a:solidFill>
+              <a:srgbClr val="002060"/>
+            </a:solidFill>
+          </a:ln>
+        </p:spPr>
+        <p:style>
+          <a:lnRef idx="1">
+            <a:schemeClr val="accent1"/>
+          </a:lnRef>
+          <a:fillRef idx="0">
+            <a:schemeClr val="accent1"/>
+          </a:fillRef>
+          <a:effectRef idx="0">
+            <a:schemeClr val="accent1"/>
+          </a:effectRef>
+          <a:fontRef idx="minor">
+            <a:schemeClr val="tx1"/>
+          </a:fontRef>
+        </p:style>
+      </p:cxnSp>
+      <p:pic>
+        <p:nvPicPr>
+          <p:cNvPr id="9" name="Grafik 8" descr="Ein Bild, das Person, Mann enthält.&#10;&#10;Automatisch generierte Beschreibung">
+            <a:extLst>
+              <a:ext uri="{FF2B5EF4-FFF2-40B4-BE49-F238E27FC236}">
+                <a16:creationId xmlns:a16="http://schemas.microsoft.com/office/drawing/2014/main" id="{CDF9C9FA-70DC-A6FB-D82B-76AD2BCAEA49}"/>
+              </a:ext>
+            </a:extLst>
+          </p:cNvPr>
+          <p:cNvPicPr>
+            <a:picLocks noChangeAspect="1"/>
+          </p:cNvPicPr>
+          <p:nvPr/>
+        </p:nvPicPr>
+        <p:blipFill rotWithShape="1">
+          <a:blip r:embed="rId2"/>
+          <a:srcRect l="38739" t="1088" r="17457" b="1078"/>
+          <a:stretch/>
+        </p:blipFill>
+        <p:spPr>
+          <a:xfrm>
+            <a:off x="1388365" y="1615045"/>
+            <a:ext cx="1677480" cy="2487600"/>
+          </a:xfrm>
+          <a:prstGeom prst="rect">
+            <a:avLst/>
+          </a:prstGeom>
+        </p:spPr>
+      </p:pic>
+      <p:sp>
+        <p:nvSpPr>
+          <p:cNvPr id="2" name="Textfeld 1">
+            <a:extLst>
+              <a:ext uri="{FF2B5EF4-FFF2-40B4-BE49-F238E27FC236}">
+                <a16:creationId xmlns:a16="http://schemas.microsoft.com/office/drawing/2014/main" id="{5305A0DA-6EC5-D05F-4D56-6E4970C7F1EF}"/>
+              </a:ext>
+            </a:extLst>
+          </p:cNvPr>
+          <p:cNvSpPr txBox="1"/>
+          <p:nvPr/>
+        </p:nvSpPr>
+        <p:spPr>
+          <a:xfrm>
+            <a:off x="10018644" y="6027424"/>
+            <a:ext cx="1335156" cy="215444"/>
+          </a:xfrm>
+          <a:prstGeom prst="rect">
+            <a:avLst/>
+          </a:prstGeom>
+          <a:noFill/>
+        </p:spPr>
+        <p:txBody>
+          <a:bodyPr wrap="square">
+            <a:spAutoFit/>
+          </a:bodyPr>
+          <a:lstStyle/>
+          <a:p>
+            <a:pPr algn="l" rtl="0">
+              <a:spcBef>
+                <a:spcPts val="0"/>
+              </a:spcBef>
+              <a:spcAft>
+                <a:spcPts val="0"/>
+              </a:spcAft>
+            </a:pPr>
+            <a:r>
+              <a:rPr lang="de-DE" sz="800" u="sng" dirty="0">
+                <a:solidFill>
+                  <a:schemeClr val="bg1">
+                    <a:lumMod val="50000"/>
+                  </a:schemeClr>
+                </a:solidFill>
+                <a:latin typeface="Helvetica Neue" panose="02000503000000020004" pitchFamily="2" charset="0"/>
+                <a:ea typeface="Helvetica Neue" panose="02000503000000020004" pitchFamily="2" charset="0"/>
+                <a:cs typeface="Helvetica Neue" panose="02000503000000020004" pitchFamily="2" charset="0"/>
+              </a:rPr>
+              <a:t>Bildq</a:t>
+            </a:r>
+            <a:r>
+              <a:rPr lang="de-DE" sz="800" u="sng" strike="noStrike" dirty="0">
+                <a:solidFill>
+                  <a:schemeClr val="bg1">
+                    <a:lumMod val="50000"/>
+                  </a:schemeClr>
+                </a:solidFill>
+                <a:effectLst/>
+                <a:latin typeface="Helvetica Neue" panose="02000503000000020004" pitchFamily="2" charset="0"/>
+                <a:ea typeface="Helvetica Neue" panose="02000503000000020004" pitchFamily="2" charset="0"/>
+                <a:cs typeface="Helvetica Neue" panose="02000503000000020004" pitchFamily="2" charset="0"/>
+              </a:rPr>
+              <a:t>uelle:</a:t>
+            </a:r>
+            <a:r>
+              <a:rPr lang="de-DE" sz="800" u="none" strike="noStrike" dirty="0">
+                <a:solidFill>
+                  <a:schemeClr val="bg1">
+                    <a:lumMod val="50000"/>
+                  </a:schemeClr>
+                </a:solidFill>
+                <a:effectLst/>
+                <a:latin typeface="Helvetica Neue" panose="02000503000000020004" pitchFamily="2" charset="0"/>
+                <a:ea typeface="Helvetica Neue" panose="02000503000000020004" pitchFamily="2" charset="0"/>
+                <a:cs typeface="Helvetica Neue" panose="02000503000000020004" pitchFamily="2" charset="0"/>
+              </a:rPr>
+              <a:t> Adobe Stock</a:t>
+            </a:r>
+          </a:p>
+        </p:txBody>
+      </p:sp>
+      <p:sp>
+        <p:nvSpPr>
+          <p:cNvPr id="12" name="Rechteck 11">
+            <a:extLst>
+              <a:ext uri="{FF2B5EF4-FFF2-40B4-BE49-F238E27FC236}">
+                <a16:creationId xmlns:a16="http://schemas.microsoft.com/office/drawing/2014/main" id="{DF3F211C-E348-0EC2-2051-1B38F7BE966A}"/>
+              </a:ext>
+            </a:extLst>
+          </p:cNvPr>
+          <p:cNvSpPr/>
+          <p:nvPr/>
+        </p:nvSpPr>
+        <p:spPr>
+          <a:xfrm>
+            <a:off x="9491001" y="1093927"/>
+            <a:ext cx="387190" cy="45719"/>
+          </a:xfrm>
+          <a:prstGeom prst="rect">
+            <a:avLst/>
+          </a:prstGeom>
+          <a:solidFill>
+            <a:srgbClr val="203864"/>
+          </a:solidFill>
+          <a:ln>
+            <a:solidFill>
+              <a:srgbClr val="203864"/>
+            </a:solidFill>
+          </a:ln>
+        </p:spPr>
+        <p:style>
+          <a:lnRef idx="2">
+            <a:schemeClr val="accent1">
+              <a:shade val="50000"/>
+            </a:schemeClr>
+          </a:lnRef>
+          <a:fillRef idx="1">
+            <a:schemeClr val="accent1"/>
+          </a:fillRef>
+          <a:effectRef idx="0">
+            <a:schemeClr val="accent1"/>
+          </a:effectRef>
+          <a:fontRef idx="minor">
+            <a:schemeClr val="lt1"/>
+          </a:fontRef>
+        </p:style>
+        <p:txBody>
+          <a:bodyPr rtlCol="0" anchor="ctr"/>
+          <a:lstStyle/>
+          <a:p>
+            <a:pPr algn="ctr"/>
+            <a:endParaRPr lang="de-DE" sz="1600" b="1" dirty="0">
+              <a:latin typeface="Helvetica Neue" panose="02000503000000020004" pitchFamily="2" charset="0"/>
+              <a:ea typeface="Helvetica Neue" panose="02000503000000020004" pitchFamily="2" charset="0"/>
+              <a:cs typeface="Helvetica Neue" panose="02000503000000020004" pitchFamily="2" charset="0"/>
+            </a:endParaRPr>
+          </a:p>
+        </p:txBody>
+      </p:sp>
+      <p:sp>
+        <p:nvSpPr>
+          <p:cNvPr id="13" name="Textfeld 12">
+            <a:extLst>
+              <a:ext uri="{FF2B5EF4-FFF2-40B4-BE49-F238E27FC236}">
+                <a16:creationId xmlns:a16="http://schemas.microsoft.com/office/drawing/2014/main" id="{491D6B3F-DEF6-61D2-CE60-98A8B1D3A581}"/>
+              </a:ext>
+            </a:extLst>
+          </p:cNvPr>
+          <p:cNvSpPr txBox="1"/>
+          <p:nvPr/>
+        </p:nvSpPr>
+        <p:spPr>
+          <a:xfrm>
+            <a:off x="9878190" y="973826"/>
+            <a:ext cx="1694986" cy="253916"/>
+          </a:xfrm>
+          <a:prstGeom prst="rect">
+            <a:avLst/>
+          </a:prstGeom>
+          <a:noFill/>
+        </p:spPr>
+        <p:txBody>
+          <a:bodyPr wrap="square" rtlCol="0">
+            <a:spAutoFit/>
+          </a:bodyPr>
+          <a:lstStyle/>
+          <a:p>
+            <a:r>
+              <a:rPr lang="de-DE" sz="1050" dirty="0">
+                <a:latin typeface="Helvetica Neue" panose="02000503000000020004" pitchFamily="2" charset="0"/>
+                <a:ea typeface="Helvetica Neue" panose="02000503000000020004" pitchFamily="2" charset="0"/>
+                <a:cs typeface="Helvetica Neue" panose="02000503000000020004" pitchFamily="2" charset="0"/>
+              </a:rPr>
+              <a:t>Nutzer des Systems</a:t>
+            </a:r>
+          </a:p>
+        </p:txBody>
+      </p:sp>
+    </p:spTree>
+    <p:extLst>
+      <p:ext uri="{BB962C8B-B14F-4D97-AF65-F5344CB8AC3E}">
+        <p14:creationId xmlns:p14="http://schemas.microsoft.com/office/powerpoint/2010/main" val="221023166"/>
+      </p:ext>
+    </p:extLst>
+  </p:cSld>
+  <p:clrMapOvr>
+    <a:masterClrMapping/>
+  </p:clrMapOvr>
+  <p:timing>
+    <p:tnLst>
+      <p:par>
+        <p:cTn id="1" dur="indefinite" restart="never" nodeType="tmRoot">
+          <p:childTnLst>
+            <p:seq concurrent="1" nextAc="seek">
+              <p:cTn id="2" dur="indefinite" nodeType="mainSeq">
+                <p:childTnLst>
+                  <p:par>
+                    <p:cTn id="3" fill="hold">
+                      <p:stCondLst>
+                        <p:cond delay="indefinite"/>
+                      </p:stCondLst>
+                      <p:childTnLst>
+                        <p:par>
+                          <p:cTn id="4" fill="hold">
+                            <p:stCondLst>
+                              <p:cond delay="0"/>
+                            </p:stCondLst>
+                            <p:childTnLst>
+                              <p:par>
+                                <p:cTn id="5" presetID="1" presetClass="entr" presetSubtype="0" fill="hold" nodeType="clickEffect">
+                                  <p:stCondLst>
+                                    <p:cond delay="0"/>
+                                  </p:stCondLst>
+                                  <p:childTnLst>
+                                    <p:set>
+                                      <p:cBhvr>
+                                        <p:cTn id="6" dur="1" fill="hold">
+                                          <p:stCondLst>
+                                            <p:cond delay="0"/>
+                                          </p:stCondLst>
+                                        </p:cTn>
+                                        <p:tgtEl>
+                                          <p:spTgt spid="20">
+                                            <p:txEl>
+                                              <p:pRg st="0" end="0"/>
+                                            </p:txEl>
+                                          </p:spTgt>
+                                        </p:tgtEl>
+                                        <p:attrNameLst>
+                                          <p:attrName>style.visibility</p:attrName>
+                                        </p:attrNameLst>
+                                      </p:cBhvr>
+                                      <p:to>
+                                        <p:strVal val="visible"/>
+                                      </p:to>
+                                    </p:set>
+                                  </p:childTnLst>
+                                </p:cTn>
+                              </p:par>
+                              <p:par>
+                                <p:cTn id="7" presetID="1" presetClass="entr" presetSubtype="0" fill="hold" nodeType="withEffect">
+                                  <p:stCondLst>
+                                    <p:cond delay="0"/>
+                                  </p:stCondLst>
+                                  <p:childTnLst>
+                                    <p:set>
+                                      <p:cBhvr>
+                                        <p:cTn id="8" dur="1" fill="hold">
+                                          <p:stCondLst>
+                                            <p:cond delay="0"/>
+                                          </p:stCondLst>
+                                        </p:cTn>
+                                        <p:tgtEl>
+                                          <p:spTgt spid="20">
+                                            <p:txEl>
+                                              <p:pRg st="1" end="1"/>
+                                            </p:txEl>
+                                          </p:spTgt>
+                                        </p:tgtEl>
+                                        <p:attrNameLst>
+                                          <p:attrName>style.visibility</p:attrName>
+                                        </p:attrNameLst>
+                                      </p:cBhvr>
+                                      <p:to>
+                                        <p:strVal val="visible"/>
+                                      </p:to>
+                                    </p:set>
+                                  </p:childTnLst>
+                                </p:cTn>
+                              </p:par>
+                              <p:par>
+                                <p:cTn id="9" presetID="1" presetClass="entr" presetSubtype="0" fill="hold" nodeType="withEffect">
+                                  <p:stCondLst>
+                                    <p:cond delay="0"/>
+                                  </p:stCondLst>
+                                  <p:childTnLst>
+                                    <p:set>
+                                      <p:cBhvr>
+                                        <p:cTn id="10" dur="1" fill="hold">
+                                          <p:stCondLst>
+                                            <p:cond delay="0"/>
+                                          </p:stCondLst>
+                                        </p:cTn>
+                                        <p:tgtEl>
+                                          <p:spTgt spid="20">
+                                            <p:txEl>
+                                              <p:pRg st="2" end="2"/>
+                                            </p:txEl>
+                                          </p:spTgt>
+                                        </p:tgtEl>
+                                        <p:attrNameLst>
+                                          <p:attrName>style.visibility</p:attrName>
+                                        </p:attrNameLst>
+                                      </p:cBhvr>
+                                      <p:to>
+                                        <p:strVal val="visible"/>
+                                      </p:to>
+                                    </p:set>
+                                  </p:childTnLst>
+                                </p:cTn>
+                              </p:par>
+                              <p:par>
+                                <p:cTn id="11" presetID="1" presetClass="entr" presetSubtype="0" fill="hold" nodeType="withEffect">
+                                  <p:stCondLst>
+                                    <p:cond delay="0"/>
+                                  </p:stCondLst>
+                                  <p:childTnLst>
+                                    <p:set>
+                                      <p:cBhvr>
+                                        <p:cTn id="12" dur="1" fill="hold">
+                                          <p:stCondLst>
+                                            <p:cond delay="0"/>
+                                          </p:stCondLst>
+                                        </p:cTn>
+                                        <p:tgtEl>
+                                          <p:spTgt spid="20">
+                                            <p:txEl>
+                                              <p:pRg st="3" end="3"/>
+                                            </p:txEl>
+                                          </p:spTgt>
+                                        </p:tgtEl>
+                                        <p:attrNameLst>
+                                          <p:attrName>style.visibility</p:attrName>
+                                        </p:attrNameLst>
+                                      </p:cBhvr>
+                                      <p:to>
+                                        <p:strVal val="visible"/>
+                                      </p:to>
+                                    </p:set>
+                                  </p:childTnLst>
+                                </p:cTn>
+                              </p:par>
+                              <p:par>
+                                <p:cTn id="13" presetID="1" presetClass="entr" presetSubtype="0" fill="hold" nodeType="withEffect">
+                                  <p:stCondLst>
+                                    <p:cond delay="0"/>
+                                  </p:stCondLst>
+                                  <p:childTnLst>
+                                    <p:set>
+                                      <p:cBhvr>
+                                        <p:cTn id="14" dur="1" fill="hold">
+                                          <p:stCondLst>
+                                            <p:cond delay="0"/>
+                                          </p:stCondLst>
+                                        </p:cTn>
+                                        <p:tgtEl>
+                                          <p:spTgt spid="20">
+                                            <p:txEl>
+                                              <p:pRg st="4" end="4"/>
+                                            </p:txEl>
+                                          </p:spTgt>
+                                        </p:tgtEl>
+                                        <p:attrNameLst>
+                                          <p:attrName>style.visibility</p:attrName>
+                                        </p:attrNameLst>
+                                      </p:cBhvr>
+                                      <p:to>
+                                        <p:strVal val="visible"/>
+                                      </p:to>
+                                    </p:set>
+                                  </p:childTnLst>
+                                </p:cTn>
+                              </p:par>
+                            </p:childTnLst>
+                          </p:cTn>
+                        </p:par>
+                      </p:childTnLst>
+                    </p:cTn>
+                  </p:par>
+                  <p:par>
+                    <p:cTn id="15" fill="hold">
+                      <p:stCondLst>
+                        <p:cond delay="indefinite"/>
+                      </p:stCondLst>
+                      <p:childTnLst>
+                        <p:par>
+                          <p:cTn id="16" fill="hold">
+                            <p:stCondLst>
+                              <p:cond delay="0"/>
+                            </p:stCondLst>
+                            <p:childTnLst>
+                              <p:par>
+                                <p:cTn id="17" presetID="1" presetClass="entr" presetSubtype="0" fill="hold" nodeType="clickEffect">
+                                  <p:stCondLst>
+                                    <p:cond delay="0"/>
+                                  </p:stCondLst>
+                                  <p:childTnLst>
+                                    <p:set>
+                                      <p:cBhvr>
+                                        <p:cTn id="18" dur="1" fill="hold">
+                                          <p:stCondLst>
+                                            <p:cond delay="0"/>
+                                          </p:stCondLst>
+                                        </p:cTn>
+                                        <p:tgtEl>
+                                          <p:spTgt spid="20">
+                                            <p:txEl>
+                                              <p:pRg st="5" end="5"/>
+                                            </p:txEl>
+                                          </p:spTgt>
+                                        </p:tgtEl>
+                                        <p:attrNameLst>
+                                          <p:attrName>style.visibility</p:attrName>
+                                        </p:attrNameLst>
+                                      </p:cBhvr>
+                                      <p:to>
+                                        <p:strVal val="visible"/>
+                                      </p:to>
+                                    </p:set>
+                                  </p:childTnLst>
+                                </p:cTn>
+                              </p:par>
+                              <p:par>
+                                <p:cTn id="19" presetID="1" presetClass="entr" presetSubtype="0" fill="hold" nodeType="withEffect">
+                                  <p:stCondLst>
+                                    <p:cond delay="0"/>
+                                  </p:stCondLst>
+                                  <p:childTnLst>
+                                    <p:set>
+                                      <p:cBhvr>
+                                        <p:cTn id="20" dur="1" fill="hold">
+                                          <p:stCondLst>
+                                            <p:cond delay="0"/>
+                                          </p:stCondLst>
+                                        </p:cTn>
+                                        <p:tgtEl>
+                                          <p:spTgt spid="20">
+                                            <p:txEl>
+                                              <p:pRg st="6" end="6"/>
+                                            </p:txEl>
+                                          </p:spTgt>
+                                        </p:tgtEl>
+                                        <p:attrNameLst>
+                                          <p:attrName>style.visibility</p:attrName>
+                                        </p:attrNameLst>
+                                      </p:cBhvr>
+                                      <p:to>
+                                        <p:strVal val="visible"/>
+                                      </p:to>
+                                    </p:set>
+                                  </p:childTnLst>
+                                </p:cTn>
+                              </p:par>
                               <p:par>
                                 <p:cTn id="21" presetID="1" presetClass="entr" presetSubtype="0" fill="hold" nodeType="withEffect">
                                   <p:stCondLst>
@@ -12382,15 +12590,33 @@
                                   </p:childTnLst>
                                 </p:cTn>
                               </p:par>
+                            </p:childTnLst>
+                          </p:cTn>
+                        </p:par>
+                      </p:childTnLst>
+                    </p:cTn>
+                  </p:par>
+                  <p:par>
+                    <p:cTn id="23" fill="hold">
+                      <p:stCondLst>
+                        <p:cond delay="indefinite"/>
+                      </p:stCondLst>
+                      <p:childTnLst>
+                        <p:par>
+                          <p:cTn id="24" fill="hold">
+                            <p:stCondLst>
+                              <p:cond delay="0"/>
+                            </p:stCondLst>
+                            <p:childTnLst>
                               <p:par>
-                                <p:cTn id="23" presetID="1" presetClass="entr" presetSubtype="0" fill="hold" nodeType="withEffect">
+                                <p:cTn id="25" presetID="1" presetClass="entr" presetSubtype="0" fill="hold" nodeType="clickEffect">
                                   <p:stCondLst>
                                     <p:cond delay="0"/>
                                   </p:stCondLst>
                                   <p:childTnLst>
                                     <p:set>
                                       <p:cBhvr>
-                                        <p:cTn id="24" dur="1" fill="hold">
+                                        <p:cTn id="26" dur="1" fill="hold">
                                           <p:stCondLst>
                                             <p:cond delay="0"/>
                                           </p:stCondLst>
@@ -12414,14 +12640,14 @@
                                 </p:cTn>
                               </p:par>
                               <p:par>
-                                <p:cTn id="25" presetID="1" presetClass="entr" presetSubtype="0" fill="hold" nodeType="withEffect">
+                                <p:cTn id="27" presetID="1" presetClass="entr" presetSubtype="0" fill="hold" nodeType="withEffect">
                                   <p:stCondLst>
                                     <p:cond delay="0"/>
                                   </p:stCondLst>
                                   <p:childTnLst>
                                     <p:set>
                                       <p:cBhvr>
-                                        <p:cTn id="26" dur="1" fill="hold">
+                                        <p:cTn id="28" dur="1" fill="hold">
                                           <p:stCondLst>
                                             <p:cond delay="0"/>
                                           </p:stCondLst>
@@ -12444,26 +12670,8 @@
                                   </p:childTnLst>
                                 </p:cTn>
                               </p:par>
-                            </p:childTnLst>
-                          </p:cTn>
-                        </p:par>
-                      </p:childTnLst>
-                    </p:cTn>
-                  </p:par>
-                  <p:par>
-                    <p:cTn id="27" fill="hold">
-                      <p:stCondLst>
-                        <p:cond delay="indefinite"/>
-                      </p:stCondLst>
-                      <p:childTnLst>
-                        <p:par>
-                          <p:cTn id="28" fill="hold">
-                            <p:stCondLst>
-                              <p:cond delay="0"/>
-                            </p:stCondLst>
-                            <p:childTnLst>
                               <p:par>
-                                <p:cTn id="29" presetID="1" presetClass="entr" presetSubtype="0" fill="hold" nodeType="clickEffect">
+                                <p:cTn id="29" presetID="1" presetClass="entr" presetSubtype="0" fill="hold" nodeType="withEffect">
                                   <p:stCondLst>
                                     <p:cond delay="0"/>
                                   </p:stCondLst>
@@ -12691,9 +12899,7 @@
             <a:br>
               <a:rPr lang="de-DE" sz="3600" b="1" i="0" noProof="0" dirty="0">
                 <a:solidFill>
-                  <a:schemeClr val="accent1">
-                    <a:lumMod val="50000"/>
-                  </a:schemeClr>
+                  <a:srgbClr val="0070C0"/>
                 </a:solidFill>
                 <a:latin typeface="Helvetica Neue Condensed" panose="02000503000000020004" pitchFamily="2" charset="0"/>
                 <a:ea typeface="Helvetica Neue Condensed" panose="02000503000000020004" pitchFamily="2" charset="0"/>
@@ -12703,7 +12909,7 @@
             <a:r>
               <a:rPr lang="de-DE" sz="3600" b="1" i="0" noProof="0" dirty="0">
                 <a:solidFill>
-                  <a:srgbClr val="00338D"/>
+                  <a:srgbClr val="0070C0"/>
                 </a:solidFill>
                 <a:latin typeface="Helvetica Neue Condensed" panose="02000503000000020004" pitchFamily="2" charset="0"/>
                 <a:ea typeface="Helvetica Neue Condensed" panose="02000503000000020004" pitchFamily="2" charset="0"/>
@@ -12714,7 +12920,7 @@
             <a:br>
               <a:rPr lang="de-DE" sz="3600" b="1" i="0" noProof="0" dirty="0">
                 <a:solidFill>
-                  <a:srgbClr val="00338D"/>
+                  <a:srgbClr val="0070C0"/>
                 </a:solidFill>
                 <a:latin typeface="Helvetica Neue Condensed" panose="02000503000000020004" pitchFamily="2" charset="0"/>
                 <a:ea typeface="Helvetica Neue Condensed" panose="02000503000000020004" pitchFamily="2" charset="0"/>
@@ -12724,9 +12930,7 @@
             <a:r>
               <a:rPr lang="de-DE" sz="3600" b="1" dirty="0">
                 <a:solidFill>
-                  <a:schemeClr val="accent1">
-                    <a:lumMod val="50000"/>
-                  </a:schemeClr>
+                  <a:srgbClr val="0070C0"/>
                 </a:solidFill>
                 <a:latin typeface="Helvetica Neue Condensed" panose="02000503000000020004" pitchFamily="2" charset="0"/>
                 <a:ea typeface="Helvetica Neue Condensed" panose="02000503000000020004" pitchFamily="2" charset="0"/>
@@ -12760,7 +12964,7 @@
           <a:noFill/>
           <a:ln>
             <a:solidFill>
-              <a:srgbClr val="002060"/>
+              <a:srgbClr val="0070C0"/>
             </a:solidFill>
           </a:ln>
         </p:spPr>
@@ -12803,8 +13007,8 @@
         </p:nvSpPr>
         <p:spPr>
           <a:xfrm>
-            <a:off x="1540580" y="4206371"/>
-            <a:ext cx="2280868" cy="1569660"/>
+            <a:off x="1273879" y="4219071"/>
+            <a:ext cx="2356289" cy="1569660"/>
           </a:xfrm>
           <a:prstGeom prst="rect">
             <a:avLst/>
@@ -12825,7 +13029,7 @@
             <a:r>
               <a:rPr lang="de-DE" sz="1600" b="1" dirty="0">
                 <a:solidFill>
-                  <a:srgbClr val="00338D"/>
+                  <a:srgbClr val="0070C0"/>
                 </a:solidFill>
                 <a:latin typeface="Helvetica Neue Condensed" panose="02000503000000020004" pitchFamily="2" charset="0"/>
                 <a:ea typeface="Helvetica Neue Condensed" panose="02000503000000020004" pitchFamily="2" charset="0"/>
@@ -12846,7 +13050,7 @@
                 <a:ea typeface="Helvetica Neue" panose="02000503000000020004" pitchFamily="2" charset="0"/>
                 <a:cs typeface="Helvetica Neue" panose="02000503000000020004" pitchFamily="2" charset="0"/>
               </a:rPr>
-              <a:t>Alter:                 51</a:t>
+              <a:t>Alter:                   51</a:t>
             </a:r>
           </a:p>
           <a:p>
@@ -12861,7 +13065,7 @@
                 <a:ea typeface="Helvetica Neue" panose="02000503000000020004" pitchFamily="2" charset="0"/>
                 <a:cs typeface="Helvetica Neue" panose="02000503000000020004" pitchFamily="2" charset="0"/>
               </a:rPr>
-              <a:t>Familienstand:  verheiratet</a:t>
+              <a:t>Familienstand:    verheiratet</a:t>
             </a:r>
           </a:p>
           <a:p>
@@ -12876,7 +13080,7 @@
                 <a:ea typeface="Helvetica Neue" panose="02000503000000020004" pitchFamily="2" charset="0"/>
                 <a:cs typeface="Helvetica Neue" panose="02000503000000020004" pitchFamily="2" charset="0"/>
               </a:rPr>
-              <a:t>Geschlecht:      Weiblich</a:t>
+              <a:t>Geschlecht:        Weiblich</a:t>
             </a:r>
           </a:p>
           <a:p>
@@ -12891,7 +13095,7 @@
                 <a:ea typeface="Helvetica Neue" panose="02000503000000020004" pitchFamily="2" charset="0"/>
                 <a:cs typeface="Helvetica Neue" panose="02000503000000020004" pitchFamily="2" charset="0"/>
               </a:rPr>
-              <a:t>Nationalität:      Deutsch</a:t>
+              <a:t>Nationalität:        Deutsch</a:t>
             </a:r>
           </a:p>
           <a:p>
@@ -12906,7 +13110,7 @@
                 <a:ea typeface="Helvetica Neue" panose="02000503000000020004" pitchFamily="2" charset="0"/>
                 <a:cs typeface="Helvetica Neue" panose="02000503000000020004" pitchFamily="2" charset="0"/>
               </a:rPr>
-              <a:t>Beruf:                </a:t>
+              <a:t>Beruf:                  </a:t>
             </a:r>
             <a:r>
               <a:rPr lang="de-DE" sz="1100" dirty="0" err="1">
@@ -12939,7 +13143,7 @@
         <p:spPr>
           <a:xfrm>
             <a:off x="3784159" y="1535883"/>
-            <a:ext cx="6867261" cy="4801314"/>
+            <a:ext cx="7230584" cy="4355038"/>
           </a:xfrm>
           <a:prstGeom prst="rect">
             <a:avLst/>
@@ -12960,7 +13164,7 @@
             <a:r>
               <a:rPr lang="de-DE" sz="1600" b="1" dirty="0">
                 <a:solidFill>
-                  <a:srgbClr val="00338D"/>
+                  <a:srgbClr val="0070C0"/>
                 </a:solidFill>
                 <a:latin typeface="Helvetica Neue Condensed" panose="02000503000000020004" pitchFamily="2" charset="0"/>
                 <a:ea typeface="Helvetica Neue Condensed" panose="02000503000000020004" pitchFamily="2" charset="0"/>
@@ -12978,50 +13182,15 @@
               <a:buChar char="-"/>
             </a:pPr>
             <a:r>
-              <a:rPr lang="de-DE" sz="1200" u="none" strike="noStrike" dirty="0">
+              <a:rPr lang="de-DE" sz="1200" dirty="0">
                 <a:solidFill>
                   <a:srgbClr val="000000"/>
                 </a:solidFill>
-                <a:effectLst/>
                 <a:latin typeface="Helvetica Neue" panose="02000503000000020004" pitchFamily="2" charset="0"/>
                 <a:ea typeface="Helvetica Neue" panose="02000503000000020004" pitchFamily="2" charset="0"/>
                 <a:cs typeface="Helvetica Neue" panose="02000503000000020004" pitchFamily="2" charset="0"/>
               </a:rPr>
-              <a:t>Nachde</a:t>
-            </a:r>
-            <a:r>
-              <a:rPr lang="de-DE" sz="1200" dirty="0">
-                <a:solidFill>
-                  <a:srgbClr val="000000"/>
-                </a:solidFill>
-                <a:latin typeface="Helvetica Neue" panose="02000503000000020004" pitchFamily="2" charset="0"/>
-                <a:ea typeface="Helvetica Neue" panose="02000503000000020004" pitchFamily="2" charset="0"/>
-                <a:cs typeface="Helvetica Neue" panose="02000503000000020004" pitchFamily="2" charset="0"/>
-              </a:rPr>
-              <a:t>m ihre Kinder ausgezogen sind, möchte Daniela sich wieder </a:t>
-            </a:r>
-            <a:r>
-              <a:rPr lang="de-DE" sz="1200" u="none" strike="noStrike" dirty="0">
-                <a:solidFill>
-                  <a:srgbClr val="000000"/>
-                </a:solidFill>
-                <a:effectLst/>
-                <a:latin typeface="Helvetica Neue" panose="02000503000000020004" pitchFamily="2" charset="0"/>
-                <a:ea typeface="Helvetica Neue" panose="02000503000000020004" pitchFamily="2" charset="0"/>
-                <a:cs typeface="Helvetica Neue" panose="02000503000000020004" pitchFamily="2" charset="0"/>
-              </a:rPr>
-              <a:t>vol</a:t>
-            </a:r>
-            <a:r>
-              <a:rPr lang="de-DE" sz="1200" dirty="0">
-                <a:solidFill>
-                  <a:srgbClr val="000000"/>
-                </a:solidFill>
-                <a:latin typeface="Helvetica Neue" panose="02000503000000020004" pitchFamily="2" charset="0"/>
-                <a:ea typeface="Helvetica Neue" panose="02000503000000020004" pitchFamily="2" charset="0"/>
-                <a:cs typeface="Helvetica Neue" panose="02000503000000020004" pitchFamily="2" charset="0"/>
-              </a:rPr>
-              <a:t>l und ganz ihrem Beruf und ihrer Berufung widmen</a:t>
+              <a:t>Seit 20 Jahren bei der KIEFEL GmbH, als Führungskraft tätig</a:t>
             </a:r>
           </a:p>
           <a:p>
@@ -13041,29 +13210,7 @@
                 <a:ea typeface="Helvetica Neue" panose="02000503000000020004" pitchFamily="2" charset="0"/>
                 <a:cs typeface="Helvetica Neue" panose="02000503000000020004" pitchFamily="2" charset="0"/>
               </a:rPr>
-              <a:t>Seit 20 Jahren bei der KIEFEL GmbH, hohe Position als </a:t>
-            </a:r>
-            <a:r>
-              <a:rPr lang="de-DE" sz="1200" dirty="0" err="1">
-                <a:solidFill>
-                  <a:srgbClr val="000000"/>
-                </a:solidFill>
-                <a:latin typeface="Helvetica Neue" panose="02000503000000020004" pitchFamily="2" charset="0"/>
-                <a:ea typeface="Helvetica Neue" panose="02000503000000020004" pitchFamily="2" charset="0"/>
-                <a:cs typeface="Helvetica Neue" panose="02000503000000020004" pitchFamily="2" charset="0"/>
-              </a:rPr>
-              <a:t>Director</a:t>
-            </a:r>
-            <a:r>
-              <a:rPr lang="de-DE" sz="1200" dirty="0">
-                <a:solidFill>
-                  <a:srgbClr val="000000"/>
-                </a:solidFill>
-                <a:latin typeface="Helvetica Neue" panose="02000503000000020004" pitchFamily="2" charset="0"/>
-                <a:ea typeface="Helvetica Neue" panose="02000503000000020004" pitchFamily="2" charset="0"/>
-                <a:cs typeface="Helvetica Neue" panose="02000503000000020004" pitchFamily="2" charset="0"/>
-              </a:rPr>
-              <a:t> </a:t>
+              <a:t>Doktor in Wirtschaftswissenschaften</a:t>
             </a:r>
           </a:p>
           <a:p>
@@ -13083,7 +13230,7 @@
                 <a:ea typeface="Helvetica Neue" panose="02000503000000020004" pitchFamily="2" charset="0"/>
                 <a:cs typeface="Helvetica Neue" panose="02000503000000020004" pitchFamily="2" charset="0"/>
               </a:rPr>
-              <a:t>Viel Verantwortung, ist maßgeblich für den Erfolg von KIEFEL mitverantwortlich</a:t>
+              <a:t>Zuständig für das Controlling der Produktionsstätten (Analysen mit OEE-Dashboard)</a:t>
             </a:r>
             <a:endParaRPr lang="de-DE" sz="1200" dirty="0">
               <a:solidFill>
@@ -13106,7 +13253,7 @@
             <a:r>
               <a:rPr lang="de-DE" sz="1600" b="1" dirty="0">
                 <a:solidFill>
-                  <a:srgbClr val="00338D"/>
+                  <a:srgbClr val="0070C0"/>
                 </a:solidFill>
                 <a:latin typeface="Helvetica Neue Condensed" panose="02000503000000020004" pitchFamily="2" charset="0"/>
                 <a:ea typeface="Helvetica Neue Condensed" panose="02000503000000020004" pitchFamily="2" charset="0"/>
@@ -13132,94 +13279,7 @@
                 <a:ea typeface="Helvetica Neue" panose="02000503000000020004" pitchFamily="2" charset="0"/>
                 <a:cs typeface="Helvetica Neue" panose="02000503000000020004" pitchFamily="2" charset="0"/>
               </a:rPr>
-              <a:t>Entscheidungsfreudig, direkt, ehrlich, </a:t>
-            </a:r>
-            <a:r>
-              <a:rPr lang="de-DE" sz="1200" u="none" strike="noStrike" dirty="0">
-                <a:solidFill>
-                  <a:srgbClr val="000000"/>
-                </a:solidFill>
-                <a:effectLst/>
-                <a:latin typeface="Helvetica Neue" panose="02000503000000020004" pitchFamily="2" charset="0"/>
-                <a:ea typeface="Helvetica Neue" panose="02000503000000020004" pitchFamily="2" charset="0"/>
-                <a:cs typeface="Helvetica Neue" panose="02000503000000020004" pitchFamily="2" charset="0"/>
-              </a:rPr>
-              <a:t>arbeitet gerne in einem dynamischen Umfeld</a:t>
-            </a:r>
-          </a:p>
-          <a:p>
-            <a:pPr marL="628650" lvl="1" indent="-171450">
-              <a:spcAft>
-                <a:spcPts val="600"/>
-              </a:spcAft>
-              <a:buFont typeface="Symbol" pitchFamily="2" charset="2"/>
-              <a:buChar char="-"/>
-            </a:pPr>
-            <a:r>
-              <a:rPr lang="de-DE" sz="1200" dirty="0">
-                <a:solidFill>
-                  <a:srgbClr val="000000"/>
-                </a:solidFill>
-                <a:latin typeface="Helvetica Neue" panose="02000503000000020004" pitchFamily="2" charset="0"/>
-                <a:ea typeface="Helvetica Neue" panose="02000503000000020004" pitchFamily="2" charset="0"/>
-                <a:cs typeface="Helvetica Neue" panose="02000503000000020004" pitchFamily="2" charset="0"/>
-              </a:rPr>
-              <a:t>Z</a:t>
-            </a:r>
-            <a:r>
-              <a:rPr lang="de-DE" sz="1200" u="none" strike="noStrike" dirty="0">
-                <a:solidFill>
-                  <a:srgbClr val="000000"/>
-                </a:solidFill>
-                <a:effectLst/>
-                <a:latin typeface="Helvetica Neue" panose="02000503000000020004" pitchFamily="2" charset="0"/>
-                <a:ea typeface="Helvetica Neue" panose="02000503000000020004" pitchFamily="2" charset="0"/>
-                <a:cs typeface="Helvetica Neue" panose="02000503000000020004" pitchFamily="2" charset="0"/>
-              </a:rPr>
-              <a:t>ielorientiert, fokussiert und </a:t>
-            </a:r>
-            <a:r>
-              <a:rPr lang="de-DE" sz="1200" dirty="0">
-                <a:solidFill>
-                  <a:srgbClr val="000000"/>
-                </a:solidFill>
-                <a:latin typeface="Helvetica Neue" panose="02000503000000020004" pitchFamily="2" charset="0"/>
-                <a:ea typeface="Helvetica Neue" panose="02000503000000020004" pitchFamily="2" charset="0"/>
-                <a:cs typeface="Helvetica Neue" panose="02000503000000020004" pitchFamily="2" charset="0"/>
-              </a:rPr>
-              <a:t>ehrgeizig </a:t>
-            </a:r>
-          </a:p>
-          <a:p>
-            <a:pPr marL="628650" lvl="1" indent="-171450">
-              <a:spcAft>
-                <a:spcPts val="600"/>
-              </a:spcAft>
-              <a:buFont typeface="Symbol" pitchFamily="2" charset="2"/>
-              <a:buChar char="-"/>
-            </a:pPr>
-            <a:r>
-              <a:rPr lang="de-DE" sz="1200" dirty="0">
-                <a:solidFill>
-                  <a:srgbClr val="000000"/>
-                </a:solidFill>
-                <a:latin typeface="Helvetica Neue" panose="02000503000000020004" pitchFamily="2" charset="0"/>
-                <a:ea typeface="Helvetica Neue" panose="02000503000000020004" pitchFamily="2" charset="0"/>
-                <a:cs typeface="Helvetica Neue" panose="02000503000000020004" pitchFamily="2" charset="0"/>
-              </a:rPr>
-              <a:t>M</a:t>
-            </a:r>
-            <a:r>
-              <a:rPr lang="de-DE" sz="1200" u="none" strike="noStrike" dirty="0">
-                <a:solidFill>
-                  <a:srgbClr val="000000"/>
-                </a:solidFill>
-                <a:effectLst/>
-                <a:latin typeface="Helvetica Neue" panose="02000503000000020004" pitchFamily="2" charset="0"/>
-                <a:ea typeface="Helvetica Neue" panose="02000503000000020004" pitchFamily="2" charset="0"/>
-                <a:cs typeface="Helvetica Neue" panose="02000503000000020004" pitchFamily="2" charset="0"/>
-              </a:rPr>
-              <a:t>otivierende Führungskraft, inspiriert und motiviert ihr Team zu inspirieren </a:t>
+              <a:t>Zielorientiert, fokussiert und ehrgeizig</a:t>
             </a:r>
           </a:p>
           <a:p>
@@ -13239,31 +13299,11 @@
                 <a:ea typeface="Helvetica Neue" panose="02000503000000020004" pitchFamily="2" charset="0"/>
                 <a:cs typeface="Helvetica Neue" panose="02000503000000020004" pitchFamily="2" charset="0"/>
               </a:rPr>
-              <a:t>K</a:t>
-            </a:r>
-            <a:r>
-              <a:rPr lang="de-DE" sz="1200" u="none" strike="noStrike" dirty="0">
-                <a:solidFill>
-                  <a:srgbClr val="000000"/>
-                </a:solidFill>
-                <a:effectLst/>
-                <a:latin typeface="Helvetica Neue" panose="02000503000000020004" pitchFamily="2" charset="0"/>
-                <a:ea typeface="Helvetica Neue" panose="02000503000000020004" pitchFamily="2" charset="0"/>
-                <a:cs typeface="Helvetica Neue" panose="02000503000000020004" pitchFamily="2" charset="0"/>
-              </a:rPr>
-              <a:t>ommunikativ und offen für Feedback und neue Ideen</a:t>
-            </a:r>
-            <a:endParaRPr lang="de-DE" sz="1200" dirty="0">
-              <a:solidFill>
-                <a:srgbClr val="000000"/>
-              </a:solidFill>
-              <a:latin typeface="Helvetica Neue" panose="02000503000000020004" pitchFamily="2" charset="0"/>
-              <a:ea typeface="Helvetica Neue" panose="02000503000000020004" pitchFamily="2" charset="0"/>
-              <a:cs typeface="Helvetica Neue" panose="02000503000000020004" pitchFamily="2" charset="0"/>
-            </a:endParaRPr>
-          </a:p>
-          <a:p>
-            <a:pPr algn="l" rtl="0">
+              <a:t>Interesse daran, die Leistungsfähigkeit und Effizienz der Maschinen zu steigern und das Ausfallrisiko zu minimieren</a:t>
+            </a:r>
+          </a:p>
+          <a:p>
+            <a:pPr>
               <a:spcBef>
                 <a:spcPts val="1200"/>
               </a:spcBef>
@@ -13272,15 +13312,26 @@
               </a:spcAft>
             </a:pPr>
             <a:r>
+              <a:rPr lang="de-DE" sz="1600" dirty="0">
+                <a:solidFill>
+                  <a:srgbClr val="000000"/>
+                </a:solidFill>
+                <a:latin typeface="Helvetica Neue" panose="02000503000000020004" pitchFamily="2" charset="0"/>
+                <a:ea typeface="Helvetica Neue" panose="02000503000000020004" pitchFamily="2" charset="0"/>
+                <a:cs typeface="Helvetica Neue" panose="02000503000000020004" pitchFamily="2" charset="0"/>
+              </a:rPr>
+              <a:t>    </a:t>
+            </a:r>
+            <a:r>
               <a:rPr lang="de-DE" sz="1600" b="1" dirty="0">
                 <a:solidFill>
-                  <a:srgbClr val="00338D"/>
+                  <a:srgbClr val="0070C0"/>
                 </a:solidFill>
                 <a:latin typeface="Helvetica Neue Condensed" panose="02000503000000020004" pitchFamily="2" charset="0"/>
                 <a:ea typeface="Helvetica Neue Condensed" panose="02000503000000020004" pitchFamily="2" charset="0"/>
                 <a:cs typeface="Helvetica Neue Condensed" panose="02000503000000020004" pitchFamily="2" charset="0"/>
               </a:rPr>
-              <a:t>     Ziele/ Bedürfnisse:</a:t>
+              <a:t>Ziele und Bedürfnisse:</a:t>
             </a:r>
           </a:p>
           <a:p>
@@ -13301,7 +13352,7 @@
                 <a:ea typeface="Helvetica Neue" panose="02000503000000020004" pitchFamily="2" charset="0"/>
                 <a:cs typeface="Helvetica Neue" panose="02000503000000020004" pitchFamily="2" charset="0"/>
               </a:rPr>
-              <a:t>Unternehmenserfolg </a:t>
+              <a:t>Möchte aktiv den Unternehmenserfolg gestalten</a:t>
             </a:r>
           </a:p>
           <a:p>
@@ -13322,7 +13373,31 @@
                 <a:ea typeface="Helvetica Neue" panose="02000503000000020004" pitchFamily="2" charset="0"/>
                 <a:cs typeface="Helvetica Neue" panose="02000503000000020004" pitchFamily="2" charset="0"/>
               </a:rPr>
-              <a:t>Karriere und Weiterentwicklung</a:t>
+              <a:t>Möchte die gemeldeten </a:t>
+            </a:r>
+            <a:r>
+              <a:rPr lang="de-DE" sz="1200" u="none" strike="noStrike" dirty="0" err="1">
+                <a:solidFill>
+                  <a:srgbClr val="000000"/>
+                </a:solidFill>
+                <a:effectLst/>
+                <a:latin typeface="Helvetica Neue" panose="02000503000000020004" pitchFamily="2" charset="0"/>
+                <a:ea typeface="Helvetica Neue" panose="02000503000000020004" pitchFamily="2" charset="0"/>
+                <a:cs typeface="Helvetica Neue" panose="02000503000000020004" pitchFamily="2" charset="0"/>
+              </a:rPr>
+              <a:t>downtime</a:t>
+            </a:r>
+            <a:r>
+              <a:rPr lang="de-DE" sz="1200" u="none" strike="noStrike" dirty="0">
+                <a:solidFill>
+                  <a:srgbClr val="000000"/>
+                </a:solidFill>
+                <a:effectLst/>
+                <a:latin typeface="Helvetica Neue" panose="02000503000000020004" pitchFamily="2" charset="0"/>
+                <a:ea typeface="Helvetica Neue" panose="02000503000000020004" pitchFamily="2" charset="0"/>
+                <a:cs typeface="Helvetica Neue" panose="02000503000000020004" pitchFamily="2" charset="0"/>
+              </a:rPr>
+              <a:t>-Meldungen einsehen und auswerten</a:t>
             </a:r>
           </a:p>
           <a:p>
@@ -13334,36 +13409,36 @@
               <a:buChar char="-"/>
             </a:pPr>
             <a:r>
-              <a:rPr lang="de-DE" sz="1200" u="none" strike="noStrike" dirty="0">
+              <a:rPr lang="de-DE" sz="1200" dirty="0">
                 <a:solidFill>
                   <a:srgbClr val="000000"/>
                 </a:solidFill>
-                <a:effectLst/>
                 <a:latin typeface="Helvetica Neue" panose="02000503000000020004" pitchFamily="2" charset="0"/>
                 <a:ea typeface="Helvetica Neue" panose="02000503000000020004" pitchFamily="2" charset="0"/>
                 <a:cs typeface="Helvetica Neue" panose="02000503000000020004" pitchFamily="2" charset="0"/>
               </a:rPr>
-              <a:t>Schaffung eines positiven Arbeitsumfeldes, in dem sich ihre Mitarbeiter wohl fühlen und sich individuell entfalten können</a:t>
-            </a:r>
-            <a:br>
+              <a:t>Erwartet, dass auf Grundlage der Fehlermeldungen aussagekräftigere Analysen getätigt werden können</a:t>
+            </a:r>
+          </a:p>
+          <a:p>
+            <a:pPr marL="685800" lvl="1" indent="-228600">
+              <a:spcAft>
+                <a:spcPts val="600"/>
+              </a:spcAft>
+              <a:buFont typeface="Symbol" pitchFamily="2" charset="2"/>
+              <a:buChar char="-"/>
+            </a:pPr>
+            <a:r>
               <a:rPr lang="de-DE" sz="1200" dirty="0">
+                <a:solidFill>
+                  <a:srgbClr val="000000"/>
+                </a:solidFill>
                 <a:latin typeface="Helvetica Neue" panose="02000503000000020004" pitchFamily="2" charset="0"/>
                 <a:ea typeface="Helvetica Neue" panose="02000503000000020004" pitchFamily="2" charset="0"/>
                 <a:cs typeface="Helvetica Neue" panose="02000503000000020004" pitchFamily="2" charset="0"/>
               </a:rPr>
-            </a:br>
-            <a:br>
-              <a:rPr lang="de-DE" sz="1200" dirty="0">
-                <a:latin typeface="Helvetica Neue" panose="02000503000000020004" pitchFamily="2" charset="0"/>
-                <a:ea typeface="Helvetica Neue" panose="02000503000000020004" pitchFamily="2" charset="0"/>
-                <a:cs typeface="Helvetica Neue" panose="02000503000000020004" pitchFamily="2" charset="0"/>
-              </a:rPr>
-            </a:br>
-            <a:endParaRPr lang="de-DE" sz="1200" dirty="0">
-              <a:latin typeface="Helvetica Neue" panose="02000503000000020004" pitchFamily="2" charset="0"/>
-              <a:ea typeface="Helvetica Neue" panose="02000503000000020004" pitchFamily="2" charset="0"/>
-              <a:cs typeface="Helvetica Neue" panose="02000503000000020004" pitchFamily="2" charset="0"/>
-            </a:endParaRPr>
+              <a:t>Erwartet, dass auf Grundlage der Fehlermeldungen leistungsstarke Maschinen von leistungsschwachen Maschinen unterschieden werden können</a:t>
+            </a:r>
           </a:p>
         </p:txBody>
       </p:sp>
@@ -13389,7 +13464,7 @@
           </a:prstGeom>
           <a:ln>
             <a:solidFill>
-              <a:srgbClr val="002060"/>
+              <a:srgbClr val="0070C0"/>
             </a:solidFill>
           </a:ln>
         </p:spPr>
@@ -13437,7 +13512,7 @@
         </p:blipFill>
         <p:spPr bwMode="auto">
           <a:xfrm>
-            <a:off x="1591857" y="1569359"/>
+            <a:off x="1393076" y="1615045"/>
             <a:ext cx="1668765" cy="2487600"/>
           </a:xfrm>
           <a:prstGeom prst="rect">
@@ -13587,6 +13662,166 @@
                 <a:cs typeface="Helvetica Neue" panose="02000503000000020004" pitchFamily="2" charset="0"/>
               </a:rPr>
               <a:t>/anzug-frau-schreibtisch-buro-4427610/</a:t>
+            </a:r>
+          </a:p>
+        </p:txBody>
+      </p:sp>
+      <p:sp>
+        <p:nvSpPr>
+          <p:cNvPr id="12" name="Textfeld 11">
+            <a:extLst>
+              <a:ext uri="{FF2B5EF4-FFF2-40B4-BE49-F238E27FC236}">
+                <a16:creationId xmlns:a16="http://schemas.microsoft.com/office/drawing/2014/main" id="{80DFA620-F546-195E-3DF5-0FF5F5F19F23}"/>
+              </a:ext>
+            </a:extLst>
+          </p:cNvPr>
+          <p:cNvSpPr txBox="1"/>
+          <p:nvPr/>
+        </p:nvSpPr>
+        <p:spPr>
+          <a:xfrm>
+            <a:off x="9450858" y="1275454"/>
+            <a:ext cx="1825949" cy="215444"/>
+          </a:xfrm>
+          <a:prstGeom prst="rect">
+            <a:avLst/>
+          </a:prstGeom>
+          <a:noFill/>
+        </p:spPr>
+        <p:txBody>
+          <a:bodyPr wrap="square">
+            <a:spAutoFit/>
+          </a:bodyPr>
+          <a:lstStyle/>
+          <a:p>
+            <a:pPr rtl="0">
+              <a:spcBef>
+                <a:spcPts val="0"/>
+              </a:spcBef>
+              <a:spcAft>
+                <a:spcPts val="0"/>
+              </a:spcAft>
+            </a:pPr>
+            <a:r>
+              <a:rPr lang="de-DE" sz="800" dirty="0">
+                <a:solidFill>
+                  <a:schemeClr val="bg1">
+                    <a:lumMod val="50000"/>
+                  </a:schemeClr>
+                </a:solidFill>
+                <a:latin typeface="Helvetica Neue" panose="02000503000000020004" pitchFamily="2" charset="0"/>
+                <a:ea typeface="Helvetica Neue" panose="02000503000000020004" pitchFamily="2" charset="0"/>
+                <a:cs typeface="Helvetica Neue" panose="02000503000000020004" pitchFamily="2" charset="0"/>
+              </a:rPr>
+              <a:t>OEE = Overall Equipment Efficiency</a:t>
+            </a:r>
+            <a:endParaRPr lang="de-DE" sz="800" strike="noStrike" dirty="0">
+              <a:solidFill>
+                <a:schemeClr val="bg1">
+                  <a:lumMod val="50000"/>
+                </a:schemeClr>
+              </a:solidFill>
+              <a:effectLst/>
+              <a:latin typeface="Helvetica Neue" panose="02000503000000020004" pitchFamily="2" charset="0"/>
+              <a:ea typeface="Helvetica Neue" panose="02000503000000020004" pitchFamily="2" charset="0"/>
+              <a:cs typeface="Helvetica Neue" panose="02000503000000020004" pitchFamily="2" charset="0"/>
+            </a:endParaRPr>
+          </a:p>
+        </p:txBody>
+      </p:sp>
+      <p:sp>
+        <p:nvSpPr>
+          <p:cNvPr id="13" name="Rechteck 12">
+            <a:extLst>
+              <a:ext uri="{FF2B5EF4-FFF2-40B4-BE49-F238E27FC236}">
+                <a16:creationId xmlns:a16="http://schemas.microsoft.com/office/drawing/2014/main" id="{8A71DA74-9E82-81EF-DD56-9D9B99676067}"/>
+              </a:ext>
+            </a:extLst>
+          </p:cNvPr>
+          <p:cNvSpPr/>
+          <p:nvPr/>
+        </p:nvSpPr>
+        <p:spPr>
+          <a:xfrm>
+            <a:off x="9409113" y="1093927"/>
+            <a:ext cx="387190" cy="45719"/>
+          </a:xfrm>
+          <a:prstGeom prst="rect">
+            <a:avLst/>
+          </a:prstGeom>
+          <a:solidFill>
+            <a:srgbClr val="0070C0"/>
+          </a:solidFill>
+          <a:ln>
+            <a:solidFill>
+              <a:srgbClr val="0070C0"/>
+            </a:solidFill>
+          </a:ln>
+        </p:spPr>
+        <p:style>
+          <a:lnRef idx="2">
+            <a:schemeClr val="accent1">
+              <a:shade val="50000"/>
+            </a:schemeClr>
+          </a:lnRef>
+          <a:fillRef idx="1">
+            <a:schemeClr val="accent1"/>
+          </a:fillRef>
+          <a:effectRef idx="0">
+            <a:schemeClr val="accent1"/>
+          </a:effectRef>
+          <a:fontRef idx="minor">
+            <a:schemeClr val="lt1"/>
+          </a:fontRef>
+        </p:style>
+        <p:txBody>
+          <a:bodyPr rtlCol="0" anchor="ctr"/>
+          <a:lstStyle/>
+          <a:p>
+            <a:pPr algn="ctr"/>
+            <a:endParaRPr lang="de-DE" sz="1600" b="1" dirty="0">
+              <a:latin typeface="Helvetica Neue" panose="02000503000000020004" pitchFamily="2" charset="0"/>
+              <a:ea typeface="Helvetica Neue" panose="02000503000000020004" pitchFamily="2" charset="0"/>
+              <a:cs typeface="Helvetica Neue" panose="02000503000000020004" pitchFamily="2" charset="0"/>
+            </a:endParaRPr>
+          </a:p>
+        </p:txBody>
+      </p:sp>
+      <p:sp>
+        <p:nvSpPr>
+          <p:cNvPr id="14" name="Textfeld 13">
+            <a:extLst>
+              <a:ext uri="{FF2B5EF4-FFF2-40B4-BE49-F238E27FC236}">
+                <a16:creationId xmlns:a16="http://schemas.microsoft.com/office/drawing/2014/main" id="{18405DD7-5A1E-1209-3E77-899908A93A3D}"/>
+              </a:ext>
+            </a:extLst>
+          </p:cNvPr>
+          <p:cNvSpPr txBox="1"/>
+          <p:nvPr/>
+        </p:nvSpPr>
+        <p:spPr>
+          <a:xfrm>
+            <a:off x="9796302" y="973826"/>
+            <a:ext cx="1694986" cy="253916"/>
+          </a:xfrm>
+          <a:prstGeom prst="rect">
+            <a:avLst/>
+          </a:prstGeom>
+          <a:noFill/>
+        </p:spPr>
+        <p:txBody>
+          <a:bodyPr wrap="square" rtlCol="0">
+            <a:spAutoFit/>
+          </a:bodyPr>
+          <a:lstStyle/>
+          <a:p>
+            <a:r>
+              <a:rPr lang="de-DE" sz="1050" dirty="0">
+                <a:latin typeface="Helvetica Neue" panose="02000503000000020004" pitchFamily="2" charset="0"/>
+                <a:ea typeface="Helvetica Neue" panose="02000503000000020004" pitchFamily="2" charset="0"/>
+                <a:cs typeface="Helvetica Neue" panose="02000503000000020004" pitchFamily="2" charset="0"/>
+              </a:rPr>
+              <a:t>Profiteur des Systems</a:t>
             </a:r>
           </a:p>
         </p:txBody>
@@ -13856,15 +14091,33 @@
                                   </p:childTnLst>
                                 </p:cTn>
                               </p:par>
+                            </p:childTnLst>
+                          </p:cTn>
+                        </p:par>
+                      </p:childTnLst>
+                    </p:cTn>
+                  </p:par>
+                  <p:par>
+                    <p:cTn id="21" fill="hold">
+                      <p:stCondLst>
+                        <p:cond delay="indefinite"/>
+                      </p:stCondLst>
+                      <p:childTnLst>
+                        <p:par>
+                          <p:cTn id="22" fill="hold">
+                            <p:stCondLst>
+                              <p:cond delay="0"/>
+                            </p:stCondLst>
+                            <p:childTnLst>
                               <p:par>
-                                <p:cTn id="21" presetID="1" presetClass="entr" presetSubtype="0" fill="hold" nodeType="withEffect">
+                                <p:cTn id="23" presetID="1" presetClass="entr" presetSubtype="0" fill="hold" nodeType="clickEffect">
                                   <p:stCondLst>
                                     <p:cond delay="0"/>
                                   </p:stCondLst>
                                   <p:childTnLst>
                                     <p:set>
                                       <p:cBhvr>
-                                        <p:cTn id="22" dur="1" fill="hold">
+                                        <p:cTn id="24" dur="1" fill="hold">
                                           <p:stCondLst>
                                             <p:cond delay="0"/>
                                           </p:stCondLst>
@@ -13888,14 +14141,14 @@
                                 </p:cTn>
                               </p:par>
                               <p:par>
-                                <p:cTn id="23" presetID="1" presetClass="entr" presetSubtype="0" fill="hold" nodeType="withEffect">
+                                <p:cTn id="25" presetID="1" presetClass="entr" presetSubtype="0" fill="hold" nodeType="withEffect">
                                   <p:stCondLst>
                                     <p:cond delay="0"/>
                                   </p:stCondLst>
                                   <p:childTnLst>
                                     <p:set>
                                       <p:cBhvr>
-                                        <p:cTn id="24" dur="1" fill="hold">
+                                        <p:cTn id="26" dur="1" fill="hold">
                                           <p:stCondLst>
                                             <p:cond delay="0"/>
                                           </p:stCondLst>
@@ -13918,26 +14171,8 @@
                                   </p:childTnLst>
                                 </p:cTn>
                               </p:par>
-                            </p:childTnLst>
-                          </p:cTn>
-                        </p:par>
-                      </p:childTnLst>
-                    </p:cTn>
-                  </p:par>
-                  <p:par>
-                    <p:cTn id="25" fill="hold">
-                      <p:stCondLst>
-                        <p:cond delay="indefinite"/>
-                      </p:stCondLst>
-                      <p:childTnLst>
-                        <p:par>
-                          <p:cTn id="26" fill="hold">
-                            <p:stCondLst>
-                              <p:cond delay="0"/>
-                            </p:stCondLst>
-                            <p:childTnLst>
                               <p:par>
-                                <p:cTn id="27" presetID="1" presetClass="entr" presetSubtype="0" fill="hold" nodeType="clickEffect">
+                                <p:cTn id="27" presetID="1" presetClass="entr" presetSubtype="0" fill="hold" nodeType="withEffect">
                                   <p:stCondLst>
                                     <p:cond delay="0"/>
                                   </p:stCondLst>
@@ -14015,37 +14250,6 @@
                                           <p:spTgt spid="20">
                                             <p:txEl>
                                               <p:pRg st="11" end="11"/>
-                                            </p:txEl>
-                                          </p:spTgt>
-                                        </p:tgtEl>
-                                        <p:attrNameLst>
-                                          <p:attrName>style.visibility</p:attrName>
-                                        </p:attrNameLst>
-                                      </p:cBhvr>
-                                      <p:to>
-                                        <p:strVal val="visible"/>
-                                      </p:to>
-                                    </p:set>
-                                  </p:childTnLst>
-                                </p:cTn>
-                              </p:par>
-                              <p:par>
-                                <p:cTn id="33" presetID="1" presetClass="entr" presetSubtype="0" fill="hold" nodeType="withEffect">
-                                  <p:stCondLst>
-                                    <p:cond delay="0"/>
-                                  </p:stCondLst>
-                                  <p:childTnLst>
-                                    <p:set>
-                                      <p:cBhvr>
-                                        <p:cTn id="34" dur="1" fill="hold">
-                                          <p:stCondLst>
-                                            <p:cond delay="0"/>
-                                          </p:stCondLst>
-                                        </p:cTn>
-                                        <p:tgtEl>
-                                          <p:spTgt spid="20">
-                                            <p:txEl>
-                                              <p:pRg st="12" end="12"/>
                                             </p:txEl>
                                           </p:spTgt>
                                         </p:tgtEl>

--- a/project-docs/B_Präsentationen/JF_18.04.23_Präsentation_Ü2.pptx
+++ b/project-docs/B_Präsentationen/JF_18.04.23_Präsentation_Ü2.pptx
@@ -7920,8 +7920,8 @@
         </p:nvSpPr>
         <p:spPr>
           <a:xfrm>
-            <a:off x="2550670" y="1996735"/>
-            <a:ext cx="2962883" cy="562169"/>
+            <a:off x="2550671" y="1996735"/>
+            <a:ext cx="2848008" cy="562169"/>
           </a:xfrm>
           <a:prstGeom prst="rect">
             <a:avLst/>
@@ -7965,7 +7965,7 @@
           <a:p>
             <a:pPr algn="ctr"/>
             <a:r>
-              <a:rPr lang="de-DE" sz="3200" b="1" dirty="0">
+              <a:rPr lang="de-DE" sz="3000" b="1" dirty="0">
                 <a:solidFill>
                   <a:srgbClr val="00338D"/>
                 </a:solidFill>
@@ -7976,7 +7976,7 @@
               <a:t>KIEFEL GmbH</a:t>
             </a:r>
             <a:br>
-              <a:rPr lang="de-DE" sz="3200" b="1" dirty="0">
+              <a:rPr lang="de-DE" sz="3000" b="1" dirty="0">
                 <a:solidFill>
                   <a:srgbClr val="00338D"/>
                 </a:solidFill>
@@ -7985,7 +7985,7 @@
                 <a:cs typeface="Helvetica Neue Condensed" panose="02000503000000020004" pitchFamily="2" charset="0"/>
               </a:rPr>
             </a:br>
-            <a:endParaRPr lang="de-DE" sz="3200" b="1" dirty="0">
+            <a:endParaRPr lang="de-DE" sz="3000" b="1" dirty="0">
               <a:solidFill>
                 <a:schemeClr val="accent1">
                   <a:lumMod val="50000"/>
@@ -8060,7 +8060,7 @@
           <a:p>
             <a:pPr algn="ctr"/>
             <a:r>
-              <a:rPr lang="de-DE" sz="3200" b="1" dirty="0">
+              <a:rPr lang="de-DE" sz="3000" b="1" dirty="0">
                 <a:solidFill>
                   <a:srgbClr val="00338D"/>
                 </a:solidFill>
@@ -8070,7 +8070,7 @@
               </a:rPr>
               <a:t>Kunde von KIEFEL</a:t>
             </a:r>
-            <a:endParaRPr lang="de-DE" sz="3200" b="1" dirty="0">
+            <a:endParaRPr lang="de-DE" sz="3000" b="1" dirty="0">
               <a:solidFill>
                 <a:schemeClr val="accent1">
                   <a:lumMod val="50000"/>

--- a/project-docs/B_Präsentationen/JF_18.04.23_Präsentation_Ü2.pptx
+++ b/project-docs/B_Präsentationen/JF_18.04.23_Präsentation_Ü2.pptx
@@ -219,7 +219,7 @@
           <a:p>
             <a:fld id="{0049BD44-9549-5148-885E-86F25AFF069C}" type="datetimeFigureOut">
               <a:rPr lang="de-DE" smtClean="0"/>
-              <a:t>16.04.23</a:t>
+              <a:t>17.04.2023</a:t>
             </a:fld>
             <a:endParaRPr lang="de-DE"/>
           </a:p>
@@ -4092,7 +4092,7 @@
         </p:spPr>
         <p:txBody>
           <a:bodyPr vert="horz" lIns="91440" tIns="45720" rIns="91440" bIns="45720" rtlCol="0" anchor="t">
-            <a:normAutofit/>
+            <a:normAutofit fontScale="92500" lnSpcReduction="10000"/>
           </a:bodyPr>
           <a:lstStyle>
             <a:lvl1pPr algn="l" defTabSz="914400" rtl="0" eaLnBrk="1" latinLnBrk="0" hangingPunct="1">
@@ -4824,7 +4824,7 @@
         <p:spPr>
           <a:xfrm>
             <a:off x="990941" y="1701545"/>
-            <a:ext cx="9659234" cy="4216539"/>
+            <a:ext cx="9659234" cy="3893374"/>
           </a:xfrm>
           <a:prstGeom prst="rect">
             <a:avLst/>
@@ -5018,14 +5018,8 @@
                 <a:effectLst/>
                 <a:latin typeface="Helvetica Neue" panose="02000503000000020004" pitchFamily="2" charset="0"/>
               </a:rPr>
-              <a:t>Webapp für mobile Endgeräte         </a:t>
-            </a:r>
-            <a:endParaRPr lang="de-DE" sz="1600" dirty="0">
-              <a:solidFill>
-                <a:srgbClr val="000000"/>
-              </a:solidFill>
-              <a:latin typeface="Noto Sans Symbols"/>
-            </a:endParaRPr>
+              <a:t>Webapp für mobile Endgeräte </a:t>
+            </a:r>
           </a:p>
           <a:p>
             <a:pPr marL="1200150" lvl="2" indent="-285750">
@@ -5046,64 +5040,14 @@
                 <a:effectLst/>
                 <a:latin typeface="Helvetica Neue" panose="02000503000000020004" pitchFamily="2" charset="0"/>
               </a:rPr>
-              <a:t>VSC Extension zum Starten eines lokalen Servers (</a:t>
-            </a:r>
-            <a:r>
-              <a:rPr lang="de-DE" sz="1600" b="0" i="0" u="none" strike="noStrike" dirty="0" err="1">
-                <a:solidFill>
-                  <a:srgbClr val="000000"/>
-                </a:solidFill>
-                <a:effectLst/>
-                <a:latin typeface="Helvetica Neue" panose="02000503000000020004" pitchFamily="2" charset="0"/>
-              </a:rPr>
-              <a:t>Dev</a:t>
-            </a:r>
-            <a:r>
-              <a:rPr lang="de-DE" sz="1600" b="0" i="0" u="none" strike="noStrike" dirty="0">
-                <a:solidFill>
-                  <a:srgbClr val="000000"/>
-                </a:solidFill>
-                <a:effectLst/>
-                <a:latin typeface="Helvetica Neue" panose="02000503000000020004" pitchFamily="2" charset="0"/>
-              </a:rPr>
-              <a:t>-Mode)</a:t>
-            </a:r>
-            <a:endParaRPr lang="de-DE" sz="1600" dirty="0">
-              <a:solidFill>
-                <a:srgbClr val="000000"/>
-              </a:solidFill>
-              <a:latin typeface="Noto Sans Symbols"/>
-            </a:endParaRPr>
-          </a:p>
-          <a:p>
-            <a:pPr marL="1200150" lvl="2" indent="-285750">
+              <a:t>Berücksichtigung beim Testen in Development</a:t>
+            </a:r>
+          </a:p>
+          <a:p>
+            <a:pPr lvl="1">
               <a:spcAft>
                 <a:spcPts val="600"/>
               </a:spcAft>
-              <a:buClr>
-                <a:schemeClr val="tx1"/>
-              </a:buClr>
-              <a:buFont typeface="Symbol" pitchFamily="2" charset="2"/>
-              <a:buChar char="-"/>
-            </a:pPr>
-            <a:r>
-              <a:rPr lang="de-DE" sz="1600" b="0" i="0" u="none" strike="noStrike" dirty="0">
-                <a:solidFill>
-                  <a:srgbClr val="000000"/>
-                </a:solidFill>
-                <a:effectLst/>
-                <a:latin typeface="Helvetica Neue" panose="02000503000000020004" pitchFamily="2" charset="0"/>
-              </a:rPr>
-              <a:t>Zugriff im gleichen Netzwerk über IP-Adresse</a:t>
-            </a:r>
-          </a:p>
-          <a:p>
-            <a:pPr marL="628650" lvl="1" indent="-171450">
-              <a:spcAft>
-                <a:spcPts val="600"/>
-              </a:spcAft>
-              <a:buFont typeface="Symbol" pitchFamily="2" charset="2"/>
-              <a:buChar char="-"/>
             </a:pPr>
             <a:endParaRPr lang="de-DE" sz="1200" dirty="0">
               <a:solidFill>
@@ -5355,37 +5299,6 @@
                                           <p:spTgt spid="3">
                                             <p:txEl>
                                               <p:pRg st="9" end="9"/>
-                                            </p:txEl>
-                                          </p:spTgt>
-                                        </p:tgtEl>
-                                        <p:attrNameLst>
-                                          <p:attrName>style.visibility</p:attrName>
-                                        </p:attrNameLst>
-                                      </p:cBhvr>
-                                      <p:to>
-                                        <p:strVal val="visible"/>
-                                      </p:to>
-                                    </p:set>
-                                  </p:childTnLst>
-                                </p:cTn>
-                              </p:par>
-                              <p:par>
-                                <p:cTn id="11" presetID="1" presetClass="entr" presetSubtype="0" fill="hold" nodeType="withEffect">
-                                  <p:stCondLst>
-                                    <p:cond delay="0"/>
-                                  </p:stCondLst>
-                                  <p:childTnLst>
-                                    <p:set>
-                                      <p:cBhvr>
-                                        <p:cTn id="12" dur="1" fill="hold">
-                                          <p:stCondLst>
-                                            <p:cond delay="0"/>
-                                          </p:stCondLst>
-                                        </p:cTn>
-                                        <p:tgtEl>
-                                          <p:spTgt spid="3">
-                                            <p:txEl>
-                                              <p:pRg st="10" end="10"/>
                                             </p:txEl>
                                           </p:spTgt>
                                         </p:tgtEl>
@@ -11535,7 +11448,7 @@
         </p:nvSpPr>
         <p:spPr>
           <a:xfrm>
-            <a:off x="1275142" y="4216943"/>
+            <a:off x="1275142" y="4212710"/>
             <a:ext cx="2382489" cy="1569660"/>
           </a:xfrm>
           <a:prstGeom prst="rect">
@@ -13007,7 +12920,7 @@
         </p:nvSpPr>
         <p:spPr>
           <a:xfrm>
-            <a:off x="1273879" y="4219071"/>
+            <a:off x="1273879" y="4214838"/>
             <a:ext cx="2356289" cy="1569660"/>
           </a:xfrm>
           <a:prstGeom prst="rect">
